--- a/提升運動表現輔助系統.pptx
+++ b/提升運動表現輔助系統.pptx
@@ -271,7 +271,7 @@
           <a:p>
             <a:fld id="{0DAF61AA-5A98-4049-A93E-477E5505141A}" type="datetimeFigureOut">
               <a:rPr lang="en-US" smtClean="0"/>
-              <a:t>2/28/2023</a:t>
+              <a:t>3/1/2023</a:t>
             </a:fld>
             <a:endParaRPr lang="en-US" dirty="0"/>
           </a:p>
@@ -471,7 +471,7 @@
           <a:p>
             <a:fld id="{0DAF61AA-5A98-4049-A93E-477E5505141A}" type="datetimeFigureOut">
               <a:rPr lang="en-US" smtClean="0"/>
-              <a:t>2/28/2023</a:t>
+              <a:t>3/1/2023</a:t>
             </a:fld>
             <a:endParaRPr lang="en-US"/>
           </a:p>
@@ -681,7 +681,7 @@
           <a:p>
             <a:fld id="{0DAF61AA-5A98-4049-A93E-477E5505141A}" type="datetimeFigureOut">
               <a:rPr lang="en-US" smtClean="0"/>
-              <a:t>2/28/2023</a:t>
+              <a:t>3/1/2023</a:t>
             </a:fld>
             <a:endParaRPr lang="en-US"/>
           </a:p>
@@ -881,7 +881,7 @@
           <a:p>
             <a:fld id="{0DAF61AA-5A98-4049-A93E-477E5505141A}" type="datetimeFigureOut">
               <a:rPr lang="en-US" smtClean="0"/>
-              <a:t>2/28/2023</a:t>
+              <a:t>3/1/2023</a:t>
             </a:fld>
             <a:endParaRPr lang="en-US"/>
           </a:p>
@@ -1157,7 +1157,7 @@
           <a:p>
             <a:fld id="{0DAF61AA-5A98-4049-A93E-477E5505141A}" type="datetimeFigureOut">
               <a:rPr lang="en-US" smtClean="0"/>
-              <a:t>2/28/2023</a:t>
+              <a:t>3/1/2023</a:t>
             </a:fld>
             <a:endParaRPr lang="en-US"/>
           </a:p>
@@ -1425,7 +1425,7 @@
           <a:p>
             <a:fld id="{0DAF61AA-5A98-4049-A93E-477E5505141A}" type="datetimeFigureOut">
               <a:rPr lang="en-US" smtClean="0"/>
-              <a:t>2/28/2023</a:t>
+              <a:t>3/1/2023</a:t>
             </a:fld>
             <a:endParaRPr lang="en-US"/>
           </a:p>
@@ -1840,7 +1840,7 @@
           <a:p>
             <a:fld id="{0DAF61AA-5A98-4049-A93E-477E5505141A}" type="datetimeFigureOut">
               <a:rPr lang="en-US" smtClean="0"/>
-              <a:t>2/28/2023</a:t>
+              <a:t>3/1/2023</a:t>
             </a:fld>
             <a:endParaRPr lang="en-US"/>
           </a:p>
@@ -1982,7 +1982,7 @@
           <a:p>
             <a:fld id="{0DAF61AA-5A98-4049-A93E-477E5505141A}" type="datetimeFigureOut">
               <a:rPr lang="en-US" smtClean="0"/>
-              <a:t>2/28/2023</a:t>
+              <a:t>3/1/2023</a:t>
             </a:fld>
             <a:endParaRPr lang="en-US"/>
           </a:p>
@@ -2095,7 +2095,7 @@
           <a:p>
             <a:fld id="{0DAF61AA-5A98-4049-A93E-477E5505141A}" type="datetimeFigureOut">
               <a:rPr lang="en-US" smtClean="0"/>
-              <a:t>2/28/2023</a:t>
+              <a:t>3/1/2023</a:t>
             </a:fld>
             <a:endParaRPr lang="en-US"/>
           </a:p>
@@ -2408,7 +2408,7 @@
           <a:p>
             <a:fld id="{0DAF61AA-5A98-4049-A93E-477E5505141A}" type="datetimeFigureOut">
               <a:rPr lang="en-US" smtClean="0"/>
-              <a:t>2/28/2023</a:t>
+              <a:t>3/1/2023</a:t>
             </a:fld>
             <a:endParaRPr lang="en-US"/>
           </a:p>
@@ -2701,7 +2701,7 @@
           <a:p>
             <a:fld id="{0DAF61AA-5A98-4049-A93E-477E5505141A}" type="datetimeFigureOut">
               <a:rPr lang="en-US" smtClean="0"/>
-              <a:t>2/28/2023</a:t>
+              <a:t>3/1/2023</a:t>
             </a:fld>
             <a:endParaRPr lang="en-US"/>
           </a:p>
@@ -6411,7 +6411,7 @@
             <a:fld id="{0DAF61AA-5A98-4049-A93E-477E5505141A}" type="datetimeFigureOut">
               <a:rPr lang="en-US" smtClean="0"/>
               <a:pPr/>
-              <a:t>2/28/2023</a:t>
+              <a:t>3/1/2023</a:t>
             </a:fld>
             <a:endParaRPr lang="en-US" dirty="0"/>
           </a:p>
@@ -7838,6 +7838,66 @@
           </a:p>
         </p:txBody>
       </p:sp>
+      <p:pic>
+        <p:nvPicPr>
+          <p:cNvPr id="7" name="圖片 6">
+            <a:extLst>
+              <a:ext uri="{FF2B5EF4-FFF2-40B4-BE49-F238E27FC236}">
+                <a16:creationId xmlns:a16="http://schemas.microsoft.com/office/drawing/2014/main" id="{9BD8AE46-A399-7640-F0F5-D3A51A008732}"/>
+              </a:ext>
+            </a:extLst>
+          </p:cNvPr>
+          <p:cNvPicPr>
+            <a:picLocks noChangeAspect="1"/>
+          </p:cNvPicPr>
+          <p:nvPr/>
+        </p:nvPicPr>
+        <p:blipFill>
+          <a:blip r:embed="rId2"/>
+          <a:stretch>
+            <a:fillRect/>
+          </a:stretch>
+        </p:blipFill>
+        <p:spPr>
+          <a:xfrm>
+            <a:off x="5023713" y="3207885"/>
+            <a:ext cx="2562583" cy="3315163"/>
+          </a:xfrm>
+          <a:prstGeom prst="rect">
+            <a:avLst/>
+          </a:prstGeom>
+        </p:spPr>
+      </p:pic>
+      <p:pic>
+        <p:nvPicPr>
+          <p:cNvPr id="9" name="圖片 8">
+            <a:extLst>
+              <a:ext uri="{FF2B5EF4-FFF2-40B4-BE49-F238E27FC236}">
+                <a16:creationId xmlns:a16="http://schemas.microsoft.com/office/drawing/2014/main" id="{31F0B7C0-F3CF-92B4-4F05-9E903C42176B}"/>
+              </a:ext>
+            </a:extLst>
+          </p:cNvPr>
+          <p:cNvPicPr>
+            <a:picLocks noChangeAspect="1"/>
+          </p:cNvPicPr>
+          <p:nvPr/>
+        </p:nvPicPr>
+        <p:blipFill>
+          <a:blip r:embed="rId3"/>
+          <a:stretch>
+            <a:fillRect/>
+          </a:stretch>
+        </p:blipFill>
+        <p:spPr>
+          <a:xfrm>
+            <a:off x="8278213" y="3207885"/>
+            <a:ext cx="2131122" cy="3263556"/>
+          </a:xfrm>
+          <a:prstGeom prst="rect">
+            <a:avLst/>
+          </a:prstGeom>
+        </p:spPr>
+      </p:pic>
     </p:spTree>
     <p:extLst>
       <p:ext uri="{BB962C8B-B14F-4D97-AF65-F5344CB8AC3E}">

--- a/提升運動表現輔助系統.pptx
+++ b/提升運動表現輔助系統.pptx
@@ -12,10 +12,12 @@
     <p:sldId id="258" r:id="rId6"/>
     <p:sldId id="259" r:id="rId7"/>
     <p:sldId id="260" r:id="rId8"/>
-    <p:sldId id="262" r:id="rId9"/>
-    <p:sldId id="261" r:id="rId10"/>
-    <p:sldId id="266" r:id="rId11"/>
-    <p:sldId id="265" r:id="rId12"/>
+    <p:sldId id="269" r:id="rId9"/>
+    <p:sldId id="268" r:id="rId10"/>
+    <p:sldId id="262" r:id="rId11"/>
+    <p:sldId id="261" r:id="rId12"/>
+    <p:sldId id="266" r:id="rId13"/>
+    <p:sldId id="265" r:id="rId14"/>
   </p:sldIdLst>
   <p:sldSz cx="12192000" cy="6858000"/>
   <p:notesSz cx="6858000" cy="9144000"/>
@@ -271,7 +273,7 @@
           <a:p>
             <a:fld id="{0DAF61AA-5A98-4049-A93E-477E5505141A}" type="datetimeFigureOut">
               <a:rPr lang="en-US" smtClean="0"/>
-              <a:t>3/1/2023</a:t>
+              <a:t>3/7/2023</a:t>
             </a:fld>
             <a:endParaRPr lang="en-US" dirty="0"/>
           </a:p>
@@ -471,7 +473,7 @@
           <a:p>
             <a:fld id="{0DAF61AA-5A98-4049-A93E-477E5505141A}" type="datetimeFigureOut">
               <a:rPr lang="en-US" smtClean="0"/>
-              <a:t>3/1/2023</a:t>
+              <a:t>3/7/2023</a:t>
             </a:fld>
             <a:endParaRPr lang="en-US"/>
           </a:p>
@@ -681,7 +683,7 @@
           <a:p>
             <a:fld id="{0DAF61AA-5A98-4049-A93E-477E5505141A}" type="datetimeFigureOut">
               <a:rPr lang="en-US" smtClean="0"/>
-              <a:t>3/1/2023</a:t>
+              <a:t>3/7/2023</a:t>
             </a:fld>
             <a:endParaRPr lang="en-US"/>
           </a:p>
@@ -881,7 +883,7 @@
           <a:p>
             <a:fld id="{0DAF61AA-5A98-4049-A93E-477E5505141A}" type="datetimeFigureOut">
               <a:rPr lang="en-US" smtClean="0"/>
-              <a:t>3/1/2023</a:t>
+              <a:t>3/7/2023</a:t>
             </a:fld>
             <a:endParaRPr lang="en-US"/>
           </a:p>
@@ -1157,7 +1159,7 @@
           <a:p>
             <a:fld id="{0DAF61AA-5A98-4049-A93E-477E5505141A}" type="datetimeFigureOut">
               <a:rPr lang="en-US" smtClean="0"/>
-              <a:t>3/1/2023</a:t>
+              <a:t>3/7/2023</a:t>
             </a:fld>
             <a:endParaRPr lang="en-US"/>
           </a:p>
@@ -1425,7 +1427,7 @@
           <a:p>
             <a:fld id="{0DAF61AA-5A98-4049-A93E-477E5505141A}" type="datetimeFigureOut">
               <a:rPr lang="en-US" smtClean="0"/>
-              <a:t>3/1/2023</a:t>
+              <a:t>3/7/2023</a:t>
             </a:fld>
             <a:endParaRPr lang="en-US"/>
           </a:p>
@@ -1840,7 +1842,7 @@
           <a:p>
             <a:fld id="{0DAF61AA-5A98-4049-A93E-477E5505141A}" type="datetimeFigureOut">
               <a:rPr lang="en-US" smtClean="0"/>
-              <a:t>3/1/2023</a:t>
+              <a:t>3/7/2023</a:t>
             </a:fld>
             <a:endParaRPr lang="en-US"/>
           </a:p>
@@ -1982,7 +1984,7 @@
           <a:p>
             <a:fld id="{0DAF61AA-5A98-4049-A93E-477E5505141A}" type="datetimeFigureOut">
               <a:rPr lang="en-US" smtClean="0"/>
-              <a:t>3/1/2023</a:t>
+              <a:t>3/7/2023</a:t>
             </a:fld>
             <a:endParaRPr lang="en-US"/>
           </a:p>
@@ -2095,7 +2097,7 @@
           <a:p>
             <a:fld id="{0DAF61AA-5A98-4049-A93E-477E5505141A}" type="datetimeFigureOut">
               <a:rPr lang="en-US" smtClean="0"/>
-              <a:t>3/1/2023</a:t>
+              <a:t>3/7/2023</a:t>
             </a:fld>
             <a:endParaRPr lang="en-US"/>
           </a:p>
@@ -2408,7 +2410,7 @@
           <a:p>
             <a:fld id="{0DAF61AA-5A98-4049-A93E-477E5505141A}" type="datetimeFigureOut">
               <a:rPr lang="en-US" smtClean="0"/>
-              <a:t>3/1/2023</a:t>
+              <a:t>3/7/2023</a:t>
             </a:fld>
             <a:endParaRPr lang="en-US"/>
           </a:p>
@@ -2701,7 +2703,7 @@
           <a:p>
             <a:fld id="{0DAF61AA-5A98-4049-A93E-477E5505141A}" type="datetimeFigureOut">
               <a:rPr lang="en-US" smtClean="0"/>
-              <a:t>3/1/2023</a:t>
+              <a:t>3/7/2023</a:t>
             </a:fld>
             <a:endParaRPr lang="en-US"/>
           </a:p>
@@ -6411,7 +6413,7 @@
             <a:fld id="{0DAF61AA-5A98-4049-A93E-477E5505141A}" type="datetimeFigureOut">
               <a:rPr lang="en-US" smtClean="0"/>
               <a:pPr/>
-              <a:t>3/1/2023</a:t>
+              <a:t>3/7/2023</a:t>
             </a:fld>
             <a:endParaRPr lang="en-US" dirty="0"/>
           </a:p>
@@ -6869,7 +6871,7 @@
           <a:p>
             <a:r>
               <a:rPr lang="zh-TW" altLang="en-US" b="1" dirty="0"/>
-              <a:t>提升運動表現輔助系統</a:t>
+              <a:t>提升跳躍力輔助系統</a:t>
             </a:r>
           </a:p>
         </p:txBody>
@@ -6978,6 +6980,268 @@
           <p:cNvPr id="2" name="標題 1">
             <a:extLst>
               <a:ext uri="{FF2B5EF4-FFF2-40B4-BE49-F238E27FC236}">
+                <a16:creationId xmlns:a16="http://schemas.microsoft.com/office/drawing/2014/main" id="{34E91A7A-6CF7-C82A-04C2-0DA5459DDA90}"/>
+              </a:ext>
+            </a:extLst>
+          </p:cNvPr>
+          <p:cNvSpPr>
+            <a:spLocks noGrp="1"/>
+          </p:cNvSpPr>
+          <p:nvPr>
+            <p:ph type="title"/>
+          </p:nvPr>
+        </p:nvSpPr>
+        <p:spPr/>
+        <p:txBody>
+          <a:bodyPr/>
+          <a:lstStyle/>
+          <a:p>
+            <a:r>
+              <a:rPr lang="zh-TW" altLang="en-US" b="1" dirty="0"/>
+              <a:t>功能性訓練動作姿態矯正</a:t>
+            </a:r>
+          </a:p>
+        </p:txBody>
+      </p:sp>
+      <p:sp>
+        <p:nvSpPr>
+          <p:cNvPr id="3" name="內容版面配置區 2">
+            <a:extLst>
+              <a:ext uri="{FF2B5EF4-FFF2-40B4-BE49-F238E27FC236}">
+                <a16:creationId xmlns:a16="http://schemas.microsoft.com/office/drawing/2014/main" id="{2F061AD7-7EBD-90A5-30CD-1CAB087F5F00}"/>
+              </a:ext>
+            </a:extLst>
+          </p:cNvPr>
+          <p:cNvSpPr>
+            <a:spLocks noGrp="1"/>
+          </p:cNvSpPr>
+          <p:nvPr>
+            <p:ph idx="1"/>
+          </p:nvPr>
+        </p:nvSpPr>
+        <p:spPr/>
+        <p:txBody>
+          <a:bodyPr/>
+          <a:lstStyle/>
+          <a:p>
+            <a:pPr>
+              <a:buFont typeface="Wingdings" panose="05000000000000000000" pitchFamily="2" charset="2"/>
+              <a:buChar char="l"/>
+            </a:pPr>
+            <a:r>
+              <a:rPr lang="zh-TW" altLang="en-US" dirty="0"/>
+              <a:t> 系統同時也可以在使用者進行訓練時為使用者矯正訓練動作姿態，幫助使用者在不受傷的前提下有效率地訓練目標肌群。</a:t>
+            </a:r>
+          </a:p>
+        </p:txBody>
+      </p:sp>
+      <p:pic>
+        <p:nvPicPr>
+          <p:cNvPr id="4" name="圖片 3">
+            <a:extLst>
+              <a:ext uri="{FF2B5EF4-FFF2-40B4-BE49-F238E27FC236}">
+                <a16:creationId xmlns:a16="http://schemas.microsoft.com/office/drawing/2014/main" id="{E1774CD5-DD29-F49C-B9F9-DC755DF90317}"/>
+              </a:ext>
+            </a:extLst>
+          </p:cNvPr>
+          <p:cNvPicPr>
+            <a:picLocks noChangeAspect="1"/>
+          </p:cNvPicPr>
+          <p:nvPr/>
+        </p:nvPicPr>
+        <p:blipFill>
+          <a:blip r:embed="rId2"/>
+          <a:stretch>
+            <a:fillRect/>
+          </a:stretch>
+        </p:blipFill>
+        <p:spPr>
+          <a:xfrm>
+            <a:off x="2843502" y="3037708"/>
+            <a:ext cx="6504996" cy="3920068"/>
+          </a:xfrm>
+          <a:prstGeom prst="rect">
+            <a:avLst/>
+          </a:prstGeom>
+        </p:spPr>
+      </p:pic>
+    </p:spTree>
+    <p:extLst>
+      <p:ext uri="{BB962C8B-B14F-4D97-AF65-F5344CB8AC3E}">
+        <p14:creationId xmlns:p14="http://schemas.microsoft.com/office/powerpoint/2010/main" val="2969864980"/>
+      </p:ext>
+    </p:extLst>
+  </p:cSld>
+  <p:clrMapOvr>
+    <a:masterClrMapping/>
+  </p:clrMapOvr>
+</p:sld>
+</file>
+
+<file path=ppt/slides/slide11.xml><?xml version="1.0" encoding="utf-8"?>
+<p:sld xmlns:a="http://schemas.openxmlformats.org/drawingml/2006/main" xmlns:r="http://schemas.openxmlformats.org/officeDocument/2006/relationships" xmlns:p="http://schemas.openxmlformats.org/presentationml/2006/main">
+  <p:cSld>
+    <p:spTree>
+      <p:nvGrpSpPr>
+        <p:cNvPr id="1" name=""/>
+        <p:cNvGrpSpPr/>
+        <p:nvPr/>
+      </p:nvGrpSpPr>
+      <p:grpSpPr>
+        <a:xfrm>
+          <a:off x="0" y="0"/>
+          <a:ext cx="0" cy="0"/>
+          <a:chOff x="0" y="0"/>
+          <a:chExt cx="0" cy="0"/>
+        </a:xfrm>
+      </p:grpSpPr>
+      <p:sp>
+        <p:nvSpPr>
+          <p:cNvPr id="2" name="標題 1">
+            <a:extLst>
+              <a:ext uri="{FF2B5EF4-FFF2-40B4-BE49-F238E27FC236}">
+                <a16:creationId xmlns:a16="http://schemas.microsoft.com/office/drawing/2014/main" id="{BBDB05D7-3DB1-C17C-D706-8748BF4733D4}"/>
+              </a:ext>
+            </a:extLst>
+          </p:cNvPr>
+          <p:cNvSpPr>
+            <a:spLocks noGrp="1"/>
+          </p:cNvSpPr>
+          <p:nvPr>
+            <p:ph type="title"/>
+          </p:nvPr>
+        </p:nvSpPr>
+        <p:spPr/>
+        <p:txBody>
+          <a:bodyPr/>
+          <a:lstStyle/>
+          <a:p>
+            <a:r>
+              <a:rPr lang="zh-TW" altLang="en-US" b="1" dirty="0"/>
+              <a:t>自定義動作</a:t>
+            </a:r>
+          </a:p>
+        </p:txBody>
+      </p:sp>
+      <p:sp>
+        <p:nvSpPr>
+          <p:cNvPr id="3" name="內容版面配置區 2">
+            <a:extLst>
+              <a:ext uri="{FF2B5EF4-FFF2-40B4-BE49-F238E27FC236}">
+                <a16:creationId xmlns:a16="http://schemas.microsoft.com/office/drawing/2014/main" id="{8B671972-2A05-CFDD-9395-C290AB587841}"/>
+              </a:ext>
+            </a:extLst>
+          </p:cNvPr>
+          <p:cNvSpPr>
+            <a:spLocks noGrp="1"/>
+          </p:cNvSpPr>
+          <p:nvPr>
+            <p:ph idx="1"/>
+          </p:nvPr>
+        </p:nvSpPr>
+        <p:spPr/>
+        <p:txBody>
+          <a:bodyPr/>
+          <a:lstStyle/>
+          <a:p>
+            <a:pPr>
+              <a:buFont typeface="Wingdings" panose="05000000000000000000" pitchFamily="2" charset="2"/>
+              <a:buChar char="l"/>
+            </a:pPr>
+            <a:r>
+              <a:rPr lang="zh-TW" altLang="en-US" dirty="0"/>
+              <a:t> 使用者也可以選擇自定義訓練動作。使用者在系統的引導下建立好動作模組後，系統會先判定該動作是否會造成運動傷害</a:t>
+            </a:r>
+            <a:r>
+              <a:rPr lang="en-US" altLang="zh-TW" dirty="0"/>
+              <a:t>(</a:t>
+            </a:r>
+            <a:r>
+              <a:rPr lang="zh-TW" altLang="en-US" dirty="0"/>
+              <a:t>例如過度肩內旋會導致肩峰撞擊</a:t>
+            </a:r>
+            <a:r>
+              <a:rPr lang="en-US" altLang="zh-TW" dirty="0"/>
+              <a:t>)</a:t>
+            </a:r>
+            <a:r>
+              <a:rPr lang="zh-TW" altLang="en-US" dirty="0"/>
+              <a:t>，通過判定後系統即可以使用者自定義的動作為標準為使用者進行姿態矯正。</a:t>
+            </a:r>
+          </a:p>
+        </p:txBody>
+      </p:sp>
+      <p:pic>
+        <p:nvPicPr>
+          <p:cNvPr id="5" name="圖片 4">
+            <a:extLst>
+              <a:ext uri="{FF2B5EF4-FFF2-40B4-BE49-F238E27FC236}">
+                <a16:creationId xmlns:a16="http://schemas.microsoft.com/office/drawing/2014/main" id="{489D2C80-FCDF-D003-E150-1DB51C1B1B4F}"/>
+              </a:ext>
+            </a:extLst>
+          </p:cNvPr>
+          <p:cNvPicPr>
+            <a:picLocks noChangeAspect="1"/>
+          </p:cNvPicPr>
+          <p:nvPr/>
+        </p:nvPicPr>
+        <p:blipFill>
+          <a:blip r:embed="rId2">
+            <a:extLst>
+              <a:ext uri="{28A0092B-C50C-407E-A947-70E740481C1C}">
+                <a14:useLocalDpi xmlns:a14="http://schemas.microsoft.com/office/drawing/2010/main" val="0"/>
+              </a:ext>
+            </a:extLst>
+          </a:blip>
+          <a:stretch>
+            <a:fillRect/>
+          </a:stretch>
+        </p:blipFill>
+        <p:spPr>
+          <a:xfrm>
+            <a:off x="7271156" y="3634227"/>
+            <a:ext cx="4082644" cy="2858648"/>
+          </a:xfrm>
+          <a:prstGeom prst="rect">
+            <a:avLst/>
+          </a:prstGeom>
+        </p:spPr>
+      </p:pic>
+    </p:spTree>
+    <p:extLst>
+      <p:ext uri="{BB962C8B-B14F-4D97-AF65-F5344CB8AC3E}">
+        <p14:creationId xmlns:p14="http://schemas.microsoft.com/office/powerpoint/2010/main" val="327770005"/>
+      </p:ext>
+    </p:extLst>
+  </p:cSld>
+  <p:clrMapOvr>
+    <a:masterClrMapping/>
+  </p:clrMapOvr>
+</p:sld>
+</file>
+
+<file path=ppt/slides/slide12.xml><?xml version="1.0" encoding="utf-8"?>
+<p:sld xmlns:a="http://schemas.openxmlformats.org/drawingml/2006/main" xmlns:r="http://schemas.openxmlformats.org/officeDocument/2006/relationships" xmlns:p="http://schemas.openxmlformats.org/presentationml/2006/main">
+  <p:cSld>
+    <p:spTree>
+      <p:nvGrpSpPr>
+        <p:cNvPr id="1" name=""/>
+        <p:cNvGrpSpPr/>
+        <p:nvPr/>
+      </p:nvGrpSpPr>
+      <p:grpSpPr>
+        <a:xfrm>
+          <a:off x="0" y="0"/>
+          <a:ext cx="0" cy="0"/>
+          <a:chOff x="0" y="0"/>
+          <a:chExt cx="0" cy="0"/>
+        </a:xfrm>
+      </p:grpSpPr>
+      <p:sp>
+        <p:nvSpPr>
+          <p:cNvPr id="2" name="標題 1">
+            <a:extLst>
+              <a:ext uri="{FF2B5EF4-FFF2-40B4-BE49-F238E27FC236}">
                 <a16:creationId xmlns:a16="http://schemas.microsoft.com/office/drawing/2014/main" id="{247B54B7-9808-784D-9885-93F2E3B6D78E}"/>
               </a:ext>
             </a:extLst>
@@ -7062,7 +7326,7 @@
 </p:sld>
 </file>
 
-<file path=ppt/slides/slide11.xml><?xml version="1.0" encoding="utf-8"?>
+<file path=ppt/slides/slide13.xml><?xml version="1.0" encoding="utf-8"?>
 <p:sld xmlns:a="http://schemas.openxmlformats.org/drawingml/2006/main" xmlns:r="http://schemas.openxmlformats.org/officeDocument/2006/relationships" xmlns:p="http://schemas.openxmlformats.org/presentationml/2006/main">
   <p:cSld>
     <p:spTree>
@@ -7371,16 +7635,12 @@
               <a:rPr lang="zh-TW" altLang="en-US" dirty="0"/>
               <a:t>而不同的運動也會有不同的身體素質要求，例如球類運動通常需要良好的跳躍力及爆發力。</a:t>
             </a:r>
-            <a:endParaRPr lang="en-US" altLang="zh-TW" dirty="0"/>
-          </a:p>
-          <a:p>
-            <a:pPr>
-              <a:buFont typeface="Wingdings" panose="05000000000000000000" pitchFamily="2" charset="2"/>
-              <a:buChar char="l"/>
-            </a:pPr>
+            <a:br>
+              <a:rPr lang="en-US" altLang="zh-TW" dirty="0"/>
+            </a:br>
             <a:r>
               <a:rPr lang="zh-TW" altLang="en-US" dirty="0"/>
-              <a:t> 為了滿足人們想要提升自己各類運動表現的心，於是我們決定結合去年由學長所開發的</a:t>
+              <a:t>身在排球與籃球十分盛行的中教大，讓我們決定結合去年由學長所開發的</a:t>
             </a:r>
             <a:r>
               <a:rPr lang="zh-TW" altLang="en-US" b="0" i="0" dirty="0">
@@ -7417,8 +7677,9 @@
             </a:r>
             <a:r>
               <a:rPr lang="zh-TW" altLang="en-US" dirty="0"/>
-              <a:t>開發一款能夠針對使用者的要求，提供姿勢改善以及訓練建議的系統。</a:t>
-            </a:r>
+              <a:t>開發一款能夠提供使用者跳躍姿勢改善以及相關訓練建議的系統。</a:t>
+            </a:r>
+            <a:endParaRPr lang="en-US" altLang="zh-TW" dirty="0"/>
           </a:p>
         </p:txBody>
       </p:sp>
@@ -7771,22 +8032,9 @@
           <a:lstStyle/>
           <a:p>
             <a:r>
-              <a:rPr lang="zh-TW" altLang="en-US" dirty="0"/>
+              <a:rPr lang="zh-TW" altLang="en-US" b="1" dirty="0"/>
               <a:t>運動姿態矯正</a:t>
             </a:r>
-            <a:r>
-              <a:rPr lang="en-US" altLang="zh-TW" dirty="0"/>
-              <a:t>(</a:t>
-            </a:r>
-            <a:r>
-              <a:rPr lang="zh-TW" altLang="en-US" dirty="0"/>
-              <a:t>以跳躍為例</a:t>
-            </a:r>
-            <a:r>
-              <a:rPr lang="en-US" altLang="zh-TW" dirty="0"/>
-              <a:t>)</a:t>
-            </a:r>
-            <a:endParaRPr lang="zh-TW" altLang="en-US" dirty="0"/>
           </a:p>
         </p:txBody>
       </p:sp>
@@ -7950,7 +8198,7 @@
           <a:lstStyle/>
           <a:p>
             <a:r>
-              <a:rPr lang="zh-TW" altLang="en-US" dirty="0"/>
+              <a:rPr lang="zh-TW" altLang="en-US" b="1" dirty="0"/>
               <a:t>功能性訓練動作建議</a:t>
             </a:r>
           </a:p>
@@ -8131,7 +8379,7 @@
           <p:cNvPr id="2" name="標題 1">
             <a:extLst>
               <a:ext uri="{FF2B5EF4-FFF2-40B4-BE49-F238E27FC236}">
-                <a16:creationId xmlns:a16="http://schemas.microsoft.com/office/drawing/2014/main" id="{34E91A7A-6CF7-C82A-04C2-0DA5459DDA90}"/>
+                <a16:creationId xmlns:a16="http://schemas.microsoft.com/office/drawing/2014/main" id="{2B853C32-36F2-9F89-680A-DEF8D577DE43}"/>
               </a:ext>
             </a:extLst>
           </p:cNvPr>
@@ -8148,8 +8396,8 @@
           <a:lstStyle/>
           <a:p>
             <a:r>
-              <a:rPr lang="zh-TW" altLang="en-US" dirty="0"/>
-              <a:t>功能性訓練動作姿態矯正</a:t>
+              <a:rPr lang="zh-TW" altLang="en-US" b="1" dirty="0"/>
+              <a:t>跳躍使用到的肌群</a:t>
             </a:r>
           </a:p>
         </p:txBody>
@@ -8159,7 +8407,7 @@
           <p:cNvPr id="3" name="內容版面配置區 2">
             <a:extLst>
               <a:ext uri="{FF2B5EF4-FFF2-40B4-BE49-F238E27FC236}">
-                <a16:creationId xmlns:a16="http://schemas.microsoft.com/office/drawing/2014/main" id="{2F061AD7-7EBD-90A5-30CD-1CAB087F5F00}"/>
+                <a16:creationId xmlns:a16="http://schemas.microsoft.com/office/drawing/2014/main" id="{58FEC031-8485-A45A-C042-9B57C58A0046}"/>
               </a:ext>
             </a:extLst>
           </p:cNvPr>
@@ -8170,10 +8418,66 @@
             <p:ph idx="1"/>
           </p:nvPr>
         </p:nvSpPr>
-        <p:spPr/>
+        <p:spPr>
+          <a:xfrm>
+            <a:off x="838200" y="1529533"/>
+            <a:ext cx="10515600" cy="4351338"/>
+          </a:xfrm>
+        </p:spPr>
         <p:txBody>
           <a:bodyPr/>
           <a:lstStyle/>
+          <a:p>
+            <a:pPr>
+              <a:buFont typeface="Arial" panose="020B0604020202020204" pitchFamily="34" charset="0"/>
+              <a:buChar char="•"/>
+            </a:pPr>
+            <a:r>
+              <a:rPr lang="zh-TW" altLang="en-US" dirty="0"/>
+              <a:t> 股四頭</a:t>
+            </a:r>
+            <a:endParaRPr lang="en-US" altLang="zh-TW" dirty="0"/>
+          </a:p>
+          <a:p>
+            <a:pPr>
+              <a:buFont typeface="Arial" panose="020B0604020202020204" pitchFamily="34" charset="0"/>
+              <a:buChar char="•"/>
+            </a:pPr>
+            <a:r>
+              <a:rPr lang="zh-TW" altLang="en-US" dirty="0"/>
+              <a:t> 臀大肌</a:t>
+            </a:r>
+            <a:endParaRPr lang="en-US" altLang="zh-TW" dirty="0"/>
+          </a:p>
+          <a:p>
+            <a:pPr>
+              <a:buFont typeface="Arial" panose="020B0604020202020204" pitchFamily="34" charset="0"/>
+              <a:buChar char="•"/>
+            </a:pPr>
+            <a:r>
+              <a:rPr lang="zh-TW" altLang="en-US" dirty="0"/>
+              <a:t> 腿後腱</a:t>
+            </a:r>
+            <a:endParaRPr lang="en-US" altLang="zh-TW" dirty="0"/>
+          </a:p>
+          <a:p>
+            <a:pPr>
+              <a:buFont typeface="Arial" panose="020B0604020202020204" pitchFamily="34" charset="0"/>
+              <a:buChar char="•"/>
+            </a:pPr>
+            <a:r>
+              <a:rPr lang="zh-TW" altLang="en-US" dirty="0"/>
+              <a:t> 小腿肌</a:t>
+            </a:r>
+            <a:endParaRPr lang="en-US" altLang="zh-TW" dirty="0"/>
+          </a:p>
+          <a:p>
+            <a:pPr>
+              <a:buFont typeface="Arial" panose="020B0604020202020204" pitchFamily="34" charset="0"/>
+              <a:buChar char="•"/>
+            </a:pPr>
+            <a:endParaRPr lang="en-US" altLang="zh-TW" dirty="0"/>
+          </a:p>
           <a:p>
             <a:pPr>
               <a:buFont typeface="Wingdings" panose="05000000000000000000" pitchFamily="2" charset="2"/>
@@ -8181,17 +8485,17 @@
             </a:pPr>
             <a:r>
               <a:rPr lang="zh-TW" altLang="en-US" dirty="0"/>
-              <a:t> 系統同時也可以在使用者進行訓練時為使用者矯正訓練動作姿態，幫助使用者在不受傷的前提下有效率地訓練目標肌群。</a:t>
+              <a:t> 避免動作太多做不完，先針對股四頭和臀大肌提供訓練動作和姿勢矯正。</a:t>
             </a:r>
           </a:p>
         </p:txBody>
       </p:sp>
       <p:pic>
         <p:nvPicPr>
-          <p:cNvPr id="4" name="圖片 3">
-            <a:extLst>
-              <a:ext uri="{FF2B5EF4-FFF2-40B4-BE49-F238E27FC236}">
-                <a16:creationId xmlns:a16="http://schemas.microsoft.com/office/drawing/2014/main" id="{E1774CD5-DD29-F49C-B9F9-DC755DF90317}"/>
+          <p:cNvPr id="5" name="圖片 4">
+            <a:extLst>
+              <a:ext uri="{FF2B5EF4-FFF2-40B4-BE49-F238E27FC236}">
+                <a16:creationId xmlns:a16="http://schemas.microsoft.com/office/drawing/2014/main" id="{C5FD2856-5BA7-BA07-B25A-A9B107E55C2D}"/>
               </a:ext>
             </a:extLst>
           </p:cNvPr>
@@ -8201,15 +8505,21 @@
           <p:nvPr/>
         </p:nvPicPr>
         <p:blipFill>
-          <a:blip r:embed="rId2"/>
+          <a:blip r:embed="rId2">
+            <a:extLst>
+              <a:ext uri="{28A0092B-C50C-407E-A947-70E740481C1C}">
+                <a14:useLocalDpi xmlns:a14="http://schemas.microsoft.com/office/drawing/2010/main" val="0"/>
+              </a:ext>
+            </a:extLst>
+          </a:blip>
           <a:stretch>
             <a:fillRect/>
           </a:stretch>
         </p:blipFill>
         <p:spPr>
           <a:xfrm>
-            <a:off x="2843502" y="3037708"/>
-            <a:ext cx="6504996" cy="3920068"/>
+            <a:off x="5818550" y="709396"/>
+            <a:ext cx="5711599" cy="3457384"/>
           </a:xfrm>
           <a:prstGeom prst="rect">
             <a:avLst/>
@@ -8219,7 +8529,7 @@
     </p:spTree>
     <p:extLst>
       <p:ext uri="{BB962C8B-B14F-4D97-AF65-F5344CB8AC3E}">
-        <p14:creationId xmlns:p14="http://schemas.microsoft.com/office/powerpoint/2010/main" val="2969864980"/>
+        <p14:creationId xmlns:p14="http://schemas.microsoft.com/office/powerpoint/2010/main" val="3398298037"/>
       </p:ext>
     </p:extLst>
   </p:cSld>
@@ -8248,38 +8558,10 @@
       </p:grpSpPr>
       <p:sp>
         <p:nvSpPr>
-          <p:cNvPr id="2" name="標題 1">
-            <a:extLst>
-              <a:ext uri="{FF2B5EF4-FFF2-40B4-BE49-F238E27FC236}">
-                <a16:creationId xmlns:a16="http://schemas.microsoft.com/office/drawing/2014/main" id="{BBDB05D7-3DB1-C17C-D706-8748BF4733D4}"/>
-              </a:ext>
-            </a:extLst>
-          </p:cNvPr>
-          <p:cNvSpPr>
-            <a:spLocks noGrp="1"/>
-          </p:cNvSpPr>
-          <p:nvPr>
-            <p:ph type="title"/>
-          </p:nvPr>
-        </p:nvSpPr>
-        <p:spPr/>
-        <p:txBody>
-          <a:bodyPr/>
-          <a:lstStyle/>
-          <a:p>
-            <a:r>
-              <a:rPr lang="zh-TW" altLang="en-US" dirty="0"/>
-              <a:t>自定義動作</a:t>
-            </a:r>
-          </a:p>
-        </p:txBody>
-      </p:sp>
-      <p:sp>
-        <p:nvSpPr>
           <p:cNvPr id="3" name="內容版面配置區 2">
             <a:extLst>
               <a:ext uri="{FF2B5EF4-FFF2-40B4-BE49-F238E27FC236}">
-                <a16:creationId xmlns:a16="http://schemas.microsoft.com/office/drawing/2014/main" id="{8B671972-2A05-CFDD-9395-C290AB587841}"/>
+                <a16:creationId xmlns:a16="http://schemas.microsoft.com/office/drawing/2014/main" id="{D42270DD-0845-E55B-7169-693784940595}"/>
               </a:ext>
             </a:extLst>
           </p:cNvPr>
@@ -8290,7 +8572,12 @@
             <p:ph idx="1"/>
           </p:nvPr>
         </p:nvSpPr>
-        <p:spPr/>
+        <p:spPr>
+          <a:xfrm>
+            <a:off x="838200" y="505097"/>
+            <a:ext cx="10515600" cy="5671866"/>
+          </a:xfrm>
+        </p:spPr>
         <p:txBody>
           <a:bodyPr/>
           <a:lstStyle/>
@@ -8301,24 +8588,102 @@
             </a:pPr>
             <a:r>
               <a:rPr lang="zh-TW" altLang="en-US" dirty="0"/>
-              <a:t> 使用者也可以選擇自定義訓練動作。使用者在系統的引導下建立好動作模組後，系統會先判定該動作是否會造成運動傷害</a:t>
-            </a:r>
-            <a:r>
-              <a:rPr lang="en-US" altLang="zh-TW" dirty="0"/>
-              <a:t>(</a:t>
-            </a:r>
+              <a:t> 股四頭肌：</a:t>
+            </a:r>
+            <a:endParaRPr lang="en-US" altLang="zh-TW" dirty="0"/>
+          </a:p>
+          <a:p>
+            <a:pPr>
+              <a:buFont typeface="Arial" panose="020B0604020202020204" pitchFamily="34" charset="0"/>
+              <a:buChar char="•"/>
+            </a:pPr>
             <a:r>
               <a:rPr lang="zh-TW" altLang="en-US" dirty="0"/>
-              <a:t>例如過度肩內旋會導致肩峰撞擊</a:t>
-            </a:r>
-            <a:r>
-              <a:rPr lang="en-US" altLang="zh-TW" dirty="0"/>
-              <a:t>)</a:t>
-            </a:r>
+              <a:t>自重深蹲</a:t>
+            </a:r>
+            <a:endParaRPr lang="en-US" altLang="zh-TW" dirty="0"/>
+          </a:p>
+          <a:p>
+            <a:pPr>
+              <a:buFont typeface="Arial" panose="020B0604020202020204" pitchFamily="34" charset="0"/>
+              <a:buChar char="•"/>
+            </a:pPr>
             <a:r>
               <a:rPr lang="zh-TW" altLang="en-US" dirty="0"/>
-              <a:t>，通過判定後系統即可以使用者自定義的動作為標準為使用者進行姿態矯正。</a:t>
-            </a:r>
+              <a:t>啞鈴深蹲</a:t>
+            </a:r>
+            <a:endParaRPr lang="en-US" altLang="zh-TW" dirty="0"/>
+          </a:p>
+          <a:p>
+            <a:pPr>
+              <a:buFont typeface="Arial" panose="020B0604020202020204" pitchFamily="34" charset="0"/>
+              <a:buChar char="•"/>
+            </a:pPr>
+            <a:r>
+              <a:rPr lang="zh-TW" altLang="en-US" dirty="0"/>
+              <a:t>槓鈴深蹲</a:t>
+            </a:r>
+            <a:endParaRPr lang="en-US" altLang="zh-TW" dirty="0"/>
+          </a:p>
+          <a:p>
+            <a:pPr marL="0" indent="0">
+              <a:buNone/>
+            </a:pPr>
+            <a:endParaRPr lang="en-US" altLang="zh-TW" dirty="0"/>
+          </a:p>
+          <a:p>
+            <a:pPr>
+              <a:buFont typeface="Wingdings" panose="05000000000000000000" pitchFamily="2" charset="2"/>
+              <a:buChar char="l"/>
+            </a:pPr>
+            <a:r>
+              <a:rPr lang="zh-TW" altLang="en-US" dirty="0"/>
+              <a:t> 臀大肌：</a:t>
+            </a:r>
+            <a:endParaRPr lang="en-US" altLang="zh-TW" dirty="0"/>
+          </a:p>
+          <a:p>
+            <a:pPr>
+              <a:buFont typeface="Arial" panose="020B0604020202020204" pitchFamily="34" charset="0"/>
+              <a:buChar char="•"/>
+            </a:pPr>
+            <a:r>
+              <a:rPr lang="zh-TW" altLang="en-US" dirty="0"/>
+              <a:t> 橋式</a:t>
+            </a:r>
+            <a:endParaRPr lang="en-US" altLang="zh-TW" dirty="0"/>
+          </a:p>
+          <a:p>
+            <a:pPr>
+              <a:buFont typeface="Arial" panose="020B0604020202020204" pitchFamily="34" charset="0"/>
+              <a:buChar char="•"/>
+            </a:pPr>
+            <a:r>
+              <a:rPr lang="zh-TW" altLang="en-US" dirty="0"/>
+              <a:t> 啞鈴臀推</a:t>
+            </a:r>
+            <a:endParaRPr lang="en-US" altLang="zh-TW" dirty="0"/>
+          </a:p>
+          <a:p>
+            <a:pPr>
+              <a:buFont typeface="Arial" panose="020B0604020202020204" pitchFamily="34" charset="0"/>
+              <a:buChar char="•"/>
+            </a:pPr>
+            <a:r>
+              <a:rPr lang="zh-TW" altLang="en-US" dirty="0"/>
+              <a:t> 槓鈴臀推</a:t>
+            </a:r>
+            <a:endParaRPr lang="en-US" altLang="zh-TW" dirty="0"/>
+          </a:p>
+          <a:p>
+            <a:pPr marL="0" indent="0">
+              <a:buNone/>
+            </a:pPr>
+            <a:endParaRPr lang="en-US" altLang="zh-TW" dirty="0">
+              <a:solidFill>
+                <a:srgbClr val="FF0000"/>
+              </a:solidFill>
+            </a:endParaRPr>
           </a:p>
         </p:txBody>
       </p:sp>
@@ -8327,7 +8692,7 @@
           <p:cNvPr id="5" name="圖片 4">
             <a:extLst>
               <a:ext uri="{FF2B5EF4-FFF2-40B4-BE49-F238E27FC236}">
-                <a16:creationId xmlns:a16="http://schemas.microsoft.com/office/drawing/2014/main" id="{489D2C80-FCDF-D003-E150-1DB51C1B1B4F}"/>
+                <a16:creationId xmlns:a16="http://schemas.microsoft.com/office/drawing/2014/main" id="{EE76382D-52F4-1FC8-E1F3-7619052D9C60}"/>
               </a:ext>
             </a:extLst>
           </p:cNvPr>
@@ -8350,8 +8715,44 @@
         </p:blipFill>
         <p:spPr>
           <a:xfrm>
-            <a:off x="7271156" y="3634227"/>
-            <a:ext cx="4082644" cy="2858648"/>
+            <a:off x="4302307" y="221075"/>
+            <a:ext cx="6751320" cy="1983200"/>
+          </a:xfrm>
+          <a:prstGeom prst="rect">
+            <a:avLst/>
+          </a:prstGeom>
+        </p:spPr>
+      </p:pic>
+      <p:pic>
+        <p:nvPicPr>
+          <p:cNvPr id="7" name="圖片 6">
+            <a:extLst>
+              <a:ext uri="{FF2B5EF4-FFF2-40B4-BE49-F238E27FC236}">
+                <a16:creationId xmlns:a16="http://schemas.microsoft.com/office/drawing/2014/main" id="{7DB654C6-3C7D-E20A-A0FE-8A2DF5B18D99}"/>
+              </a:ext>
+            </a:extLst>
+          </p:cNvPr>
+          <p:cNvPicPr>
+            <a:picLocks noChangeAspect="1"/>
+          </p:cNvPicPr>
+          <p:nvPr/>
+        </p:nvPicPr>
+        <p:blipFill>
+          <a:blip r:embed="rId3">
+            <a:extLst>
+              <a:ext uri="{28A0092B-C50C-407E-A947-70E740481C1C}">
+                <a14:useLocalDpi xmlns:a14="http://schemas.microsoft.com/office/drawing/2010/main" val="0"/>
+              </a:ext>
+            </a:extLst>
+          </a:blip>
+          <a:stretch>
+            <a:fillRect/>
+          </a:stretch>
+        </p:blipFill>
+        <p:spPr>
+          <a:xfrm>
+            <a:off x="5715545" y="2712081"/>
+            <a:ext cx="3924844" cy="3924844"/>
           </a:xfrm>
           <a:prstGeom prst="rect">
             <a:avLst/>
@@ -8361,7 +8762,7 @@
     </p:spTree>
     <p:extLst>
       <p:ext uri="{BB962C8B-B14F-4D97-AF65-F5344CB8AC3E}">
-        <p14:creationId xmlns:p14="http://schemas.microsoft.com/office/powerpoint/2010/main" val="327770005"/>
+        <p14:creationId xmlns:p14="http://schemas.microsoft.com/office/powerpoint/2010/main" val="2226053414"/>
       </p:ext>
     </p:extLst>
   </p:cSld>

--- a/提升運動表現輔助系統.pptx
+++ b/提升運動表現輔助系統.pptx
@@ -15,8 +15,8 @@
     <p:sldId id="269" r:id="rId9"/>
     <p:sldId id="268" r:id="rId10"/>
     <p:sldId id="262" r:id="rId11"/>
-    <p:sldId id="261" r:id="rId12"/>
-    <p:sldId id="266" r:id="rId13"/>
+    <p:sldId id="266" r:id="rId12"/>
+    <p:sldId id="270" r:id="rId13"/>
     <p:sldId id="265" r:id="rId14"/>
   </p:sldIdLst>
   <p:sldSz cx="12192000" cy="6858000"/>
@@ -273,7 +273,7 @@
           <a:p>
             <a:fld id="{0DAF61AA-5A98-4049-A93E-477E5505141A}" type="datetimeFigureOut">
               <a:rPr lang="en-US" smtClean="0"/>
-              <a:t>3/7/2023</a:t>
+              <a:t>3/15/2023</a:t>
             </a:fld>
             <a:endParaRPr lang="en-US" dirty="0"/>
           </a:p>
@@ -473,7 +473,7 @@
           <a:p>
             <a:fld id="{0DAF61AA-5A98-4049-A93E-477E5505141A}" type="datetimeFigureOut">
               <a:rPr lang="en-US" smtClean="0"/>
-              <a:t>3/7/2023</a:t>
+              <a:t>3/15/2023</a:t>
             </a:fld>
             <a:endParaRPr lang="en-US"/>
           </a:p>
@@ -683,7 +683,7 @@
           <a:p>
             <a:fld id="{0DAF61AA-5A98-4049-A93E-477E5505141A}" type="datetimeFigureOut">
               <a:rPr lang="en-US" smtClean="0"/>
-              <a:t>3/7/2023</a:t>
+              <a:t>3/15/2023</a:t>
             </a:fld>
             <a:endParaRPr lang="en-US"/>
           </a:p>
@@ -883,7 +883,7 @@
           <a:p>
             <a:fld id="{0DAF61AA-5A98-4049-A93E-477E5505141A}" type="datetimeFigureOut">
               <a:rPr lang="en-US" smtClean="0"/>
-              <a:t>3/7/2023</a:t>
+              <a:t>3/15/2023</a:t>
             </a:fld>
             <a:endParaRPr lang="en-US"/>
           </a:p>
@@ -1159,7 +1159,7 @@
           <a:p>
             <a:fld id="{0DAF61AA-5A98-4049-A93E-477E5505141A}" type="datetimeFigureOut">
               <a:rPr lang="en-US" smtClean="0"/>
-              <a:t>3/7/2023</a:t>
+              <a:t>3/15/2023</a:t>
             </a:fld>
             <a:endParaRPr lang="en-US"/>
           </a:p>
@@ -1427,7 +1427,7 @@
           <a:p>
             <a:fld id="{0DAF61AA-5A98-4049-A93E-477E5505141A}" type="datetimeFigureOut">
               <a:rPr lang="en-US" smtClean="0"/>
-              <a:t>3/7/2023</a:t>
+              <a:t>3/15/2023</a:t>
             </a:fld>
             <a:endParaRPr lang="en-US"/>
           </a:p>
@@ -1842,7 +1842,7 @@
           <a:p>
             <a:fld id="{0DAF61AA-5A98-4049-A93E-477E5505141A}" type="datetimeFigureOut">
               <a:rPr lang="en-US" smtClean="0"/>
-              <a:t>3/7/2023</a:t>
+              <a:t>3/15/2023</a:t>
             </a:fld>
             <a:endParaRPr lang="en-US"/>
           </a:p>
@@ -1984,7 +1984,7 @@
           <a:p>
             <a:fld id="{0DAF61AA-5A98-4049-A93E-477E5505141A}" type="datetimeFigureOut">
               <a:rPr lang="en-US" smtClean="0"/>
-              <a:t>3/7/2023</a:t>
+              <a:t>3/15/2023</a:t>
             </a:fld>
             <a:endParaRPr lang="en-US"/>
           </a:p>
@@ -2097,7 +2097,7 @@
           <a:p>
             <a:fld id="{0DAF61AA-5A98-4049-A93E-477E5505141A}" type="datetimeFigureOut">
               <a:rPr lang="en-US" smtClean="0"/>
-              <a:t>3/7/2023</a:t>
+              <a:t>3/15/2023</a:t>
             </a:fld>
             <a:endParaRPr lang="en-US"/>
           </a:p>
@@ -2410,7 +2410,7 @@
           <a:p>
             <a:fld id="{0DAF61AA-5A98-4049-A93E-477E5505141A}" type="datetimeFigureOut">
               <a:rPr lang="en-US" smtClean="0"/>
-              <a:t>3/7/2023</a:t>
+              <a:t>3/15/2023</a:t>
             </a:fld>
             <a:endParaRPr lang="en-US"/>
           </a:p>
@@ -2703,7 +2703,7 @@
           <a:p>
             <a:fld id="{0DAF61AA-5A98-4049-A93E-477E5505141A}" type="datetimeFigureOut">
               <a:rPr lang="en-US" smtClean="0"/>
-              <a:t>3/7/2023</a:t>
+              <a:t>3/15/2023</a:t>
             </a:fld>
             <a:endParaRPr lang="en-US"/>
           </a:p>
@@ -6413,7 +6413,7 @@
             <a:fld id="{0DAF61AA-5A98-4049-A93E-477E5505141A}" type="datetimeFigureOut">
               <a:rPr lang="en-US" smtClean="0"/>
               <a:pPr/>
-              <a:t>3/7/2023</a:t>
+              <a:t>3/15/2023</a:t>
             </a:fld>
             <a:endParaRPr lang="en-US" dirty="0"/>
           </a:p>
@@ -7100,7 +7100,7 @@
           <p:cNvPr id="2" name="標題 1">
             <a:extLst>
               <a:ext uri="{FF2B5EF4-FFF2-40B4-BE49-F238E27FC236}">
-                <a16:creationId xmlns:a16="http://schemas.microsoft.com/office/drawing/2014/main" id="{BBDB05D7-3DB1-C17C-D706-8748BF4733D4}"/>
+                <a16:creationId xmlns:a16="http://schemas.microsoft.com/office/drawing/2014/main" id="{247B54B7-9808-784D-9885-93F2E3B6D78E}"/>
               </a:ext>
             </a:extLst>
           </p:cNvPr>
@@ -7118,7 +7118,7 @@
           <a:p>
             <a:r>
               <a:rPr lang="zh-TW" altLang="en-US" b="1" dirty="0"/>
-              <a:t>自定義動作</a:t>
+              <a:t>經費規劃</a:t>
             </a:r>
           </a:p>
         </p:txBody>
@@ -7128,7 +7128,7 @@
           <p:cNvPr id="3" name="內容版面配置區 2">
             <a:extLst>
               <a:ext uri="{FF2B5EF4-FFF2-40B4-BE49-F238E27FC236}">
-                <a16:creationId xmlns:a16="http://schemas.microsoft.com/office/drawing/2014/main" id="{8B671972-2A05-CFDD-9395-C290AB587841}"/>
+                <a16:creationId xmlns:a16="http://schemas.microsoft.com/office/drawing/2014/main" id="{852024F2-62FA-02DA-861A-729BD7F85A32}"/>
               </a:ext>
             </a:extLst>
           </p:cNvPr>
@@ -7150,67 +7150,31 @@
             </a:pPr>
             <a:r>
               <a:rPr lang="zh-TW" altLang="en-US" dirty="0"/>
-              <a:t> 使用者也可以選擇自定義訓練動作。使用者在系統的引導下建立好動作模組後，系統會先判定該動作是否會造成運動傷害</a:t>
+              <a:t> 手機一台</a:t>
+            </a:r>
+            <a:endParaRPr lang="en-US" altLang="zh-TW" dirty="0"/>
+          </a:p>
+          <a:p>
+            <a:pPr>
+              <a:buFont typeface="Wingdings" panose="05000000000000000000" pitchFamily="2" charset="2"/>
+              <a:buChar char="l"/>
+            </a:pPr>
+            <a:r>
+              <a:rPr lang="zh-TW" altLang="en-US" dirty="0"/>
+              <a:t> 儲存訓練集的硬碟</a:t>
             </a:r>
             <a:r>
               <a:rPr lang="en-US" altLang="zh-TW" dirty="0"/>
-              <a:t>(</a:t>
-            </a:r>
-            <a:r>
-              <a:rPr lang="zh-TW" altLang="en-US" dirty="0"/>
-              <a:t>例如過度肩內旋會導致肩峰撞擊</a:t>
-            </a:r>
-            <a:r>
-              <a:rPr lang="en-US" altLang="zh-TW" dirty="0"/>
-              <a:t>)</a:t>
-            </a:r>
-            <a:r>
-              <a:rPr lang="zh-TW" altLang="en-US" dirty="0"/>
-              <a:t>，通過判定後系統即可以使用者自定義的動作為標準為使用者進行姿態矯正。</a:t>
-            </a:r>
-          </a:p>
-        </p:txBody>
-      </p:sp>
-      <p:pic>
-        <p:nvPicPr>
-          <p:cNvPr id="5" name="圖片 4">
-            <a:extLst>
-              <a:ext uri="{FF2B5EF4-FFF2-40B4-BE49-F238E27FC236}">
-                <a16:creationId xmlns:a16="http://schemas.microsoft.com/office/drawing/2014/main" id="{489D2C80-FCDF-D003-E150-1DB51C1B1B4F}"/>
-              </a:ext>
-            </a:extLst>
-          </p:cNvPr>
-          <p:cNvPicPr>
-            <a:picLocks noChangeAspect="1"/>
-          </p:cNvPicPr>
-          <p:nvPr/>
-        </p:nvPicPr>
-        <p:blipFill>
-          <a:blip r:embed="rId2">
-            <a:extLst>
-              <a:ext uri="{28A0092B-C50C-407E-A947-70E740481C1C}">
-                <a14:useLocalDpi xmlns:a14="http://schemas.microsoft.com/office/drawing/2010/main" val="0"/>
-              </a:ext>
-            </a:extLst>
-          </a:blip>
-          <a:stretch>
-            <a:fillRect/>
-          </a:stretch>
-        </p:blipFill>
-        <p:spPr>
-          <a:xfrm>
-            <a:off x="7271156" y="3634227"/>
-            <a:ext cx="4082644" cy="2858648"/>
-          </a:xfrm>
-          <a:prstGeom prst="rect">
-            <a:avLst/>
-          </a:prstGeom>
-        </p:spPr>
-      </p:pic>
+              <a:t>(optional)</a:t>
+            </a:r>
+            <a:endParaRPr lang="zh-TW" altLang="en-US" dirty="0"/>
+          </a:p>
+        </p:txBody>
+      </p:sp>
     </p:spTree>
     <p:extLst>
       <p:ext uri="{BB962C8B-B14F-4D97-AF65-F5344CB8AC3E}">
-        <p14:creationId xmlns:p14="http://schemas.microsoft.com/office/powerpoint/2010/main" val="327770005"/>
+        <p14:creationId xmlns:p14="http://schemas.microsoft.com/office/powerpoint/2010/main" val="3303557052"/>
       </p:ext>
     </p:extLst>
   </p:cSld>
@@ -7242,7 +7206,7 @@
           <p:cNvPr id="2" name="標題 1">
             <a:extLst>
               <a:ext uri="{FF2B5EF4-FFF2-40B4-BE49-F238E27FC236}">
-                <a16:creationId xmlns:a16="http://schemas.microsoft.com/office/drawing/2014/main" id="{247B54B7-9808-784D-9885-93F2E3B6D78E}"/>
+                <a16:creationId xmlns:a16="http://schemas.microsoft.com/office/drawing/2014/main" id="{9AB414ED-C166-FCFB-01AE-5F566EF60711}"/>
               </a:ext>
             </a:extLst>
           </p:cNvPr>
@@ -7259,64 +7223,59 @@
           <a:lstStyle/>
           <a:p>
             <a:r>
-              <a:rPr lang="zh-TW" altLang="en-US" b="1" dirty="0"/>
-              <a:t>經費規劃</a:t>
-            </a:r>
-          </a:p>
-        </p:txBody>
-      </p:sp>
-      <p:sp>
-        <p:nvSpPr>
-          <p:cNvPr id="3" name="內容版面配置區 2">
-            <a:extLst>
-              <a:ext uri="{FF2B5EF4-FFF2-40B4-BE49-F238E27FC236}">
-                <a16:creationId xmlns:a16="http://schemas.microsoft.com/office/drawing/2014/main" id="{852024F2-62FA-02DA-861A-729BD7F85A32}"/>
-              </a:ext>
-            </a:extLst>
-          </p:cNvPr>
-          <p:cNvSpPr>
-            <a:spLocks noGrp="1"/>
-          </p:cNvSpPr>
+              <a:rPr lang="zh-TW" altLang="en-US" dirty="0"/>
+              <a:t>使用</a:t>
+            </a:r>
+            <a:r>
+              <a:rPr lang="en-US" altLang="zh-TW" dirty="0" err="1"/>
+              <a:t>OpenPose</a:t>
+            </a:r>
+            <a:r>
+              <a:rPr lang="zh-TW" altLang="en-US" dirty="0"/>
+              <a:t>遇到的問題</a:t>
+            </a:r>
+          </a:p>
+        </p:txBody>
+      </p:sp>
+      <p:pic>
+        <p:nvPicPr>
+          <p:cNvPr id="5" name="內容版面配置區 4">
+            <a:extLst>
+              <a:ext uri="{FF2B5EF4-FFF2-40B4-BE49-F238E27FC236}">
+                <a16:creationId xmlns:a16="http://schemas.microsoft.com/office/drawing/2014/main" id="{620FFFE5-6B1E-0095-9CF3-66C6C1E8CBBE}"/>
+              </a:ext>
+            </a:extLst>
+          </p:cNvPr>
+          <p:cNvPicPr>
+            <a:picLocks noGrp="1" noChangeAspect="1"/>
+          </p:cNvPicPr>
           <p:nvPr>
             <p:ph idx="1"/>
           </p:nvPr>
-        </p:nvSpPr>
-        <p:spPr/>
-        <p:txBody>
-          <a:bodyPr/>
-          <a:lstStyle/>
-          <a:p>
-            <a:pPr>
-              <a:buFont typeface="Wingdings" panose="05000000000000000000" pitchFamily="2" charset="2"/>
-              <a:buChar char="l"/>
-            </a:pPr>
-            <a:r>
-              <a:rPr lang="zh-TW" altLang="en-US" dirty="0"/>
-              <a:t> 手機一台</a:t>
-            </a:r>
-            <a:endParaRPr lang="en-US" altLang="zh-TW" dirty="0"/>
-          </a:p>
-          <a:p>
-            <a:pPr>
-              <a:buFont typeface="Wingdings" panose="05000000000000000000" pitchFamily="2" charset="2"/>
-              <a:buChar char="l"/>
-            </a:pPr>
-            <a:r>
-              <a:rPr lang="zh-TW" altLang="en-US" dirty="0"/>
-              <a:t> 儲存訓練集的硬碟</a:t>
-            </a:r>
-            <a:r>
-              <a:rPr lang="en-US" altLang="zh-TW" dirty="0"/>
-              <a:t>(optional)</a:t>
-            </a:r>
-            <a:endParaRPr lang="zh-TW" altLang="en-US" dirty="0"/>
-          </a:p>
-        </p:txBody>
-      </p:sp>
+        </p:nvPicPr>
+        <p:blipFill>
+          <a:blip r:embed="rId2">
+            <a:extLst>
+              <a:ext uri="{28A0092B-C50C-407E-A947-70E740481C1C}">
+                <a14:useLocalDpi xmlns:a14="http://schemas.microsoft.com/office/drawing/2010/main" val="0"/>
+              </a:ext>
+            </a:extLst>
+          </a:blip>
+          <a:stretch>
+            <a:fillRect/>
+          </a:stretch>
+        </p:blipFill>
+        <p:spPr>
+          <a:xfrm>
+            <a:off x="1462067" y="1612118"/>
+            <a:ext cx="9267866" cy="5020094"/>
+          </a:xfrm>
+        </p:spPr>
+      </p:pic>
     </p:spTree>
     <p:extLst>
       <p:ext uri="{BB962C8B-B14F-4D97-AF65-F5344CB8AC3E}">
-        <p14:creationId xmlns:p14="http://schemas.microsoft.com/office/powerpoint/2010/main" val="3303557052"/>
+        <p14:creationId xmlns:p14="http://schemas.microsoft.com/office/powerpoint/2010/main" val="1901651446"/>
       </p:ext>
     </p:extLst>
   </p:cSld>
@@ -7398,7 +7357,19 @@
             </a:pPr>
             <a:r>
               <a:rPr lang="zh-TW" altLang="en-US" dirty="0"/>
-              <a:t> 架設環境</a:t>
+              <a:t> 如何在</a:t>
+            </a:r>
+            <a:r>
+              <a:rPr lang="en-US" altLang="zh-TW" dirty="0"/>
+              <a:t>Anaconda</a:t>
+            </a:r>
+            <a:r>
+              <a:rPr lang="zh-TW" altLang="en-US" dirty="0"/>
+              <a:t>虛擬環境下使用</a:t>
+            </a:r>
+            <a:r>
+              <a:rPr lang="en-US" altLang="zh-TW" dirty="0" err="1"/>
+              <a:t>OpenPose</a:t>
             </a:r>
             <a:endParaRPr lang="en-US" altLang="zh-TW" dirty="0"/>
           </a:p>
@@ -7955,17 +7926,6 @@
             <a:r>
               <a:rPr lang="zh-TW" altLang="en-US" dirty="0"/>
               <a:t> 功能性訓練動作姿態矯正</a:t>
-            </a:r>
-            <a:endParaRPr lang="en-US" altLang="zh-TW" dirty="0"/>
-          </a:p>
-          <a:p>
-            <a:pPr>
-              <a:buFont typeface="Wingdings" panose="05000000000000000000" pitchFamily="2" charset="2"/>
-              <a:buChar char="l"/>
-            </a:pPr>
-            <a:r>
-              <a:rPr lang="zh-TW" altLang="en-US" dirty="0"/>
-              <a:t> 自定義動作</a:t>
             </a:r>
             <a:endParaRPr lang="en-US" altLang="zh-TW" dirty="0"/>
           </a:p>

--- a/提升運動表現輔助系統.pptx
+++ b/提升運動表現輔助系統.pptx
@@ -17,7 +17,8 @@
     <p:sldId id="262" r:id="rId11"/>
     <p:sldId id="266" r:id="rId12"/>
     <p:sldId id="270" r:id="rId13"/>
-    <p:sldId id="265" r:id="rId14"/>
+    <p:sldId id="271" r:id="rId14"/>
+    <p:sldId id="265" r:id="rId15"/>
   </p:sldIdLst>
   <p:sldSz cx="12192000" cy="6858000"/>
   <p:notesSz cx="6858000" cy="9144000"/>
@@ -273,7 +274,7 @@
           <a:p>
             <a:fld id="{0DAF61AA-5A98-4049-A93E-477E5505141A}" type="datetimeFigureOut">
               <a:rPr lang="en-US" smtClean="0"/>
-              <a:t>3/15/2023</a:t>
+              <a:t>3/23/2023</a:t>
             </a:fld>
             <a:endParaRPr lang="en-US" dirty="0"/>
           </a:p>
@@ -473,7 +474,7 @@
           <a:p>
             <a:fld id="{0DAF61AA-5A98-4049-A93E-477E5505141A}" type="datetimeFigureOut">
               <a:rPr lang="en-US" smtClean="0"/>
-              <a:t>3/15/2023</a:t>
+              <a:t>3/23/2023</a:t>
             </a:fld>
             <a:endParaRPr lang="en-US"/>
           </a:p>
@@ -683,7 +684,7 @@
           <a:p>
             <a:fld id="{0DAF61AA-5A98-4049-A93E-477E5505141A}" type="datetimeFigureOut">
               <a:rPr lang="en-US" smtClean="0"/>
-              <a:t>3/15/2023</a:t>
+              <a:t>3/23/2023</a:t>
             </a:fld>
             <a:endParaRPr lang="en-US"/>
           </a:p>
@@ -883,7 +884,7 @@
           <a:p>
             <a:fld id="{0DAF61AA-5A98-4049-A93E-477E5505141A}" type="datetimeFigureOut">
               <a:rPr lang="en-US" smtClean="0"/>
-              <a:t>3/15/2023</a:t>
+              <a:t>3/23/2023</a:t>
             </a:fld>
             <a:endParaRPr lang="en-US"/>
           </a:p>
@@ -1159,7 +1160,7 @@
           <a:p>
             <a:fld id="{0DAF61AA-5A98-4049-A93E-477E5505141A}" type="datetimeFigureOut">
               <a:rPr lang="en-US" smtClean="0"/>
-              <a:t>3/15/2023</a:t>
+              <a:t>3/23/2023</a:t>
             </a:fld>
             <a:endParaRPr lang="en-US"/>
           </a:p>
@@ -1427,7 +1428,7 @@
           <a:p>
             <a:fld id="{0DAF61AA-5A98-4049-A93E-477E5505141A}" type="datetimeFigureOut">
               <a:rPr lang="en-US" smtClean="0"/>
-              <a:t>3/15/2023</a:t>
+              <a:t>3/23/2023</a:t>
             </a:fld>
             <a:endParaRPr lang="en-US"/>
           </a:p>
@@ -1842,7 +1843,7 @@
           <a:p>
             <a:fld id="{0DAF61AA-5A98-4049-A93E-477E5505141A}" type="datetimeFigureOut">
               <a:rPr lang="en-US" smtClean="0"/>
-              <a:t>3/15/2023</a:t>
+              <a:t>3/23/2023</a:t>
             </a:fld>
             <a:endParaRPr lang="en-US"/>
           </a:p>
@@ -1984,7 +1985,7 @@
           <a:p>
             <a:fld id="{0DAF61AA-5A98-4049-A93E-477E5505141A}" type="datetimeFigureOut">
               <a:rPr lang="en-US" smtClean="0"/>
-              <a:t>3/15/2023</a:t>
+              <a:t>3/23/2023</a:t>
             </a:fld>
             <a:endParaRPr lang="en-US"/>
           </a:p>
@@ -2097,7 +2098,7 @@
           <a:p>
             <a:fld id="{0DAF61AA-5A98-4049-A93E-477E5505141A}" type="datetimeFigureOut">
               <a:rPr lang="en-US" smtClean="0"/>
-              <a:t>3/15/2023</a:t>
+              <a:t>3/23/2023</a:t>
             </a:fld>
             <a:endParaRPr lang="en-US"/>
           </a:p>
@@ -2410,7 +2411,7 @@
           <a:p>
             <a:fld id="{0DAF61AA-5A98-4049-A93E-477E5505141A}" type="datetimeFigureOut">
               <a:rPr lang="en-US" smtClean="0"/>
-              <a:t>3/15/2023</a:t>
+              <a:t>3/23/2023</a:t>
             </a:fld>
             <a:endParaRPr lang="en-US"/>
           </a:p>
@@ -2703,7 +2704,7 @@
           <a:p>
             <a:fld id="{0DAF61AA-5A98-4049-A93E-477E5505141A}" type="datetimeFigureOut">
               <a:rPr lang="en-US" smtClean="0"/>
-              <a:t>3/15/2023</a:t>
+              <a:t>3/23/2023</a:t>
             </a:fld>
             <a:endParaRPr lang="en-US"/>
           </a:p>
@@ -6413,7 +6414,7 @@
             <a:fld id="{0DAF61AA-5A98-4049-A93E-477E5505141A}" type="datetimeFigureOut">
               <a:rPr lang="en-US" smtClean="0"/>
               <a:pPr/>
-              <a:t>3/15/2023</a:t>
+              <a:t>3/23/2023</a:t>
             </a:fld>
             <a:endParaRPr lang="en-US" dirty="0"/>
           </a:p>
@@ -7307,6 +7308,134 @@
           <p:cNvPr id="2" name="標題 1">
             <a:extLst>
               <a:ext uri="{FF2B5EF4-FFF2-40B4-BE49-F238E27FC236}">
+                <a16:creationId xmlns:a16="http://schemas.microsoft.com/office/drawing/2014/main" id="{45B9A757-B1C0-6EB9-CBC3-1382A0278C60}"/>
+              </a:ext>
+            </a:extLst>
+          </p:cNvPr>
+          <p:cNvSpPr>
+            <a:spLocks noGrp="1"/>
+          </p:cNvSpPr>
+          <p:nvPr>
+            <p:ph type="title"/>
+          </p:nvPr>
+        </p:nvSpPr>
+        <p:spPr/>
+        <p:txBody>
+          <a:bodyPr/>
+          <a:lstStyle/>
+          <a:p>
+            <a:r>
+              <a:rPr lang="zh-TW" altLang="en-US" dirty="0"/>
+              <a:t>使用</a:t>
+            </a:r>
+            <a:r>
+              <a:rPr lang="en-US" altLang="zh-TW" dirty="0"/>
+              <a:t>TCN</a:t>
+            </a:r>
+            <a:r>
+              <a:rPr lang="zh-TW" altLang="en-US" dirty="0"/>
+              <a:t>來做姿勢判定</a:t>
+            </a:r>
+          </a:p>
+        </p:txBody>
+      </p:sp>
+      <p:sp>
+        <p:nvSpPr>
+          <p:cNvPr id="3" name="內容版面配置區 2">
+            <a:extLst>
+              <a:ext uri="{FF2B5EF4-FFF2-40B4-BE49-F238E27FC236}">
+                <a16:creationId xmlns:a16="http://schemas.microsoft.com/office/drawing/2014/main" id="{D987D8D0-B0C7-7AA5-5027-A7B01C4CB03E}"/>
+              </a:ext>
+            </a:extLst>
+          </p:cNvPr>
+          <p:cNvSpPr>
+            <a:spLocks noGrp="1"/>
+          </p:cNvSpPr>
+          <p:nvPr>
+            <p:ph idx="1"/>
+          </p:nvPr>
+        </p:nvSpPr>
+        <p:spPr/>
+        <p:txBody>
+          <a:bodyPr/>
+          <a:lstStyle/>
+          <a:p>
+            <a:pPr>
+              <a:buFont typeface="Wingdings" panose="05000000000000000000" pitchFamily="2" charset="2"/>
+              <a:buChar char="l"/>
+            </a:pPr>
+            <a:r>
+              <a:rPr lang="zh-TW" altLang="en-US" dirty="0"/>
+              <a:t> 周一的演講</a:t>
+            </a:r>
+            <a:endParaRPr lang="en-US" altLang="zh-TW" dirty="0"/>
+          </a:p>
+          <a:p>
+            <a:pPr>
+              <a:buFont typeface="Wingdings" panose="05000000000000000000" pitchFamily="2" charset="2"/>
+              <a:buChar char="l"/>
+            </a:pPr>
+            <a:r>
+              <a:rPr lang="zh-TW" altLang="en-US" dirty="0"/>
+              <a:t> 使用</a:t>
+            </a:r>
+            <a:r>
+              <a:rPr lang="en-US" altLang="zh-TW" dirty="0"/>
+              <a:t>TCN</a:t>
+            </a:r>
+            <a:r>
+              <a:rPr lang="zh-TW" altLang="en-US" dirty="0"/>
+              <a:t>對人體進行動作預測</a:t>
+            </a:r>
+            <a:endParaRPr lang="en-US" altLang="zh-TW" dirty="0"/>
+          </a:p>
+          <a:p>
+            <a:pPr>
+              <a:buFont typeface="Wingdings" panose="05000000000000000000" pitchFamily="2" charset="2"/>
+              <a:buChar char="l"/>
+            </a:pPr>
+            <a:r>
+              <a:rPr lang="zh-TW" altLang="en-US" dirty="0"/>
+              <a:t> 訓練時對人體的動作進行預測，如果不符合預測，則判定為姿勢錯誤，進行矯正</a:t>
+            </a:r>
+          </a:p>
+        </p:txBody>
+      </p:sp>
+    </p:spTree>
+    <p:extLst>
+      <p:ext uri="{BB962C8B-B14F-4D97-AF65-F5344CB8AC3E}">
+        <p14:creationId xmlns:p14="http://schemas.microsoft.com/office/powerpoint/2010/main" val="3661658377"/>
+      </p:ext>
+    </p:extLst>
+  </p:cSld>
+  <p:clrMapOvr>
+    <a:masterClrMapping/>
+  </p:clrMapOvr>
+</p:sld>
+</file>
+
+<file path=ppt/slides/slide14.xml><?xml version="1.0" encoding="utf-8"?>
+<p:sld xmlns:a="http://schemas.openxmlformats.org/drawingml/2006/main" xmlns:r="http://schemas.openxmlformats.org/officeDocument/2006/relationships" xmlns:p="http://schemas.openxmlformats.org/presentationml/2006/main">
+  <p:cSld>
+    <p:spTree>
+      <p:nvGrpSpPr>
+        <p:cNvPr id="1" name=""/>
+        <p:cNvGrpSpPr/>
+        <p:nvPr/>
+      </p:nvGrpSpPr>
+      <p:grpSpPr>
+        <a:xfrm>
+          <a:off x="0" y="0"/>
+          <a:ext cx="0" cy="0"/>
+          <a:chOff x="0" y="0"/>
+          <a:chExt cx="0" cy="0"/>
+        </a:xfrm>
+      </p:grpSpPr>
+      <p:sp>
+        <p:nvSpPr>
+          <p:cNvPr id="2" name="標題 1">
+            <a:extLst>
+              <a:ext uri="{FF2B5EF4-FFF2-40B4-BE49-F238E27FC236}">
                 <a16:creationId xmlns:a16="http://schemas.microsoft.com/office/drawing/2014/main" id="{FBA3D38A-2F82-8C55-00F2-C26D5F11A024}"/>
               </a:ext>
             </a:extLst>

--- a/提升運動表現輔助系統.pptx
+++ b/提升運動表現輔助系統.pptx
@@ -7,18 +7,27 @@
   <p:sldIdLst>
     <p:sldId id="256" r:id="rId2"/>
     <p:sldId id="264" r:id="rId3"/>
-    <p:sldId id="257" r:id="rId4"/>
-    <p:sldId id="267" r:id="rId5"/>
-    <p:sldId id="258" r:id="rId6"/>
-    <p:sldId id="259" r:id="rId7"/>
+    <p:sldId id="273" r:id="rId4"/>
+    <p:sldId id="257" r:id="rId5"/>
+    <p:sldId id="267" r:id="rId6"/>
+    <p:sldId id="258" r:id="rId7"/>
     <p:sldId id="260" r:id="rId8"/>
     <p:sldId id="269" r:id="rId9"/>
     <p:sldId id="268" r:id="rId10"/>
     <p:sldId id="262" r:id="rId11"/>
-    <p:sldId id="266" r:id="rId12"/>
-    <p:sldId id="270" r:id="rId13"/>
-    <p:sldId id="271" r:id="rId14"/>
-    <p:sldId id="265" r:id="rId15"/>
+    <p:sldId id="272" r:id="rId12"/>
+    <p:sldId id="276" r:id="rId13"/>
+    <p:sldId id="284" r:id="rId14"/>
+    <p:sldId id="270" r:id="rId15"/>
+    <p:sldId id="277" r:id="rId16"/>
+    <p:sldId id="278" r:id="rId17"/>
+    <p:sldId id="279" r:id="rId18"/>
+    <p:sldId id="282" r:id="rId19"/>
+    <p:sldId id="280" r:id="rId20"/>
+    <p:sldId id="281" r:id="rId21"/>
+    <p:sldId id="283" r:id="rId22"/>
+    <p:sldId id="265" r:id="rId23"/>
+    <p:sldId id="274" r:id="rId24"/>
   </p:sldIdLst>
   <p:sldSz cx="12192000" cy="6858000"/>
   <p:notesSz cx="6858000" cy="9144000"/>
@@ -118,11 +127,80 @@
     </a:lvl9pPr>
   </p:defaultTextStyle>
   <p:extLst>
+    <p:ext uri="{521415D9-36F7-43E2-AB2F-B90AF26B5E84}">
+      <p14:sectionLst xmlns:p14="http://schemas.microsoft.com/office/powerpoint/2010/main">
+        <p14:section name="預設章節" id="{16411374-71D0-4729-AFF6-ACA64B4CF584}">
+          <p14:sldIdLst>
+            <p14:sldId id="256"/>
+            <p14:sldId id="264"/>
+            <p14:sldId id="273"/>
+            <p14:sldId id="257"/>
+            <p14:sldId id="267"/>
+            <p14:sldId id="258"/>
+            <p14:sldId id="260"/>
+            <p14:sldId id="269"/>
+            <p14:sldId id="268"/>
+            <p14:sldId id="262"/>
+            <p14:sldId id="272"/>
+            <p14:sldId id="276"/>
+          </p14:sldIdLst>
+        </p14:section>
+        <p14:section name="未來可能新增的部分" id="{3EA6DF77-B96D-4F38-98CF-AF434AF23CEF}">
+          <p14:sldIdLst>
+            <p14:sldId id="284"/>
+          </p14:sldIdLst>
+        </p14:section>
+        <p14:section name="環境架設" id="{DC55941A-6061-42AE-9F88-9558D71279D0}">
+          <p14:sldIdLst>
+            <p14:sldId id="270"/>
+            <p14:sldId id="277"/>
+            <p14:sldId id="278"/>
+            <p14:sldId id="279"/>
+            <p14:sldId id="282"/>
+            <p14:sldId id="280"/>
+            <p14:sldId id="281"/>
+            <p14:sldId id="283"/>
+          </p14:sldIdLst>
+        </p14:section>
+        <p14:section name="下周進度&amp;參考資料" id="{F8A61ABA-914F-46C3-9F4D-5093C6B18832}">
+          <p14:sldIdLst>
+            <p14:sldId id="265"/>
+            <p14:sldId id="274"/>
+          </p14:sldIdLst>
+        </p14:section>
+      </p14:sectionLst>
+    </p:ext>
     <p:ext uri="{EFAFB233-063F-42B5-8137-9DF3F51BA10A}">
       <p15:sldGuideLst xmlns:p15="http://schemas.microsoft.com/office/powerpoint/2012/main"/>
     </p:ext>
   </p:extLst>
 </p:presentation>
+</file>
+
+<file path=ppt/commentAuthors.xml><?xml version="1.0" encoding="utf-8"?>
+<p:cmAuthorLst xmlns:a="http://schemas.openxmlformats.org/drawingml/2006/main" xmlns:r="http://schemas.openxmlformats.org/officeDocument/2006/relationships" xmlns:p="http://schemas.openxmlformats.org/presentationml/2006/main">
+  <p:cmAuthor id="1" name="俊彥 游" initials="俊彥" lastIdx="1" clrIdx="0">
+    <p:extLst>
+      <p:ext uri="{19B8F6BF-5375-455C-9EA6-DF929625EA0E}">
+        <p15:presenceInfo xmlns:p15="http://schemas.microsoft.com/office/powerpoint/2012/main" userId="268cc057a0e4b8ec" providerId="Windows Live"/>
+      </p:ext>
+    </p:extLst>
+  </p:cmAuthor>
+</p:cmAuthorLst>
+</file>
+
+<file path=ppt/comments/comment1.xml><?xml version="1.0" encoding="utf-8"?>
+<p:cmLst xmlns:a="http://schemas.openxmlformats.org/drawingml/2006/main" xmlns:r="http://schemas.openxmlformats.org/officeDocument/2006/relationships" xmlns:p="http://schemas.openxmlformats.org/presentationml/2006/main">
+  <p:cm authorId="1" dt="2023-03-29T23:13:23.664" idx="1">
+    <p:pos x="10" y="10"/>
+    <p:text>未來可能新增的部分</p:text>
+    <p:extLst>
+      <p:ext uri="{C676402C-5697-4E1C-873F-D02D1690AC5C}">
+        <p15:threadingInfo xmlns:p15="http://schemas.microsoft.com/office/powerpoint/2012/main" timeZoneBias="-480"/>
+      </p:ext>
+    </p:extLst>
+  </p:cm>
+</p:cmLst>
 </file>
 
 <file path=ppt/slideLayouts/slideLayout1.xml><?xml version="1.0" encoding="utf-8"?>
@@ -274,7 +352,7 @@
           <a:p>
             <a:fld id="{0DAF61AA-5A98-4049-A93E-477E5505141A}" type="datetimeFigureOut">
               <a:rPr lang="en-US" smtClean="0"/>
-              <a:t>3/23/2023</a:t>
+              <a:t>3/29/2023</a:t>
             </a:fld>
             <a:endParaRPr lang="en-US" dirty="0"/>
           </a:p>
@@ -474,7 +552,7 @@
           <a:p>
             <a:fld id="{0DAF61AA-5A98-4049-A93E-477E5505141A}" type="datetimeFigureOut">
               <a:rPr lang="en-US" smtClean="0"/>
-              <a:t>3/23/2023</a:t>
+              <a:t>3/29/2023</a:t>
             </a:fld>
             <a:endParaRPr lang="en-US"/>
           </a:p>
@@ -684,7 +762,7 @@
           <a:p>
             <a:fld id="{0DAF61AA-5A98-4049-A93E-477E5505141A}" type="datetimeFigureOut">
               <a:rPr lang="en-US" smtClean="0"/>
-              <a:t>3/23/2023</a:t>
+              <a:t>3/29/2023</a:t>
             </a:fld>
             <a:endParaRPr lang="en-US"/>
           </a:p>
@@ -884,7 +962,7 @@
           <a:p>
             <a:fld id="{0DAF61AA-5A98-4049-A93E-477E5505141A}" type="datetimeFigureOut">
               <a:rPr lang="en-US" smtClean="0"/>
-              <a:t>3/23/2023</a:t>
+              <a:t>3/29/2023</a:t>
             </a:fld>
             <a:endParaRPr lang="en-US"/>
           </a:p>
@@ -1160,7 +1238,7 @@
           <a:p>
             <a:fld id="{0DAF61AA-5A98-4049-A93E-477E5505141A}" type="datetimeFigureOut">
               <a:rPr lang="en-US" smtClean="0"/>
-              <a:t>3/23/2023</a:t>
+              <a:t>3/29/2023</a:t>
             </a:fld>
             <a:endParaRPr lang="en-US"/>
           </a:p>
@@ -1428,7 +1506,7 @@
           <a:p>
             <a:fld id="{0DAF61AA-5A98-4049-A93E-477E5505141A}" type="datetimeFigureOut">
               <a:rPr lang="en-US" smtClean="0"/>
-              <a:t>3/23/2023</a:t>
+              <a:t>3/29/2023</a:t>
             </a:fld>
             <a:endParaRPr lang="en-US"/>
           </a:p>
@@ -1843,7 +1921,7 @@
           <a:p>
             <a:fld id="{0DAF61AA-5A98-4049-A93E-477E5505141A}" type="datetimeFigureOut">
               <a:rPr lang="en-US" smtClean="0"/>
-              <a:t>3/23/2023</a:t>
+              <a:t>3/29/2023</a:t>
             </a:fld>
             <a:endParaRPr lang="en-US"/>
           </a:p>
@@ -1985,7 +2063,7 @@
           <a:p>
             <a:fld id="{0DAF61AA-5A98-4049-A93E-477E5505141A}" type="datetimeFigureOut">
               <a:rPr lang="en-US" smtClean="0"/>
-              <a:t>3/23/2023</a:t>
+              <a:t>3/29/2023</a:t>
             </a:fld>
             <a:endParaRPr lang="en-US"/>
           </a:p>
@@ -2098,7 +2176,7 @@
           <a:p>
             <a:fld id="{0DAF61AA-5A98-4049-A93E-477E5505141A}" type="datetimeFigureOut">
               <a:rPr lang="en-US" smtClean="0"/>
-              <a:t>3/23/2023</a:t>
+              <a:t>3/29/2023</a:t>
             </a:fld>
             <a:endParaRPr lang="en-US"/>
           </a:p>
@@ -2411,7 +2489,7 @@
           <a:p>
             <a:fld id="{0DAF61AA-5A98-4049-A93E-477E5505141A}" type="datetimeFigureOut">
               <a:rPr lang="en-US" smtClean="0"/>
-              <a:t>3/23/2023</a:t>
+              <a:t>3/29/2023</a:t>
             </a:fld>
             <a:endParaRPr lang="en-US"/>
           </a:p>
@@ -2704,7 +2782,7 @@
           <a:p>
             <a:fld id="{0DAF61AA-5A98-4049-A93E-477E5505141A}" type="datetimeFigureOut">
               <a:rPr lang="en-US" smtClean="0"/>
-              <a:t>3/23/2023</a:t>
+              <a:t>3/29/2023</a:t>
             </a:fld>
             <a:endParaRPr lang="en-US"/>
           </a:p>
@@ -6414,7 +6492,7 @@
             <a:fld id="{0DAF61AA-5A98-4049-A93E-477E5505141A}" type="datetimeFigureOut">
               <a:rPr lang="en-US" smtClean="0"/>
               <a:pPr/>
-              <a:t>3/23/2023</a:t>
+              <a:t>3/29/2023</a:t>
             </a:fld>
             <a:endParaRPr lang="en-US" dirty="0"/>
           </a:p>
@@ -6865,14 +6943,19 @@
             <p:ph type="ctrTitle"/>
           </p:nvPr>
         </p:nvSpPr>
-        <p:spPr/>
+        <p:spPr>
+          <a:xfrm>
+            <a:off x="1353424" y="1113974"/>
+            <a:ext cx="9485152" cy="2387600"/>
+          </a:xfrm>
+        </p:spPr>
         <p:txBody>
           <a:bodyPr/>
           <a:lstStyle/>
           <a:p>
             <a:r>
               <a:rPr lang="zh-TW" altLang="en-US" b="1" dirty="0"/>
-              <a:t>提升跳躍力輔助系統</a:t>
+              <a:t>下肢重訓姿勢矯正輔助系統</a:t>
             </a:r>
           </a:p>
         </p:txBody>
@@ -7101,7 +7184,7 @@
           <p:cNvPr id="2" name="標題 1">
             <a:extLst>
               <a:ext uri="{FF2B5EF4-FFF2-40B4-BE49-F238E27FC236}">
-                <a16:creationId xmlns:a16="http://schemas.microsoft.com/office/drawing/2014/main" id="{247B54B7-9808-784D-9885-93F2E3B6D78E}"/>
+                <a16:creationId xmlns:a16="http://schemas.microsoft.com/office/drawing/2014/main" id="{17344498-B09B-B109-A16A-DAF4586D126C}"/>
               </a:ext>
             </a:extLst>
           </p:cNvPr>
@@ -7114,13 +7197,30 @@
         </p:nvSpPr>
         <p:spPr/>
         <p:txBody>
-          <a:bodyPr/>
+          <a:bodyPr>
+            <a:normAutofit/>
+          </a:bodyPr>
           <a:lstStyle/>
           <a:p>
             <a:r>
-              <a:rPr lang="zh-TW" altLang="en-US" b="1" dirty="0"/>
-              <a:t>經費規劃</a:t>
-            </a:r>
+              <a:rPr lang="zh-TW" altLang="en-US" dirty="0"/>
+              <a:t>訓練動作姿態矯正判定標準</a:t>
+            </a:r>
+            <a:r>
+              <a:rPr lang="en-US" altLang="zh-TW" dirty="0">
+                <a:latin typeface="微軟正黑體" panose="020B0604030504040204" pitchFamily="34" charset="-120"/>
+                <a:ea typeface="微軟正黑體" panose="020B0604030504040204" pitchFamily="34" charset="-120"/>
+              </a:rPr>
+              <a:t>—</a:t>
+            </a:r>
+            <a:r>
+              <a:rPr lang="zh-TW" altLang="en-US" dirty="0">
+                <a:latin typeface="微軟正黑體" panose="020B0604030504040204" pitchFamily="34" charset="-120"/>
+                <a:ea typeface="微軟正黑體" panose="020B0604030504040204" pitchFamily="34" charset="-120"/>
+              </a:rPr>
+              <a:t>深蹲</a:t>
+            </a:r>
+            <a:endParaRPr lang="zh-TW" altLang="en-US" dirty="0"/>
           </a:p>
         </p:txBody>
       </p:sp>
@@ -7129,7 +7229,7 @@
           <p:cNvPr id="3" name="內容版面配置區 2">
             <a:extLst>
               <a:ext uri="{FF2B5EF4-FFF2-40B4-BE49-F238E27FC236}">
-                <a16:creationId xmlns:a16="http://schemas.microsoft.com/office/drawing/2014/main" id="{852024F2-62FA-02DA-861A-729BD7F85A32}"/>
+                <a16:creationId xmlns:a16="http://schemas.microsoft.com/office/drawing/2014/main" id="{4860DA7F-5D0F-343B-D37F-8595C6AA18F7}"/>
               </a:ext>
             </a:extLst>
           </p:cNvPr>
@@ -7140,7 +7240,12 @@
             <p:ph idx="1"/>
           </p:nvPr>
         </p:nvSpPr>
-        <p:spPr/>
+        <p:spPr>
+          <a:xfrm>
+            <a:off x="838200" y="1479011"/>
+            <a:ext cx="10515600" cy="4351338"/>
+          </a:xfrm>
+        </p:spPr>
         <p:txBody>
           <a:bodyPr/>
           <a:lstStyle/>
@@ -7151,31 +7256,235 @@
             </a:pPr>
             <a:r>
               <a:rPr lang="zh-TW" altLang="en-US" dirty="0"/>
-              <a:t> 手機一台</a:t>
+              <a:t> 向心</a:t>
             </a:r>
             <a:endParaRPr lang="en-US" altLang="zh-TW" dirty="0"/>
           </a:p>
           <a:p>
-            <a:pPr>
-              <a:buFont typeface="Wingdings" panose="05000000000000000000" pitchFamily="2" charset="2"/>
-              <a:buChar char="l"/>
+            <a:pPr marL="514350" indent="-514350">
+              <a:buFont typeface="+mj-lt"/>
+              <a:buAutoNum type="arabicParenR"/>
             </a:pPr>
             <a:r>
               <a:rPr lang="zh-TW" altLang="en-US" dirty="0"/>
-              <a:t> 儲存訓練集的硬碟</a:t>
+              <a:t> 腳張開約</a:t>
             </a:r>
             <a:r>
               <a:rPr lang="en-US" altLang="zh-TW" dirty="0"/>
-              <a:t>(optional)</a:t>
-            </a:r>
-            <a:endParaRPr lang="zh-TW" altLang="en-US" dirty="0"/>
+              <a:t>1~1.5</a:t>
+            </a:r>
+            <a:r>
+              <a:rPr lang="zh-TW" altLang="en-US" dirty="0"/>
+              <a:t>個肩寬。</a:t>
+            </a:r>
+            <a:r>
+              <a:rPr lang="en-US" altLang="zh-TW" dirty="0"/>
+              <a:t>(</a:t>
+            </a:r>
+            <a:r>
+              <a:rPr lang="zh-TW" altLang="en-US" dirty="0"/>
+              <a:t>因每人身體構造不同所以有所區別</a:t>
+            </a:r>
+            <a:r>
+              <a:rPr lang="en-US" altLang="zh-TW" dirty="0"/>
+              <a:t>)</a:t>
+            </a:r>
+          </a:p>
+          <a:p>
+            <a:pPr marL="514350" indent="-514350">
+              <a:buFont typeface="+mj-lt"/>
+              <a:buAutoNum type="arabicParenR"/>
+            </a:pPr>
+            <a:r>
+              <a:rPr lang="zh-TW" altLang="en-US" dirty="0"/>
+              <a:t> 身體重心</a:t>
+            </a:r>
+            <a:r>
+              <a:rPr lang="en-US" altLang="zh-TW" dirty="0"/>
+              <a:t>(</a:t>
+            </a:r>
+            <a:r>
+              <a:rPr lang="zh-TW" altLang="en-US" dirty="0"/>
+              <a:t>啞鈴、槓鈴</a:t>
+            </a:r>
+            <a:r>
+              <a:rPr lang="en-US" altLang="zh-TW" dirty="0"/>
+              <a:t>)</a:t>
+            </a:r>
+            <a:r>
+              <a:rPr lang="zh-TW" altLang="en-US" dirty="0"/>
+              <a:t>與腳掌中心須連成一條直線。</a:t>
+            </a:r>
+            <a:endParaRPr lang="en-US" altLang="zh-TW" dirty="0"/>
+          </a:p>
+          <a:p>
+            <a:pPr marL="514350" indent="-514350">
+              <a:buFont typeface="+mj-lt"/>
+              <a:buAutoNum type="arabicParenR"/>
+            </a:pPr>
+            <a:r>
+              <a:rPr lang="zh-TW" altLang="en-US" dirty="0"/>
+              <a:t> 膝蓋與髖部同時啟動。</a:t>
+            </a:r>
+            <a:endParaRPr lang="en-US" altLang="zh-TW" dirty="0"/>
+          </a:p>
+          <a:p>
+            <a:pPr marL="514350" indent="-514350">
+              <a:buFont typeface="+mj-lt"/>
+              <a:buAutoNum type="arabicParenR"/>
+            </a:pPr>
+            <a:r>
+              <a:rPr lang="zh-TW" altLang="en-US" dirty="0"/>
+              <a:t> 動作時膝蓋與腳掌方向對齊。</a:t>
+            </a:r>
+            <a:endParaRPr lang="en-US" altLang="zh-TW" dirty="0"/>
+          </a:p>
+          <a:p>
+            <a:pPr marL="514350" indent="-514350">
+              <a:buFont typeface="+mj-lt"/>
+              <a:buAutoNum type="arabicParenR"/>
+            </a:pPr>
+            <a:r>
+              <a:rPr lang="zh-TW" altLang="en-US" dirty="0"/>
+              <a:t> 頂峰時膝蓋應略超過腳趾。</a:t>
+            </a:r>
+            <a:endParaRPr lang="en-US" altLang="zh-TW" dirty="0"/>
+          </a:p>
+          <a:p>
+            <a:pPr marL="514350" indent="-514350">
+              <a:buFont typeface="+mj-lt"/>
+              <a:buAutoNum type="arabicParenR"/>
+            </a:pPr>
+            <a:r>
+              <a:rPr lang="zh-TW" altLang="en-US" dirty="0"/>
+              <a:t> 脊椎保持中立</a:t>
+            </a:r>
+            <a:r>
+              <a:rPr lang="en-US" altLang="zh-TW" dirty="0"/>
+              <a:t>(</a:t>
+            </a:r>
+            <a:r>
+              <a:rPr lang="zh-TW" altLang="en-US" dirty="0"/>
+              <a:t>腰椎避免屈曲</a:t>
+            </a:r>
+            <a:r>
+              <a:rPr lang="en-US" altLang="zh-TW" dirty="0"/>
+              <a:t>)</a:t>
+            </a:r>
+            <a:r>
+              <a:rPr lang="zh-TW" altLang="en-US" dirty="0"/>
+              <a:t>。</a:t>
+            </a:r>
+            <a:endParaRPr lang="en-US" altLang="zh-TW" dirty="0"/>
           </a:p>
         </p:txBody>
       </p:sp>
+      <p:pic>
+        <p:nvPicPr>
+          <p:cNvPr id="5" name="圖片 4">
+            <a:extLst>
+              <a:ext uri="{FF2B5EF4-FFF2-40B4-BE49-F238E27FC236}">
+                <a16:creationId xmlns:a16="http://schemas.microsoft.com/office/drawing/2014/main" id="{D759AEAA-35D9-2617-9C97-BEE75AB37579}"/>
+              </a:ext>
+            </a:extLst>
+          </p:cNvPr>
+          <p:cNvPicPr>
+            <a:picLocks noChangeAspect="1"/>
+          </p:cNvPicPr>
+          <p:nvPr/>
+        </p:nvPicPr>
+        <p:blipFill>
+          <a:blip r:embed="rId2"/>
+          <a:stretch>
+            <a:fillRect/>
+          </a:stretch>
+        </p:blipFill>
+        <p:spPr>
+          <a:xfrm>
+            <a:off x="7262464" y="3203411"/>
+            <a:ext cx="3995557" cy="3315625"/>
+          </a:xfrm>
+          <a:prstGeom prst="rect">
+            <a:avLst/>
+          </a:prstGeom>
+        </p:spPr>
+      </p:pic>
+      <p:cxnSp>
+        <p:nvCxnSpPr>
+          <p:cNvPr id="11" name="直線接點 10">
+            <a:extLst>
+              <a:ext uri="{FF2B5EF4-FFF2-40B4-BE49-F238E27FC236}">
+                <a16:creationId xmlns:a16="http://schemas.microsoft.com/office/drawing/2014/main" id="{55716417-ED3C-59C9-A71F-93FE92D2C2E0}"/>
+              </a:ext>
+            </a:extLst>
+          </p:cNvPr>
+          <p:cNvCxnSpPr/>
+          <p:nvPr/>
+        </p:nvCxnSpPr>
+        <p:spPr>
+          <a:xfrm>
+            <a:off x="9345336" y="3909270"/>
+            <a:ext cx="822121" cy="1921079"/>
+          </a:xfrm>
+          <a:prstGeom prst="line">
+            <a:avLst/>
+          </a:prstGeom>
+        </p:spPr>
+        <p:style>
+          <a:lnRef idx="3">
+            <a:schemeClr val="accent1"/>
+          </a:lnRef>
+          <a:fillRef idx="0">
+            <a:schemeClr val="accent1"/>
+          </a:fillRef>
+          <a:effectRef idx="2">
+            <a:schemeClr val="accent1"/>
+          </a:effectRef>
+          <a:fontRef idx="minor">
+            <a:schemeClr val="tx1"/>
+          </a:fontRef>
+        </p:style>
+      </p:cxnSp>
+      <p:cxnSp>
+        <p:nvCxnSpPr>
+          <p:cNvPr id="13" name="直線接點 12">
+            <a:extLst>
+              <a:ext uri="{FF2B5EF4-FFF2-40B4-BE49-F238E27FC236}">
+                <a16:creationId xmlns:a16="http://schemas.microsoft.com/office/drawing/2014/main" id="{4AD94AE8-4008-A247-9ACD-CA69AB71CE7F}"/>
+              </a:ext>
+            </a:extLst>
+          </p:cNvPr>
+          <p:cNvCxnSpPr/>
+          <p:nvPr/>
+        </p:nvCxnSpPr>
+        <p:spPr>
+          <a:xfrm>
+            <a:off x="9320169" y="4211273"/>
+            <a:ext cx="58723" cy="2122415"/>
+          </a:xfrm>
+          <a:prstGeom prst="line">
+            <a:avLst/>
+          </a:prstGeom>
+        </p:spPr>
+        <p:style>
+          <a:lnRef idx="3">
+            <a:schemeClr val="accent1"/>
+          </a:lnRef>
+          <a:fillRef idx="0">
+            <a:schemeClr val="accent1"/>
+          </a:fillRef>
+          <a:effectRef idx="2">
+            <a:schemeClr val="accent1"/>
+          </a:effectRef>
+          <a:fontRef idx="minor">
+            <a:schemeClr val="tx1"/>
+          </a:fontRef>
+        </p:style>
+      </p:cxnSp>
     </p:spTree>
     <p:extLst>
       <p:ext uri="{BB962C8B-B14F-4D97-AF65-F5344CB8AC3E}">
-        <p14:creationId xmlns:p14="http://schemas.microsoft.com/office/powerpoint/2010/main" val="3303557052"/>
+        <p14:creationId xmlns:p14="http://schemas.microsoft.com/office/powerpoint/2010/main" val="2281542653"/>
       </p:ext>
     </p:extLst>
   </p:cSld>
@@ -7207,7 +7516,7 @@
           <p:cNvPr id="2" name="標題 1">
             <a:extLst>
               <a:ext uri="{FF2B5EF4-FFF2-40B4-BE49-F238E27FC236}">
-                <a16:creationId xmlns:a16="http://schemas.microsoft.com/office/drawing/2014/main" id="{9AB414ED-C166-FCFB-01AE-5F566EF60711}"/>
+                <a16:creationId xmlns:a16="http://schemas.microsoft.com/office/drawing/2014/main" id="{17344498-B09B-B109-A16A-DAF4586D126C}"/>
               </a:ext>
             </a:extLst>
           </p:cNvPr>
@@ -7220,63 +7529,135 @@
         </p:nvSpPr>
         <p:spPr/>
         <p:txBody>
-          <a:bodyPr/>
+          <a:bodyPr>
+            <a:normAutofit/>
+          </a:bodyPr>
           <a:lstStyle/>
           <a:p>
             <a:r>
               <a:rPr lang="zh-TW" altLang="en-US" dirty="0"/>
-              <a:t>使用</a:t>
-            </a:r>
-            <a:r>
-              <a:rPr lang="en-US" altLang="zh-TW" dirty="0" err="1"/>
-              <a:t>OpenPose</a:t>
-            </a:r>
-            <a:r>
-              <a:rPr lang="zh-TW" altLang="en-US" dirty="0"/>
-              <a:t>遇到的問題</a:t>
-            </a:r>
+              <a:t>訓練動作姿態矯正判定標準</a:t>
+            </a:r>
+            <a:r>
+              <a:rPr lang="en-US" altLang="zh-TW" dirty="0">
+                <a:latin typeface="微軟正黑體" panose="020B0604030504040204" pitchFamily="34" charset="-120"/>
+                <a:ea typeface="微軟正黑體" panose="020B0604030504040204" pitchFamily="34" charset="-120"/>
+              </a:rPr>
+              <a:t>—</a:t>
+            </a:r>
+            <a:r>
+              <a:rPr lang="zh-TW" altLang="en-US" dirty="0">
+                <a:latin typeface="微軟正黑體" panose="020B0604030504040204" pitchFamily="34" charset="-120"/>
+                <a:ea typeface="微軟正黑體" panose="020B0604030504040204" pitchFamily="34" charset="-120"/>
+              </a:rPr>
+              <a:t>深蹲</a:t>
+            </a:r>
+            <a:endParaRPr lang="zh-TW" altLang="en-US" dirty="0"/>
           </a:p>
         </p:txBody>
       </p:sp>
-      <p:pic>
-        <p:nvPicPr>
-          <p:cNvPr id="5" name="內容版面配置區 4">
-            <a:extLst>
-              <a:ext uri="{FF2B5EF4-FFF2-40B4-BE49-F238E27FC236}">
-                <a16:creationId xmlns:a16="http://schemas.microsoft.com/office/drawing/2014/main" id="{620FFFE5-6B1E-0095-9CF3-66C6C1E8CBBE}"/>
-              </a:ext>
-            </a:extLst>
-          </p:cNvPr>
-          <p:cNvPicPr>
-            <a:picLocks noGrp="1" noChangeAspect="1"/>
-          </p:cNvPicPr>
+      <p:sp>
+        <p:nvSpPr>
+          <p:cNvPr id="3" name="內容版面配置區 2">
+            <a:extLst>
+              <a:ext uri="{FF2B5EF4-FFF2-40B4-BE49-F238E27FC236}">
+                <a16:creationId xmlns:a16="http://schemas.microsoft.com/office/drawing/2014/main" id="{4860DA7F-5D0F-343B-D37F-8595C6AA18F7}"/>
+              </a:ext>
+            </a:extLst>
+          </p:cNvPr>
+          <p:cNvSpPr>
+            <a:spLocks noGrp="1"/>
+          </p:cNvSpPr>
           <p:nvPr>
             <p:ph idx="1"/>
           </p:nvPr>
-        </p:nvPicPr>
-        <p:blipFill>
-          <a:blip r:embed="rId2">
-            <a:extLst>
-              <a:ext uri="{28A0092B-C50C-407E-A947-70E740481C1C}">
-                <a14:useLocalDpi xmlns:a14="http://schemas.microsoft.com/office/drawing/2010/main" val="0"/>
-              </a:ext>
-            </a:extLst>
-          </a:blip>
-          <a:stretch>
-            <a:fillRect/>
-          </a:stretch>
-        </p:blipFill>
+        </p:nvSpPr>
         <p:spPr>
           <a:xfrm>
-            <a:off x="1462067" y="1612118"/>
-            <a:ext cx="9267866" cy="5020094"/>
+            <a:off x="838200" y="1557176"/>
+            <a:ext cx="10515600" cy="5032375"/>
           </a:xfrm>
         </p:spPr>
-      </p:pic>
+        <p:txBody>
+          <a:bodyPr>
+            <a:normAutofit/>
+          </a:bodyPr>
+          <a:lstStyle/>
+          <a:p>
+            <a:pPr>
+              <a:buFont typeface="Wingdings" panose="05000000000000000000" pitchFamily="2" charset="2"/>
+              <a:buChar char="l"/>
+            </a:pPr>
+            <a:r>
+              <a:rPr lang="zh-TW" altLang="en-US" dirty="0"/>
+              <a:t> 離心</a:t>
+            </a:r>
+            <a:endParaRPr lang="en-US" altLang="zh-TW" dirty="0"/>
+          </a:p>
+          <a:p>
+            <a:pPr marL="514350" indent="-514350">
+              <a:buFont typeface="+mj-lt"/>
+              <a:buAutoNum type="arabicParenR"/>
+            </a:pPr>
+            <a:r>
+              <a:rPr lang="zh-TW" altLang="en-US" dirty="0"/>
+              <a:t> 身體重心</a:t>
+            </a:r>
+            <a:r>
+              <a:rPr lang="en-US" altLang="zh-TW" dirty="0"/>
+              <a:t>(</a:t>
+            </a:r>
+            <a:r>
+              <a:rPr lang="zh-TW" altLang="en-US" dirty="0"/>
+              <a:t>啞鈴、槓鈴</a:t>
+            </a:r>
+            <a:r>
+              <a:rPr lang="en-US" altLang="zh-TW" dirty="0"/>
+              <a:t>)</a:t>
+            </a:r>
+            <a:r>
+              <a:rPr lang="zh-TW" altLang="en-US" dirty="0"/>
+              <a:t>與腳掌中心須連成一條直線。</a:t>
+            </a:r>
+            <a:endParaRPr lang="en-US" altLang="zh-TW" dirty="0"/>
+          </a:p>
+          <a:p>
+            <a:pPr marL="514350" indent="-514350">
+              <a:buFont typeface="+mj-lt"/>
+              <a:buAutoNum type="arabicParenR"/>
+            </a:pPr>
+            <a:r>
+              <a:rPr lang="zh-TW" altLang="en-US" dirty="0"/>
+              <a:t> 動作時膝蓋與腳掌方向對齊。</a:t>
+            </a:r>
+            <a:endParaRPr lang="en-US" altLang="zh-TW" dirty="0"/>
+          </a:p>
+          <a:p>
+            <a:pPr marL="514350" indent="-514350">
+              <a:buFont typeface="+mj-lt"/>
+              <a:buAutoNum type="arabicParenR"/>
+            </a:pPr>
+            <a:r>
+              <a:rPr lang="zh-TW" altLang="en-US" dirty="0"/>
+              <a:t> 胸腔與髖部同時啟動。</a:t>
+            </a:r>
+            <a:br>
+              <a:rPr lang="en-US" altLang="zh-TW" dirty="0"/>
+            </a:br>
+            <a:br>
+              <a:rPr lang="en-US" altLang="zh-TW" dirty="0"/>
+            </a:br>
+            <a:br>
+              <a:rPr lang="en-US" altLang="zh-TW" dirty="0"/>
+            </a:br>
+            <a:endParaRPr lang="en-US" altLang="zh-TW" dirty="0"/>
+          </a:p>
+        </p:txBody>
+      </p:sp>
     </p:spTree>
     <p:extLst>
       <p:ext uri="{BB962C8B-B14F-4D97-AF65-F5344CB8AC3E}">
-        <p14:creationId xmlns:p14="http://schemas.microsoft.com/office/powerpoint/2010/main" val="1901651446"/>
+        <p14:creationId xmlns:p14="http://schemas.microsoft.com/office/powerpoint/2010/main" val="1060564596"/>
       </p:ext>
     </p:extLst>
   </p:cSld>
@@ -7308,7 +7689,7 @@
           <p:cNvPr id="2" name="標題 1">
             <a:extLst>
               <a:ext uri="{FF2B5EF4-FFF2-40B4-BE49-F238E27FC236}">
-                <a16:creationId xmlns:a16="http://schemas.microsoft.com/office/drawing/2014/main" id="{45B9A757-B1C0-6EB9-CBC3-1382A0278C60}"/>
+                <a16:creationId xmlns:a16="http://schemas.microsoft.com/office/drawing/2014/main" id="{17344498-B09B-B109-A16A-DAF4586D126C}"/>
               </a:ext>
             </a:extLst>
           </p:cNvPr>
@@ -7321,21 +7702,30 @@
         </p:nvSpPr>
         <p:spPr/>
         <p:txBody>
-          <a:bodyPr/>
+          <a:bodyPr>
+            <a:normAutofit/>
+          </a:bodyPr>
           <a:lstStyle/>
           <a:p>
             <a:r>
               <a:rPr lang="zh-TW" altLang="en-US" dirty="0"/>
-              <a:t>使用</a:t>
-            </a:r>
-            <a:r>
-              <a:rPr lang="en-US" altLang="zh-TW" dirty="0"/>
-              <a:t>TCN</a:t>
-            </a:r>
-            <a:r>
-              <a:rPr lang="zh-TW" altLang="en-US" dirty="0"/>
-              <a:t>來做姿勢判定</a:t>
-            </a:r>
+              <a:t>訓練動作姿態矯正判定標準</a:t>
+            </a:r>
+            <a:r>
+              <a:rPr lang="en-US" altLang="zh-TW" dirty="0">
+                <a:latin typeface="微軟正黑體" panose="020B0604030504040204" pitchFamily="34" charset="-120"/>
+                <a:ea typeface="微軟正黑體" panose="020B0604030504040204" pitchFamily="34" charset="-120"/>
+              </a:rPr>
+              <a:t>—</a:t>
+            </a:r>
+            <a:r>
+              <a:rPr lang="zh-TW" altLang="en-US" dirty="0">
+                <a:latin typeface="微軟正黑體" panose="020B0604030504040204" pitchFamily="34" charset="-120"/>
+                <a:ea typeface="微軟正黑體" panose="020B0604030504040204" pitchFamily="34" charset="-120"/>
+              </a:rPr>
+              <a:t>臀大肌</a:t>
+            </a:r>
+            <a:endParaRPr lang="zh-TW" altLang="en-US" dirty="0"/>
           </a:p>
         </p:txBody>
       </p:sp>
@@ -7344,7 +7734,7 @@
           <p:cNvPr id="3" name="內容版面配置區 2">
             <a:extLst>
               <a:ext uri="{FF2B5EF4-FFF2-40B4-BE49-F238E27FC236}">
-                <a16:creationId xmlns:a16="http://schemas.microsoft.com/office/drawing/2014/main" id="{D987D8D0-B0C7-7AA5-5027-A7B01C4CB03E}"/>
+                <a16:creationId xmlns:a16="http://schemas.microsoft.com/office/drawing/2014/main" id="{4860DA7F-5D0F-343B-D37F-8595C6AA18F7}"/>
               </a:ext>
             </a:extLst>
           </p:cNvPr>
@@ -7355,9 +7745,16 @@
             <p:ph idx="1"/>
           </p:nvPr>
         </p:nvSpPr>
-        <p:spPr/>
+        <p:spPr>
+          <a:xfrm>
+            <a:off x="838200" y="1557176"/>
+            <a:ext cx="10515600" cy="5032375"/>
+          </a:xfrm>
+        </p:spPr>
         <p:txBody>
-          <a:bodyPr/>
+          <a:bodyPr>
+            <a:normAutofit lnSpcReduction="10000"/>
+          </a:bodyPr>
           <a:lstStyle/>
           <a:p>
             <a:pPr>
@@ -7366,45 +7763,231 @@
             </a:pPr>
             <a:r>
               <a:rPr lang="zh-TW" altLang="en-US" dirty="0"/>
-              <a:t> 周一的演講</a:t>
+              <a:t> 向心</a:t>
             </a:r>
             <a:endParaRPr lang="en-US" altLang="zh-TW" dirty="0"/>
           </a:p>
           <a:p>
-            <a:pPr>
-              <a:buFont typeface="Wingdings" panose="05000000000000000000" pitchFamily="2" charset="2"/>
-              <a:buChar char="l"/>
+            <a:pPr marL="514350" indent="-514350">
+              <a:buFont typeface="+mj-lt"/>
+              <a:buAutoNum type="arabicParenR"/>
             </a:pPr>
             <a:r>
               <a:rPr lang="zh-TW" altLang="en-US" dirty="0"/>
-              <a:t> 使用</a:t>
-            </a:r>
-            <a:r>
+              <a:t> 髖部先啟動。</a:t>
+            </a:r>
+            <a:endParaRPr lang="en-US" altLang="zh-TW" dirty="0"/>
+          </a:p>
+          <a:p>
+            <a:pPr marL="514350" indent="-514350">
+              <a:buFont typeface="+mj-lt"/>
+              <a:buAutoNum type="arabicParenR"/>
+            </a:pPr>
+            <a:r>
+              <a:rPr lang="zh-TW" altLang="en-US" dirty="0"/>
+              <a:t> 頂峰時髖部高於或與</a:t>
+            </a:r>
+            <a:br>
               <a:rPr lang="en-US" altLang="zh-TW" dirty="0"/>
-              <a:t>TCN</a:t>
-            </a:r>
+            </a:br>
             <a:r>
               <a:rPr lang="zh-TW" altLang="en-US" dirty="0"/>
-              <a:t>對人體進行動作預測</a:t>
+              <a:t> 膝蓋呈一直線。</a:t>
             </a:r>
             <a:endParaRPr lang="en-US" altLang="zh-TW" dirty="0"/>
           </a:p>
           <a:p>
-            <a:pPr>
-              <a:buFont typeface="Wingdings" panose="05000000000000000000" pitchFamily="2" charset="2"/>
-              <a:buChar char="l"/>
+            <a:pPr marL="514350" indent="-514350">
+              <a:buFont typeface="+mj-lt"/>
+              <a:buAutoNum type="arabicParenR"/>
             </a:pPr>
             <a:r>
               <a:rPr lang="zh-TW" altLang="en-US" dirty="0"/>
-              <a:t> 訓練時對人體的動作進行預測，如果不符合預測，則判定為姿勢錯誤，進行矯正</a:t>
-            </a:r>
+              <a:t> 背部保持一直線。</a:t>
+            </a:r>
+            <a:endParaRPr lang="en-US" altLang="zh-TW" dirty="0"/>
+          </a:p>
+          <a:p>
+            <a:pPr marL="514350" indent="-514350">
+              <a:buFont typeface="+mj-lt"/>
+              <a:buAutoNum type="arabicParenR"/>
+            </a:pPr>
+            <a:r>
+              <a:rPr lang="zh-TW" altLang="en-US" dirty="0"/>
+              <a:t> 頂峰時大腿與小腿</a:t>
+            </a:r>
+            <a:br>
+              <a:rPr lang="en-US" altLang="zh-TW" dirty="0"/>
+            </a:br>
+            <a:r>
+              <a:rPr lang="zh-TW" altLang="en-US" dirty="0"/>
+              <a:t> 保持</a:t>
+            </a:r>
+            <a:r>
+              <a:rPr lang="en-US" altLang="zh-TW" dirty="0"/>
+              <a:t>90</a:t>
+            </a:r>
+            <a:r>
+              <a:rPr lang="zh-TW" altLang="en-US" dirty="0"/>
+              <a:t>度夾角。</a:t>
+            </a:r>
+            <a:br>
+              <a:rPr lang="en-US" altLang="zh-TW" dirty="0"/>
+            </a:br>
+            <a:br>
+              <a:rPr lang="en-US" altLang="zh-TW" dirty="0"/>
+            </a:br>
+            <a:br>
+              <a:rPr lang="en-US" altLang="zh-TW" dirty="0"/>
+            </a:br>
+            <a:endParaRPr lang="en-US" altLang="zh-TW" dirty="0"/>
           </a:p>
         </p:txBody>
       </p:sp>
+      <p:pic>
+        <p:nvPicPr>
+          <p:cNvPr id="5" name="圖片 4">
+            <a:extLst>
+              <a:ext uri="{FF2B5EF4-FFF2-40B4-BE49-F238E27FC236}">
+                <a16:creationId xmlns:a16="http://schemas.microsoft.com/office/drawing/2014/main" id="{38F62D02-9856-B3CB-4A41-7EF0C0A23395}"/>
+              </a:ext>
+            </a:extLst>
+          </p:cNvPr>
+          <p:cNvPicPr>
+            <a:picLocks noChangeAspect="1"/>
+          </p:cNvPicPr>
+          <p:nvPr/>
+        </p:nvPicPr>
+        <p:blipFill>
+          <a:blip r:embed="rId2"/>
+          <a:stretch>
+            <a:fillRect/>
+          </a:stretch>
+        </p:blipFill>
+        <p:spPr>
+          <a:xfrm>
+            <a:off x="5598143" y="2227583"/>
+            <a:ext cx="5386542" cy="3247679"/>
+          </a:xfrm>
+          <a:prstGeom prst="rect">
+            <a:avLst/>
+          </a:prstGeom>
+        </p:spPr>
+      </p:pic>
+      <p:cxnSp>
+        <p:nvCxnSpPr>
+          <p:cNvPr id="7" name="直線接點 6">
+            <a:extLst>
+              <a:ext uri="{FF2B5EF4-FFF2-40B4-BE49-F238E27FC236}">
+                <a16:creationId xmlns:a16="http://schemas.microsoft.com/office/drawing/2014/main" id="{9857AD75-6278-3101-46B4-4E07736C9F05}"/>
+              </a:ext>
+            </a:extLst>
+          </p:cNvPr>
+          <p:cNvCxnSpPr/>
+          <p:nvPr/>
+        </p:nvCxnSpPr>
+        <p:spPr>
+          <a:xfrm>
+            <a:off x="7046752" y="3909270"/>
+            <a:ext cx="780176" cy="0"/>
+          </a:xfrm>
+          <a:prstGeom prst="line">
+            <a:avLst/>
+          </a:prstGeom>
+        </p:spPr>
+        <p:style>
+          <a:lnRef idx="3">
+            <a:schemeClr val="accent1"/>
+          </a:lnRef>
+          <a:fillRef idx="0">
+            <a:schemeClr val="accent1"/>
+          </a:fillRef>
+          <a:effectRef idx="2">
+            <a:schemeClr val="accent1"/>
+          </a:effectRef>
+          <a:fontRef idx="minor">
+            <a:schemeClr val="tx1"/>
+          </a:fontRef>
+        </p:style>
+      </p:cxnSp>
+      <p:cxnSp>
+        <p:nvCxnSpPr>
+          <p:cNvPr id="9" name="直線接點 8">
+            <a:extLst>
+              <a:ext uri="{FF2B5EF4-FFF2-40B4-BE49-F238E27FC236}">
+                <a16:creationId xmlns:a16="http://schemas.microsoft.com/office/drawing/2014/main" id="{707F9624-204E-31CB-69B6-DF77A7C68A43}"/>
+              </a:ext>
+            </a:extLst>
+          </p:cNvPr>
+          <p:cNvCxnSpPr>
+            <a:cxnSpLocks/>
+          </p:cNvCxnSpPr>
+          <p:nvPr/>
+        </p:nvCxnSpPr>
+        <p:spPr>
+          <a:xfrm>
+            <a:off x="7038363" y="3909270"/>
+            <a:ext cx="0" cy="1400961"/>
+          </a:xfrm>
+          <a:prstGeom prst="line">
+            <a:avLst/>
+          </a:prstGeom>
+        </p:spPr>
+        <p:style>
+          <a:lnRef idx="3">
+            <a:schemeClr val="accent1"/>
+          </a:lnRef>
+          <a:fillRef idx="0">
+            <a:schemeClr val="accent1"/>
+          </a:fillRef>
+          <a:effectRef idx="2">
+            <a:schemeClr val="accent1"/>
+          </a:effectRef>
+          <a:fontRef idx="minor">
+            <a:schemeClr val="tx1"/>
+          </a:fontRef>
+        </p:style>
+      </p:cxnSp>
+      <p:cxnSp>
+        <p:nvCxnSpPr>
+          <p:cNvPr id="12" name="直線接點 11">
+            <a:extLst>
+              <a:ext uri="{FF2B5EF4-FFF2-40B4-BE49-F238E27FC236}">
+                <a16:creationId xmlns:a16="http://schemas.microsoft.com/office/drawing/2014/main" id="{4E0147E4-60CE-2AFB-2DF5-6D53B8423166}"/>
+              </a:ext>
+            </a:extLst>
+          </p:cNvPr>
+          <p:cNvCxnSpPr/>
+          <p:nvPr/>
+        </p:nvCxnSpPr>
+        <p:spPr>
+          <a:xfrm>
+            <a:off x="8380602" y="3851422"/>
+            <a:ext cx="1065402" cy="0"/>
+          </a:xfrm>
+          <a:prstGeom prst="line">
+            <a:avLst/>
+          </a:prstGeom>
+        </p:spPr>
+        <p:style>
+          <a:lnRef idx="3">
+            <a:schemeClr val="accent1"/>
+          </a:lnRef>
+          <a:fillRef idx="0">
+            <a:schemeClr val="accent1"/>
+          </a:fillRef>
+          <a:effectRef idx="2">
+            <a:schemeClr val="accent1"/>
+          </a:effectRef>
+          <a:fontRef idx="minor">
+            <a:schemeClr val="tx1"/>
+          </a:fontRef>
+        </p:style>
+      </p:cxnSp>
     </p:spTree>
     <p:extLst>
       <p:ext uri="{BB962C8B-B14F-4D97-AF65-F5344CB8AC3E}">
-        <p14:creationId xmlns:p14="http://schemas.microsoft.com/office/powerpoint/2010/main" val="3661658377"/>
+        <p14:creationId xmlns:p14="http://schemas.microsoft.com/office/powerpoint/2010/main" val="2084163594"/>
       </p:ext>
     </p:extLst>
   </p:cSld>
@@ -7436,7 +8019,7 @@
           <p:cNvPr id="2" name="標題 1">
             <a:extLst>
               <a:ext uri="{FF2B5EF4-FFF2-40B4-BE49-F238E27FC236}">
-                <a16:creationId xmlns:a16="http://schemas.microsoft.com/office/drawing/2014/main" id="{FBA3D38A-2F82-8C55-00F2-C26D5F11A024}"/>
+                <a16:creationId xmlns:a16="http://schemas.microsoft.com/office/drawing/2014/main" id="{9AB414ED-C166-FCFB-01AE-5F566EF60711}"/>
               </a:ext>
             </a:extLst>
           </p:cNvPr>
@@ -7453,18 +8036,26 @@
           <a:lstStyle/>
           <a:p>
             <a:r>
-              <a:rPr lang="zh-TW" altLang="en-US" b="1" dirty="0"/>
-              <a:t>下周進度</a:t>
+              <a:rPr lang="zh-TW" altLang="en-US" dirty="0"/>
+              <a:t>使用</a:t>
+            </a:r>
+            <a:r>
+              <a:rPr lang="en-US" altLang="zh-TW" dirty="0" err="1"/>
+              <a:t>OpenPose</a:t>
+            </a:r>
+            <a:r>
+              <a:rPr lang="zh-TW" altLang="en-US" dirty="0"/>
+              <a:t>遇到的問題</a:t>
             </a:r>
           </a:p>
         </p:txBody>
       </p:sp>
       <p:sp>
         <p:nvSpPr>
-          <p:cNvPr id="3" name="內容版面配置區 2">
-            <a:extLst>
-              <a:ext uri="{FF2B5EF4-FFF2-40B4-BE49-F238E27FC236}">
-                <a16:creationId xmlns:a16="http://schemas.microsoft.com/office/drawing/2014/main" id="{02C3325F-348F-6EC7-4748-304C2F75489A}"/>
+          <p:cNvPr id="4" name="內容版面配置區 3">
+            <a:extLst>
+              <a:ext uri="{FF2B5EF4-FFF2-40B4-BE49-F238E27FC236}">
+                <a16:creationId xmlns:a16="http://schemas.microsoft.com/office/drawing/2014/main" id="{E357BE90-3A8B-F2BE-2127-223C33160E62}"/>
               </a:ext>
             </a:extLst>
           </p:cNvPr>
@@ -7475,53 +8066,1037 @@
             <p:ph idx="1"/>
           </p:nvPr>
         </p:nvSpPr>
+        <p:spPr>
+          <a:xfrm>
+            <a:off x="838200" y="1690688"/>
+            <a:ext cx="10515600" cy="4351338"/>
+          </a:xfrm>
+        </p:spPr>
+        <p:txBody>
+          <a:bodyPr/>
+          <a:lstStyle/>
+          <a:p>
+            <a:pPr marL="0" indent="0">
+              <a:buNone/>
+            </a:pPr>
+            <a:r>
+              <a:rPr lang="en-US" altLang="zh-TW" sz="1800" u="sng" kern="100" dirty="0">
+                <a:solidFill>
+                  <a:srgbClr val="0000FF"/>
+                </a:solidFill>
+                <a:effectLst/>
+                <a:latin typeface="Calibri" panose="020F0502020204030204" pitchFamily="34" charset="0"/>
+                <a:ea typeface="新細明體" panose="02020500000000000000" pitchFamily="18" charset="-120"/>
+                <a:cs typeface="Times New Roman" panose="02020603050405020304" pitchFamily="18" charset="0"/>
+                <a:hlinkClick r:id="rId2"/>
+              </a:rPr>
+              <a:t>(140) Pose Estimation Tutorial #1 - Install and Run </a:t>
+            </a:r>
+            <a:r>
+              <a:rPr lang="en-US" altLang="zh-TW" sz="1800" u="sng" kern="100" dirty="0" err="1">
+                <a:solidFill>
+                  <a:srgbClr val="0000FF"/>
+                </a:solidFill>
+                <a:effectLst/>
+                <a:latin typeface="Calibri" panose="020F0502020204030204" pitchFamily="34" charset="0"/>
+                <a:ea typeface="新細明體" panose="02020500000000000000" pitchFamily="18" charset="-120"/>
+                <a:cs typeface="Times New Roman" panose="02020603050405020304" pitchFamily="18" charset="0"/>
+                <a:hlinkClick r:id="rId2"/>
+              </a:rPr>
+              <a:t>OpenPose</a:t>
+            </a:r>
+            <a:r>
+              <a:rPr lang="en-US" altLang="zh-TW" sz="1800" u="sng" kern="100" dirty="0">
+                <a:solidFill>
+                  <a:srgbClr val="0000FF"/>
+                </a:solidFill>
+                <a:effectLst/>
+                <a:latin typeface="Calibri" panose="020F0502020204030204" pitchFamily="34" charset="0"/>
+                <a:ea typeface="新細明體" panose="02020500000000000000" pitchFamily="18" charset="-120"/>
+                <a:cs typeface="Times New Roman" panose="02020603050405020304" pitchFamily="18" charset="0"/>
+                <a:hlinkClick r:id="rId2"/>
+              </a:rPr>
+              <a:t>| OpenCV Python | Computer Vision 2020 - YouTube</a:t>
+            </a:r>
+            <a:endParaRPr lang="zh-TW" altLang="zh-TW" sz="1800" kern="100" dirty="0">
+              <a:effectLst/>
+              <a:latin typeface="Calibri" panose="020F0502020204030204" pitchFamily="34" charset="0"/>
+              <a:ea typeface="新細明體" panose="02020500000000000000" pitchFamily="18" charset="-120"/>
+              <a:cs typeface="Times New Roman" panose="02020603050405020304" pitchFamily="18" charset="0"/>
+            </a:endParaRPr>
+          </a:p>
+          <a:p>
+            <a:pPr marL="0" indent="0">
+              <a:buNone/>
+            </a:pPr>
+            <a:r>
+              <a:rPr lang="zh-TW" altLang="zh-TW" sz="1800" kern="100" dirty="0">
+                <a:effectLst/>
+                <a:latin typeface="微軟正黑體" panose="020B0604030504040204" pitchFamily="34" charset="-120"/>
+                <a:ea typeface="微軟正黑體" panose="020B0604030504040204" pitchFamily="34" charset="-120"/>
+                <a:cs typeface="Times New Roman" panose="02020603050405020304" pitchFamily="18" charset="0"/>
+              </a:rPr>
+              <a:t>我照這部影片做 基本上它是這著</a:t>
+            </a:r>
+            <a:r>
+              <a:rPr lang="en-US" altLang="zh-TW" sz="1800" kern="100" dirty="0" err="1">
+                <a:effectLst/>
+                <a:latin typeface="微軟正黑體" panose="020B0604030504040204" pitchFamily="34" charset="-120"/>
+                <a:ea typeface="微軟正黑體" panose="020B0604030504040204" pitchFamily="34" charset="-120"/>
+                <a:cs typeface="Times New Roman" panose="02020603050405020304" pitchFamily="18" charset="0"/>
+              </a:rPr>
+              <a:t>github</a:t>
+            </a:r>
+            <a:r>
+              <a:rPr lang="zh-TW" altLang="zh-TW" sz="1800" kern="100" dirty="0">
+                <a:effectLst/>
+                <a:latin typeface="微軟正黑體" panose="020B0604030504040204" pitchFamily="34" charset="-120"/>
+                <a:ea typeface="微軟正黑體" panose="020B0604030504040204" pitchFamily="34" charset="-120"/>
+                <a:cs typeface="Times New Roman" panose="02020603050405020304" pitchFamily="18" charset="0"/>
+              </a:rPr>
+              <a:t>上的指示去安裝的</a:t>
+            </a:r>
+          </a:p>
+          <a:p>
+            <a:pPr marL="0" indent="0">
+              <a:buNone/>
+            </a:pPr>
+            <a:r>
+              <a:rPr lang="en-US" altLang="zh-TW" sz="1800" u="sng" kern="100" dirty="0" err="1">
+                <a:solidFill>
+                  <a:srgbClr val="0000FF"/>
+                </a:solidFill>
+                <a:effectLst/>
+                <a:latin typeface="Calibri" panose="020F0502020204030204" pitchFamily="34" charset="0"/>
+                <a:ea typeface="新細明體" panose="02020500000000000000" pitchFamily="18" charset="-120"/>
+                <a:cs typeface="Times New Roman" panose="02020603050405020304" pitchFamily="18" charset="0"/>
+                <a:hlinkClick r:id="rId3"/>
+              </a:rPr>
+              <a:t>jiajunhua</a:t>
+            </a:r>
+            <a:r>
+              <a:rPr lang="en-US" altLang="zh-TW" sz="1800" u="sng" kern="100" dirty="0">
+                <a:solidFill>
+                  <a:srgbClr val="0000FF"/>
+                </a:solidFill>
+                <a:effectLst/>
+                <a:latin typeface="Calibri" panose="020F0502020204030204" pitchFamily="34" charset="0"/>
+                <a:ea typeface="新細明體" panose="02020500000000000000" pitchFamily="18" charset="-120"/>
+                <a:cs typeface="Times New Roman" panose="02020603050405020304" pitchFamily="18" charset="0"/>
+                <a:hlinkClick r:id="rId3"/>
+              </a:rPr>
+              <a:t>/</a:t>
+            </a:r>
+            <a:r>
+              <a:rPr lang="en-US" altLang="zh-TW" sz="1800" u="sng" kern="100" dirty="0" err="1">
+                <a:solidFill>
+                  <a:srgbClr val="0000FF"/>
+                </a:solidFill>
+                <a:effectLst/>
+                <a:latin typeface="Calibri" panose="020F0502020204030204" pitchFamily="34" charset="0"/>
+                <a:ea typeface="新細明體" panose="02020500000000000000" pitchFamily="18" charset="-120"/>
+                <a:cs typeface="Times New Roman" panose="02020603050405020304" pitchFamily="18" charset="0"/>
+                <a:hlinkClick r:id="rId3"/>
+              </a:rPr>
+              <a:t>ildoonet</a:t>
+            </a:r>
+            <a:r>
+              <a:rPr lang="en-US" altLang="zh-TW" sz="1800" u="sng" kern="100" dirty="0">
+                <a:solidFill>
+                  <a:srgbClr val="0000FF"/>
+                </a:solidFill>
+                <a:effectLst/>
+                <a:latin typeface="Calibri" panose="020F0502020204030204" pitchFamily="34" charset="0"/>
+                <a:ea typeface="新細明體" panose="02020500000000000000" pitchFamily="18" charset="-120"/>
+                <a:cs typeface="Times New Roman" panose="02020603050405020304" pitchFamily="18" charset="0"/>
+                <a:hlinkClick r:id="rId3"/>
+              </a:rPr>
+              <a:t>-</a:t>
+            </a:r>
+            <a:r>
+              <a:rPr lang="en-US" altLang="zh-TW" sz="1800" u="sng" kern="100" dirty="0" err="1">
+                <a:solidFill>
+                  <a:srgbClr val="0000FF"/>
+                </a:solidFill>
+                <a:effectLst/>
+                <a:latin typeface="Calibri" panose="020F0502020204030204" pitchFamily="34" charset="0"/>
+                <a:ea typeface="新細明體" panose="02020500000000000000" pitchFamily="18" charset="-120"/>
+                <a:cs typeface="Times New Roman" panose="02020603050405020304" pitchFamily="18" charset="0"/>
+                <a:hlinkClick r:id="rId3"/>
+              </a:rPr>
+              <a:t>tf</a:t>
+            </a:r>
+            <a:r>
+              <a:rPr lang="en-US" altLang="zh-TW" sz="1800" u="sng" kern="100" dirty="0">
+                <a:solidFill>
+                  <a:srgbClr val="0000FF"/>
+                </a:solidFill>
+                <a:effectLst/>
+                <a:latin typeface="Calibri" panose="020F0502020204030204" pitchFamily="34" charset="0"/>
+                <a:ea typeface="新細明體" panose="02020500000000000000" pitchFamily="18" charset="-120"/>
+                <a:cs typeface="Times New Roman" panose="02020603050405020304" pitchFamily="18" charset="0"/>
+                <a:hlinkClick r:id="rId3"/>
+              </a:rPr>
+              <a:t>-pose-estimation (github.com)</a:t>
+            </a:r>
+            <a:endParaRPr lang="zh-TW" altLang="zh-TW" sz="1800" kern="100" dirty="0">
+              <a:effectLst/>
+              <a:latin typeface="Calibri" panose="020F0502020204030204" pitchFamily="34" charset="0"/>
+              <a:ea typeface="新細明體" panose="02020500000000000000" pitchFamily="18" charset="-120"/>
+              <a:cs typeface="Times New Roman" panose="02020603050405020304" pitchFamily="18" charset="0"/>
+            </a:endParaRPr>
+          </a:p>
+          <a:p>
+            <a:endParaRPr lang="zh-TW" altLang="en-US" dirty="0"/>
+          </a:p>
+        </p:txBody>
+      </p:sp>
+      <p:pic>
+        <p:nvPicPr>
+          <p:cNvPr id="6" name="圖片 5">
+            <a:extLst>
+              <a:ext uri="{FF2B5EF4-FFF2-40B4-BE49-F238E27FC236}">
+                <a16:creationId xmlns:a16="http://schemas.microsoft.com/office/drawing/2014/main" id="{F60E316B-7C4B-97F5-EA5A-802CBD0455F4}"/>
+              </a:ext>
+            </a:extLst>
+          </p:cNvPr>
+          <p:cNvPicPr>
+            <a:picLocks noChangeAspect="1"/>
+          </p:cNvPicPr>
+          <p:nvPr/>
+        </p:nvPicPr>
+        <p:blipFill>
+          <a:blip r:embed="rId4"/>
+          <a:stretch>
+            <a:fillRect/>
+          </a:stretch>
+        </p:blipFill>
+        <p:spPr>
+          <a:xfrm>
+            <a:off x="947257" y="3429000"/>
+            <a:ext cx="4755292" cy="1621677"/>
+          </a:xfrm>
+          <a:prstGeom prst="rect">
+            <a:avLst/>
+          </a:prstGeom>
+        </p:spPr>
+      </p:pic>
+      <p:pic>
+        <p:nvPicPr>
+          <p:cNvPr id="7" name="圖片 6">
+            <a:extLst>
+              <a:ext uri="{FF2B5EF4-FFF2-40B4-BE49-F238E27FC236}">
+                <a16:creationId xmlns:a16="http://schemas.microsoft.com/office/drawing/2014/main" id="{8DF79F2A-7C3A-B0C1-F38E-0D60CDFDB6FC}"/>
+              </a:ext>
+            </a:extLst>
+          </p:cNvPr>
+          <p:cNvPicPr>
+            <a:picLocks noChangeAspect="1"/>
+          </p:cNvPicPr>
+          <p:nvPr/>
+        </p:nvPicPr>
+        <p:blipFill>
+          <a:blip r:embed="rId5"/>
+          <a:stretch>
+            <a:fillRect/>
+          </a:stretch>
+        </p:blipFill>
+        <p:spPr>
+          <a:xfrm>
+            <a:off x="6189360" y="3429000"/>
+            <a:ext cx="5273497" cy="2969009"/>
+          </a:xfrm>
+          <a:prstGeom prst="rect">
+            <a:avLst/>
+          </a:prstGeom>
+        </p:spPr>
+      </p:pic>
+    </p:spTree>
+    <p:extLst>
+      <p:ext uri="{BB962C8B-B14F-4D97-AF65-F5344CB8AC3E}">
+        <p14:creationId xmlns:p14="http://schemas.microsoft.com/office/powerpoint/2010/main" val="1901651446"/>
+      </p:ext>
+    </p:extLst>
+  </p:cSld>
+  <p:clrMapOvr>
+    <a:masterClrMapping/>
+  </p:clrMapOvr>
+</p:sld>
+</file>
+
+<file path=ppt/slides/slide15.xml><?xml version="1.0" encoding="utf-8"?>
+<p:sld xmlns:a="http://schemas.openxmlformats.org/drawingml/2006/main" xmlns:r="http://schemas.openxmlformats.org/officeDocument/2006/relationships" xmlns:p="http://schemas.openxmlformats.org/presentationml/2006/main">
+  <p:cSld>
+    <p:spTree>
+      <p:nvGrpSpPr>
+        <p:cNvPr id="1" name=""/>
+        <p:cNvGrpSpPr/>
+        <p:nvPr/>
+      </p:nvGrpSpPr>
+      <p:grpSpPr>
+        <a:xfrm>
+          <a:off x="0" y="0"/>
+          <a:ext cx="0" cy="0"/>
+          <a:chOff x="0" y="0"/>
+          <a:chExt cx="0" cy="0"/>
+        </a:xfrm>
+      </p:grpSpPr>
+      <p:sp>
+        <p:nvSpPr>
+          <p:cNvPr id="3" name="內容版面配置區 2">
+            <a:extLst>
+              <a:ext uri="{FF2B5EF4-FFF2-40B4-BE49-F238E27FC236}">
+                <a16:creationId xmlns:a16="http://schemas.microsoft.com/office/drawing/2014/main" id="{09CB0874-471C-3A71-011F-0C299223C9D1}"/>
+              </a:ext>
+            </a:extLst>
+          </p:cNvPr>
+          <p:cNvSpPr>
+            <a:spLocks noGrp="1"/>
+          </p:cNvSpPr>
+          <p:nvPr>
+            <p:ph idx="1"/>
+          </p:nvPr>
+        </p:nvSpPr>
+        <p:spPr>
+          <a:xfrm>
+            <a:off x="838200" y="0"/>
+            <a:ext cx="10515600" cy="4351338"/>
+          </a:xfrm>
+        </p:spPr>
+        <p:txBody>
+          <a:bodyPr/>
+          <a:lstStyle/>
+          <a:p>
+            <a:pPr marL="0" indent="0">
+              <a:buNone/>
+            </a:pPr>
+            <a:r>
+              <a:rPr lang="zh-TW" altLang="en-US" dirty="0"/>
+              <a:t>跳出來的東西</a:t>
+            </a:r>
+          </a:p>
+        </p:txBody>
+      </p:sp>
+      <p:pic>
+        <p:nvPicPr>
+          <p:cNvPr id="6" name="圖片 5">
+            <a:extLst>
+              <a:ext uri="{FF2B5EF4-FFF2-40B4-BE49-F238E27FC236}">
+                <a16:creationId xmlns:a16="http://schemas.microsoft.com/office/drawing/2014/main" id="{1C1E2AA0-D51D-E829-A06A-21B1F9333E74}"/>
+              </a:ext>
+            </a:extLst>
+          </p:cNvPr>
+          <p:cNvPicPr>
+            <a:picLocks noChangeAspect="1"/>
+          </p:cNvPicPr>
+          <p:nvPr/>
+        </p:nvPicPr>
+        <p:blipFill>
+          <a:blip r:embed="rId2">
+            <a:extLst>
+              <a:ext uri="{28A0092B-C50C-407E-A947-70E740481C1C}">
+                <a14:useLocalDpi xmlns:a14="http://schemas.microsoft.com/office/drawing/2010/main" val="0"/>
+              </a:ext>
+            </a:extLst>
+          </a:blip>
+          <a:stretch>
+            <a:fillRect/>
+          </a:stretch>
+        </p:blipFill>
+        <p:spPr>
+          <a:xfrm>
+            <a:off x="345763" y="663089"/>
+            <a:ext cx="11500474" cy="6014548"/>
+          </a:xfrm>
+          <a:prstGeom prst="rect">
+            <a:avLst/>
+          </a:prstGeom>
+        </p:spPr>
+      </p:pic>
+    </p:spTree>
+    <p:extLst>
+      <p:ext uri="{BB962C8B-B14F-4D97-AF65-F5344CB8AC3E}">
+        <p14:creationId xmlns:p14="http://schemas.microsoft.com/office/powerpoint/2010/main" val="2153403224"/>
+      </p:ext>
+    </p:extLst>
+  </p:cSld>
+  <p:clrMapOvr>
+    <a:masterClrMapping/>
+  </p:clrMapOvr>
+</p:sld>
+</file>
+
+<file path=ppt/slides/slide16.xml><?xml version="1.0" encoding="utf-8"?>
+<p:sld xmlns:a="http://schemas.openxmlformats.org/drawingml/2006/main" xmlns:r="http://schemas.openxmlformats.org/officeDocument/2006/relationships" xmlns:p="http://schemas.openxmlformats.org/presentationml/2006/main">
+  <p:cSld>
+    <p:spTree>
+      <p:nvGrpSpPr>
+        <p:cNvPr id="1" name=""/>
+        <p:cNvGrpSpPr/>
+        <p:nvPr/>
+      </p:nvGrpSpPr>
+      <p:grpSpPr>
+        <a:xfrm>
+          <a:off x="0" y="0"/>
+          <a:ext cx="0" cy="0"/>
+          <a:chOff x="0" y="0"/>
+          <a:chExt cx="0" cy="0"/>
+        </a:xfrm>
+      </p:grpSpPr>
+      <p:sp>
+        <p:nvSpPr>
+          <p:cNvPr id="3" name="內容版面配置區 2">
+            <a:extLst>
+              <a:ext uri="{FF2B5EF4-FFF2-40B4-BE49-F238E27FC236}">
+                <a16:creationId xmlns:a16="http://schemas.microsoft.com/office/drawing/2014/main" id="{69BAC1EA-92B2-B59C-3D66-BB4A48BFABD7}"/>
+              </a:ext>
+            </a:extLst>
+          </p:cNvPr>
+          <p:cNvSpPr>
+            <a:spLocks noGrp="1"/>
+          </p:cNvSpPr>
+          <p:nvPr>
+            <p:ph idx="1"/>
+          </p:nvPr>
+        </p:nvSpPr>
+        <p:spPr>
+          <a:xfrm>
+            <a:off x="838200" y="265273"/>
+            <a:ext cx="10515600" cy="4351338"/>
+          </a:xfrm>
+        </p:spPr>
+        <p:txBody>
+          <a:bodyPr/>
+          <a:lstStyle/>
+          <a:p>
+            <a:pPr marL="0" indent="0">
+              <a:buNone/>
+            </a:pPr>
+            <a:r>
+              <a:rPr lang="zh-TW" altLang="zh-TW" sz="1800" kern="100" dirty="0">
+                <a:effectLst/>
+                <a:latin typeface="微軟正黑體" panose="020B0604030504040204" pitchFamily="34" charset="-120"/>
+                <a:ea typeface="微軟正黑體" panose="020B0604030504040204" pitchFamily="34" charset="-120"/>
+                <a:cs typeface="Times New Roman" panose="02020603050405020304" pitchFamily="18" charset="0"/>
+              </a:rPr>
+              <a:t>再來我又嘗試這部影片 </a:t>
+            </a:r>
+            <a:r>
+              <a:rPr lang="en-US" altLang="zh-TW" sz="1800" u="sng" kern="100" dirty="0">
+                <a:solidFill>
+                  <a:srgbClr val="0000FF"/>
+                </a:solidFill>
+                <a:effectLst/>
+                <a:latin typeface="微軟正黑體" panose="020B0604030504040204" pitchFamily="34" charset="-120"/>
+                <a:ea typeface="微軟正黑體" panose="020B0604030504040204" pitchFamily="34" charset="-120"/>
+                <a:cs typeface="Times New Roman" panose="02020603050405020304" pitchFamily="18" charset="0"/>
+                <a:hlinkClick r:id="rId2"/>
+              </a:rPr>
+              <a:t>(140) </a:t>
+            </a:r>
+            <a:r>
+              <a:rPr lang="en-US" altLang="zh-TW" sz="1800" u="sng" kern="100" dirty="0" err="1">
+                <a:solidFill>
+                  <a:srgbClr val="0000FF"/>
+                </a:solidFill>
+                <a:effectLst/>
+                <a:latin typeface="微軟正黑體" panose="020B0604030504040204" pitchFamily="34" charset="-120"/>
+                <a:ea typeface="微軟正黑體" panose="020B0604030504040204" pitchFamily="34" charset="-120"/>
+                <a:cs typeface="Times New Roman" panose="02020603050405020304" pitchFamily="18" charset="0"/>
+                <a:hlinkClick r:id="rId2"/>
+              </a:rPr>
+              <a:t>OpenPoseで骨格推定【Intel</a:t>
+            </a:r>
+            <a:r>
+              <a:rPr lang="en-US" altLang="zh-TW" sz="1800" u="sng" kern="100" dirty="0">
+                <a:solidFill>
+                  <a:srgbClr val="0000FF"/>
+                </a:solidFill>
+                <a:effectLst/>
+                <a:latin typeface="微軟正黑體" panose="020B0604030504040204" pitchFamily="34" charset="-120"/>
+                <a:ea typeface="微軟正黑體" panose="020B0604030504040204" pitchFamily="34" charset="-120"/>
+                <a:cs typeface="Times New Roman" panose="02020603050405020304" pitchFamily="18" charset="0"/>
+                <a:hlinkClick r:id="rId2"/>
+              </a:rPr>
+              <a:t> </a:t>
+            </a:r>
+            <a:r>
+              <a:rPr lang="en-US" altLang="zh-TW" sz="1800" u="sng" kern="100" dirty="0" err="1">
+                <a:solidFill>
+                  <a:srgbClr val="0000FF"/>
+                </a:solidFill>
+                <a:effectLst/>
+                <a:latin typeface="微軟正黑體" panose="020B0604030504040204" pitchFamily="34" charset="-120"/>
+                <a:ea typeface="微軟正黑體" panose="020B0604030504040204" pitchFamily="34" charset="-120"/>
+                <a:cs typeface="Times New Roman" panose="02020603050405020304" pitchFamily="18" charset="0"/>
+                <a:hlinkClick r:id="rId2"/>
+              </a:rPr>
+              <a:t>Mac】Anaconda</a:t>
+            </a:r>
+            <a:r>
+              <a:rPr lang="en-US" altLang="zh-TW" sz="1800" u="sng" kern="100" dirty="0">
+                <a:solidFill>
+                  <a:srgbClr val="0000FF"/>
+                </a:solidFill>
+                <a:effectLst/>
+                <a:latin typeface="微軟正黑體" panose="020B0604030504040204" pitchFamily="34" charset="-120"/>
+                <a:ea typeface="微軟正黑體" panose="020B0604030504040204" pitchFamily="34" charset="-120"/>
+                <a:cs typeface="Times New Roman" panose="02020603050405020304" pitchFamily="18" charset="0"/>
+                <a:hlinkClick r:id="rId2"/>
+              </a:rPr>
+              <a:t>/OpenCV/TensorFlow - YouTube</a:t>
+            </a:r>
+            <a:endParaRPr lang="zh-TW" altLang="zh-TW" sz="1800" kern="100" dirty="0">
+              <a:effectLst/>
+              <a:latin typeface="微軟正黑體" panose="020B0604030504040204" pitchFamily="34" charset="-120"/>
+              <a:ea typeface="微軟正黑體" panose="020B0604030504040204" pitchFamily="34" charset="-120"/>
+              <a:cs typeface="Times New Roman" panose="02020603050405020304" pitchFamily="18" charset="0"/>
+            </a:endParaRPr>
+          </a:p>
+          <a:p>
+            <a:pPr marL="0" indent="0">
+              <a:buNone/>
+            </a:pPr>
+            <a:r>
+              <a:rPr lang="en-US" altLang="zh-TW" sz="1800" u="sng" kern="100" dirty="0" err="1">
+                <a:solidFill>
+                  <a:srgbClr val="0000FF"/>
+                </a:solidFill>
+                <a:effectLst/>
+                <a:latin typeface="微軟正黑體" panose="020B0604030504040204" pitchFamily="34" charset="-120"/>
+                <a:ea typeface="微軟正黑體" panose="020B0604030504040204" pitchFamily="34" charset="-120"/>
+                <a:cs typeface="Times New Roman" panose="02020603050405020304" pitchFamily="18" charset="0"/>
+                <a:hlinkClick r:id="rId3"/>
+              </a:rPr>
+              <a:t>OpenPoseで骨格推定【Mac</a:t>
+            </a:r>
+            <a:r>
+              <a:rPr lang="en-US" altLang="zh-TW" sz="1800" u="sng" kern="100" dirty="0">
+                <a:solidFill>
+                  <a:srgbClr val="0000FF"/>
+                </a:solidFill>
+                <a:effectLst/>
+                <a:latin typeface="微軟正黑體" panose="020B0604030504040204" pitchFamily="34" charset="-120"/>
+                <a:ea typeface="微軟正黑體" panose="020B0604030504040204" pitchFamily="34" charset="-120"/>
+                <a:cs typeface="Times New Roman" panose="02020603050405020304" pitchFamily="18" charset="0"/>
+                <a:hlinkClick r:id="rId3"/>
+              </a:rPr>
+              <a:t>】　Anaconda/OpenCV/</a:t>
+            </a:r>
+            <a:r>
+              <a:rPr lang="en-US" altLang="zh-TW" sz="1800" u="sng" kern="100" dirty="0" err="1">
+                <a:solidFill>
+                  <a:srgbClr val="0000FF"/>
+                </a:solidFill>
+                <a:effectLst/>
+                <a:latin typeface="微軟正黑體" panose="020B0604030504040204" pitchFamily="34" charset="-120"/>
+                <a:ea typeface="微軟正黑體" panose="020B0604030504040204" pitchFamily="34" charset="-120"/>
+                <a:cs typeface="Times New Roman" panose="02020603050405020304" pitchFamily="18" charset="0"/>
+                <a:hlinkClick r:id="rId3"/>
+              </a:rPr>
+              <a:t>TensorFlow｜竹のしんのテック日記</a:t>
+            </a:r>
+            <a:r>
+              <a:rPr lang="en-US" altLang="zh-TW" sz="1800" u="sng" kern="100" dirty="0">
+                <a:solidFill>
+                  <a:srgbClr val="0000FF"/>
+                </a:solidFill>
+                <a:effectLst/>
+                <a:latin typeface="微軟正黑體" panose="020B0604030504040204" pitchFamily="34" charset="-120"/>
+                <a:ea typeface="微軟正黑體" panose="020B0604030504040204" pitchFamily="34" charset="-120"/>
+                <a:cs typeface="Times New Roman" panose="02020603050405020304" pitchFamily="18" charset="0"/>
+                <a:hlinkClick r:id="rId3"/>
+              </a:rPr>
+              <a:t> | </a:t>
+            </a:r>
+            <a:r>
+              <a:rPr lang="en-US" altLang="zh-TW" sz="1800" u="sng" kern="100" dirty="0" err="1">
+                <a:solidFill>
+                  <a:srgbClr val="0000FF"/>
+                </a:solidFill>
+                <a:effectLst/>
+                <a:latin typeface="微軟正黑體" panose="020B0604030504040204" pitchFamily="34" charset="-120"/>
+                <a:ea typeface="微軟正黑體" panose="020B0604030504040204" pitchFamily="34" charset="-120"/>
+                <a:cs typeface="Times New Roman" panose="02020603050405020304" pitchFamily="18" charset="0"/>
+                <a:hlinkClick r:id="rId3"/>
+              </a:rPr>
+              <a:t>竹のしんのテック日記</a:t>
+            </a:r>
+            <a:r>
+              <a:rPr lang="en-US" altLang="zh-TW" sz="1800" u="sng" kern="100" dirty="0">
+                <a:solidFill>
+                  <a:srgbClr val="0000FF"/>
+                </a:solidFill>
+                <a:effectLst/>
+                <a:latin typeface="微軟正黑體" panose="020B0604030504040204" pitchFamily="34" charset="-120"/>
+                <a:ea typeface="微軟正黑體" panose="020B0604030504040204" pitchFamily="34" charset="-120"/>
+                <a:cs typeface="Times New Roman" panose="02020603050405020304" pitchFamily="18" charset="0"/>
+                <a:hlinkClick r:id="rId3"/>
+              </a:rPr>
+              <a:t> (take6shin-tech-diary.com)</a:t>
+            </a:r>
+            <a:endParaRPr lang="zh-TW" altLang="zh-TW" sz="1800" kern="100" dirty="0">
+              <a:effectLst/>
+              <a:latin typeface="微軟正黑體" panose="020B0604030504040204" pitchFamily="34" charset="-120"/>
+              <a:ea typeface="微軟正黑體" panose="020B0604030504040204" pitchFamily="34" charset="-120"/>
+              <a:cs typeface="Times New Roman" panose="02020603050405020304" pitchFamily="18" charset="0"/>
+            </a:endParaRPr>
+          </a:p>
+          <a:p>
+            <a:pPr marL="0" indent="0">
+              <a:buNone/>
+            </a:pPr>
+            <a:r>
+              <a:rPr lang="zh-TW" altLang="zh-TW" sz="1800" kern="100" dirty="0">
+                <a:effectLst/>
+                <a:latin typeface="微軟正黑體" panose="020B0604030504040204" pitchFamily="34" charset="-120"/>
+                <a:ea typeface="微軟正黑體" panose="020B0604030504040204" pitchFamily="34" charset="-120"/>
+                <a:cs typeface="Times New Roman" panose="02020603050405020304" pitchFamily="18" charset="0"/>
+              </a:rPr>
+              <a:t>這部影片是教學如何在</a:t>
+            </a:r>
+            <a:r>
+              <a:rPr lang="en-US" altLang="zh-TW" sz="1800" kern="100" dirty="0">
+                <a:effectLst/>
+                <a:latin typeface="微軟正黑體" panose="020B0604030504040204" pitchFamily="34" charset="-120"/>
+                <a:ea typeface="微軟正黑體" panose="020B0604030504040204" pitchFamily="34" charset="-120"/>
+                <a:cs typeface="Times New Roman" panose="02020603050405020304" pitchFamily="18" charset="0"/>
+              </a:rPr>
+              <a:t>anaconda</a:t>
+            </a:r>
+            <a:r>
+              <a:rPr lang="zh-TW" altLang="zh-TW" sz="1800" kern="100" dirty="0">
+                <a:effectLst/>
+                <a:latin typeface="微軟正黑體" panose="020B0604030504040204" pitchFamily="34" charset="-120"/>
+                <a:ea typeface="微軟正黑體" panose="020B0604030504040204" pitchFamily="34" charset="-120"/>
+                <a:cs typeface="Times New Roman" panose="02020603050405020304" pitchFamily="18" charset="0"/>
+              </a:rPr>
+              <a:t>的環境裡面使用</a:t>
+            </a:r>
+            <a:r>
+              <a:rPr lang="en-US" altLang="zh-TW" sz="1800" kern="100" dirty="0" err="1">
+                <a:effectLst/>
+                <a:latin typeface="微軟正黑體" panose="020B0604030504040204" pitchFamily="34" charset="-120"/>
+                <a:ea typeface="微軟正黑體" panose="020B0604030504040204" pitchFamily="34" charset="-120"/>
+                <a:cs typeface="Times New Roman" panose="02020603050405020304" pitchFamily="18" charset="0"/>
+              </a:rPr>
+              <a:t>openpose</a:t>
+            </a:r>
+            <a:r>
+              <a:rPr lang="zh-TW" altLang="zh-TW" sz="1800" kern="100" dirty="0">
+                <a:effectLst/>
+                <a:latin typeface="微軟正黑體" panose="020B0604030504040204" pitchFamily="34" charset="-120"/>
+                <a:ea typeface="微軟正黑體" panose="020B0604030504040204" pitchFamily="34" charset="-120"/>
+                <a:cs typeface="Times New Roman" panose="02020603050405020304" pitchFamily="18" charset="0"/>
+              </a:rPr>
+              <a:t>但他是用</a:t>
+            </a:r>
+            <a:r>
+              <a:rPr lang="en-US" altLang="zh-TW" sz="1800" kern="100" dirty="0">
+                <a:effectLst/>
+                <a:latin typeface="微軟正黑體" panose="020B0604030504040204" pitchFamily="34" charset="-120"/>
+                <a:ea typeface="微軟正黑體" panose="020B0604030504040204" pitchFamily="34" charset="-120"/>
+                <a:cs typeface="Times New Roman" panose="02020603050405020304" pitchFamily="18" charset="0"/>
+              </a:rPr>
+              <a:t>MAC</a:t>
+            </a:r>
+            <a:r>
+              <a:rPr lang="zh-TW" altLang="en-US" sz="1800" kern="100" dirty="0">
+                <a:latin typeface="微軟正黑體" panose="020B0604030504040204" pitchFamily="34" charset="-120"/>
+                <a:ea typeface="微軟正黑體" panose="020B0604030504040204" pitchFamily="34" charset="-120"/>
+                <a:cs typeface="Times New Roman" panose="02020603050405020304" pitchFamily="18" charset="0"/>
+              </a:rPr>
+              <a:t>。</a:t>
+            </a:r>
+            <a:r>
+              <a:rPr lang="zh-TW" altLang="zh-TW" sz="1800" kern="100" dirty="0">
+                <a:effectLst/>
+                <a:latin typeface="微軟正黑體" panose="020B0604030504040204" pitchFamily="34" charset="-120"/>
+                <a:ea typeface="微軟正黑體" panose="020B0604030504040204" pitchFamily="34" charset="-120"/>
+                <a:cs typeface="Times New Roman" panose="02020603050405020304" pitchFamily="18" charset="0"/>
+              </a:rPr>
+              <a:t>反正我就先用</a:t>
+            </a:r>
+            <a:r>
+              <a:rPr lang="zh-TW" altLang="en-US" sz="1800" kern="100" dirty="0">
+                <a:effectLst/>
+                <a:latin typeface="微軟正黑體" panose="020B0604030504040204" pitchFamily="34" charset="-120"/>
+                <a:ea typeface="微軟正黑體" panose="020B0604030504040204" pitchFamily="34" charset="-120"/>
+                <a:cs typeface="Times New Roman" panose="02020603050405020304" pitchFamily="18" charset="0"/>
+              </a:rPr>
+              <a:t>，</a:t>
+            </a:r>
+            <a:r>
+              <a:rPr lang="zh-TW" altLang="zh-TW" sz="1800" kern="100" dirty="0">
+                <a:effectLst/>
+                <a:latin typeface="微軟正黑體" panose="020B0604030504040204" pitchFamily="34" charset="-120"/>
+                <a:ea typeface="微軟正黑體" panose="020B0604030504040204" pitchFamily="34" charset="-120"/>
+                <a:cs typeface="Times New Roman" panose="02020603050405020304" pitchFamily="18" charset="0"/>
+              </a:rPr>
+              <a:t>前面順順利利的</a:t>
+            </a:r>
+            <a:r>
+              <a:rPr lang="zh-TW" altLang="en-US" sz="1800" kern="100" dirty="0">
+                <a:effectLst/>
+                <a:latin typeface="微軟正黑體" panose="020B0604030504040204" pitchFamily="34" charset="-120"/>
+                <a:ea typeface="微軟正黑體" panose="020B0604030504040204" pitchFamily="34" charset="-120"/>
+                <a:cs typeface="Times New Roman" panose="02020603050405020304" pitchFamily="18" charset="0"/>
+              </a:rPr>
+              <a:t>，</a:t>
+            </a:r>
+            <a:r>
+              <a:rPr lang="zh-TW" altLang="zh-TW" sz="1800" dirty="0">
+                <a:effectLst/>
+                <a:latin typeface="微軟正黑體" panose="020B0604030504040204" pitchFamily="34" charset="-120"/>
+                <a:ea typeface="微軟正黑體" panose="020B0604030504040204" pitchFamily="34" charset="-120"/>
+                <a:cs typeface="Times New Roman" panose="02020603050405020304" pitchFamily="18" charset="0"/>
+              </a:rPr>
+              <a:t>而到他安裝</a:t>
+            </a:r>
+            <a:r>
+              <a:rPr lang="en-US" altLang="zh-TW" sz="1800" dirty="0" err="1">
+                <a:effectLst/>
+                <a:latin typeface="微軟正黑體" panose="020B0604030504040204" pitchFamily="34" charset="-120"/>
+                <a:ea typeface="微軟正黑體" panose="020B0604030504040204" pitchFamily="34" charset="-120"/>
+                <a:cs typeface="Times New Roman" panose="02020603050405020304" pitchFamily="18" charset="0"/>
+              </a:rPr>
+              <a:t>opencv</a:t>
+            </a:r>
+            <a:r>
+              <a:rPr lang="zh-TW" altLang="zh-TW" sz="1800" dirty="0">
+                <a:effectLst/>
+                <a:latin typeface="微軟正黑體" panose="020B0604030504040204" pitchFamily="34" charset="-120"/>
+                <a:ea typeface="微軟正黑體" panose="020B0604030504040204" pitchFamily="34" charset="-120"/>
+                <a:cs typeface="Times New Roman" panose="02020603050405020304" pitchFamily="18" charset="0"/>
+              </a:rPr>
+              <a:t>的時候 我會彈出</a:t>
+            </a:r>
+            <a:r>
+              <a:rPr lang="en-US" altLang="zh-TW" sz="1800" dirty="0">
+                <a:effectLst/>
+                <a:latin typeface="微軟正黑體" panose="020B0604030504040204" pitchFamily="34" charset="-120"/>
+                <a:ea typeface="微軟正黑體" panose="020B0604030504040204" pitchFamily="34" charset="-120"/>
+                <a:cs typeface="Times New Roman" panose="02020603050405020304" pitchFamily="18" charset="0"/>
+              </a:rPr>
+              <a:t>ERROR</a:t>
+            </a:r>
+            <a:endParaRPr lang="zh-TW" altLang="en-US" dirty="0">
+              <a:latin typeface="微軟正黑體" panose="020B0604030504040204" pitchFamily="34" charset="-120"/>
+              <a:ea typeface="微軟正黑體" panose="020B0604030504040204" pitchFamily="34" charset="-120"/>
+            </a:endParaRPr>
+          </a:p>
+        </p:txBody>
+      </p:sp>
+      <p:pic>
+        <p:nvPicPr>
+          <p:cNvPr id="6" name="圖片 5">
+            <a:extLst>
+              <a:ext uri="{FF2B5EF4-FFF2-40B4-BE49-F238E27FC236}">
+                <a16:creationId xmlns:a16="http://schemas.microsoft.com/office/drawing/2014/main" id="{01AA663A-E66E-8BA7-899F-51423B94A266}"/>
+              </a:ext>
+            </a:extLst>
+          </p:cNvPr>
+          <p:cNvPicPr>
+            <a:picLocks noChangeAspect="1"/>
+          </p:cNvPicPr>
+          <p:nvPr/>
+        </p:nvPicPr>
+        <p:blipFill>
+          <a:blip r:embed="rId4">
+            <a:extLst>
+              <a:ext uri="{28A0092B-C50C-407E-A947-70E740481C1C}">
+                <a14:useLocalDpi xmlns:a14="http://schemas.microsoft.com/office/drawing/2010/main" val="0"/>
+              </a:ext>
+            </a:extLst>
+          </a:blip>
+          <a:stretch>
+            <a:fillRect/>
+          </a:stretch>
+        </p:blipFill>
+        <p:spPr>
+          <a:xfrm>
+            <a:off x="2188420" y="2446824"/>
+            <a:ext cx="7815160" cy="4339573"/>
+          </a:xfrm>
+          <a:prstGeom prst="rect">
+            <a:avLst/>
+          </a:prstGeom>
+        </p:spPr>
+      </p:pic>
+    </p:spTree>
+    <p:extLst>
+      <p:ext uri="{BB962C8B-B14F-4D97-AF65-F5344CB8AC3E}">
+        <p14:creationId xmlns:p14="http://schemas.microsoft.com/office/powerpoint/2010/main" val="3287272097"/>
+      </p:ext>
+    </p:extLst>
+  </p:cSld>
+  <p:clrMapOvr>
+    <a:masterClrMapping/>
+  </p:clrMapOvr>
+</p:sld>
+</file>
+
+<file path=ppt/slides/slide17.xml><?xml version="1.0" encoding="utf-8"?>
+<p:sld xmlns:a="http://schemas.openxmlformats.org/drawingml/2006/main" xmlns:r="http://schemas.openxmlformats.org/officeDocument/2006/relationships" xmlns:p="http://schemas.openxmlformats.org/presentationml/2006/main">
+  <p:cSld>
+    <p:spTree>
+      <p:nvGrpSpPr>
+        <p:cNvPr id="1" name=""/>
+        <p:cNvGrpSpPr/>
+        <p:nvPr/>
+      </p:nvGrpSpPr>
+      <p:grpSpPr>
+        <a:xfrm>
+          <a:off x="0" y="0"/>
+          <a:ext cx="0" cy="0"/>
+          <a:chOff x="0" y="0"/>
+          <a:chExt cx="0" cy="0"/>
+        </a:xfrm>
+      </p:grpSpPr>
+      <p:sp>
+        <p:nvSpPr>
+          <p:cNvPr id="2" name="標題 1">
+            <a:extLst>
+              <a:ext uri="{FF2B5EF4-FFF2-40B4-BE49-F238E27FC236}">
+                <a16:creationId xmlns:a16="http://schemas.microsoft.com/office/drawing/2014/main" id="{AA978C4B-A508-A781-A6A7-CA85AB54351C}"/>
+              </a:ext>
+            </a:extLst>
+          </p:cNvPr>
+          <p:cNvSpPr>
+            <a:spLocks noGrp="1"/>
+          </p:cNvSpPr>
+          <p:nvPr>
+            <p:ph type="title"/>
+          </p:nvPr>
+        </p:nvSpPr>
         <p:spPr/>
         <p:txBody>
           <a:bodyPr/>
           <a:lstStyle/>
           <a:p>
-            <a:pPr>
-              <a:buFont typeface="Wingdings" panose="05000000000000000000" pitchFamily="2" charset="2"/>
-              <a:buChar char="l"/>
-            </a:pPr>
-            <a:r>
-              <a:rPr lang="zh-TW" altLang="en-US" dirty="0"/>
-              <a:t> 如何在</a:t>
-            </a:r>
-            <a:r>
-              <a:rPr lang="en-US" altLang="zh-TW" dirty="0"/>
-              <a:t>Anaconda</a:t>
-            </a:r>
-            <a:r>
-              <a:rPr lang="zh-TW" altLang="en-US" dirty="0"/>
-              <a:t>虛擬環境下使用</a:t>
-            </a:r>
-            <a:r>
-              <a:rPr lang="en-US" altLang="zh-TW" dirty="0" err="1"/>
-              <a:t>OpenPose</a:t>
-            </a:r>
-            <a:endParaRPr lang="en-US" altLang="zh-TW" dirty="0"/>
-          </a:p>
-          <a:p>
-            <a:pPr>
-              <a:buFont typeface="Wingdings" panose="05000000000000000000" pitchFamily="2" charset="2"/>
-              <a:buChar char="l"/>
-            </a:pPr>
-            <a:r>
-              <a:rPr lang="zh-TW" altLang="en-US" dirty="0"/>
-              <a:t> 搜尋程式碼、運動相關文獻</a:t>
-            </a:r>
-            <a:endParaRPr lang="en-US" altLang="zh-TW" dirty="0"/>
-          </a:p>
-          <a:p>
-            <a:endParaRPr lang="zh-TW" altLang="en-US" dirty="0"/>
+            <a:endParaRPr lang="zh-TW" altLang="en-US"/>
           </a:p>
         </p:txBody>
       </p:sp>
+      <p:pic>
+        <p:nvPicPr>
+          <p:cNvPr id="8" name="內容版面配置區 7">
+            <a:extLst>
+              <a:ext uri="{FF2B5EF4-FFF2-40B4-BE49-F238E27FC236}">
+                <a16:creationId xmlns:a16="http://schemas.microsoft.com/office/drawing/2014/main" id="{E5F0CA14-FF56-08A6-8EAD-FDB3684FDC9D}"/>
+              </a:ext>
+            </a:extLst>
+          </p:cNvPr>
+          <p:cNvPicPr>
+            <a:picLocks noGrp="1" noChangeAspect="1"/>
+          </p:cNvPicPr>
+          <p:nvPr>
+            <p:ph idx="1"/>
+          </p:nvPr>
+        </p:nvPicPr>
+        <p:blipFill>
+          <a:blip r:embed="rId2">
+            <a:extLst>
+              <a:ext uri="{28A0092B-C50C-407E-A947-70E740481C1C}">
+                <a14:useLocalDpi xmlns:a14="http://schemas.microsoft.com/office/drawing/2010/main" val="0"/>
+              </a:ext>
+            </a:extLst>
+          </a:blip>
+          <a:stretch>
+            <a:fillRect/>
+          </a:stretch>
+        </p:blipFill>
+        <p:spPr>
+          <a:xfrm>
+            <a:off x="0" y="0"/>
+            <a:ext cx="12660922" cy="6858000"/>
+          </a:xfrm>
+        </p:spPr>
+      </p:pic>
     </p:spTree>
     <p:extLst>
       <p:ext uri="{BB962C8B-B14F-4D97-AF65-F5344CB8AC3E}">
-        <p14:creationId xmlns:p14="http://schemas.microsoft.com/office/powerpoint/2010/main" val="3938600110"/>
+        <p14:creationId xmlns:p14="http://schemas.microsoft.com/office/powerpoint/2010/main" val="398286050"/>
+      </p:ext>
+    </p:extLst>
+  </p:cSld>
+  <p:clrMapOvr>
+    <a:masterClrMapping/>
+  </p:clrMapOvr>
+</p:sld>
+</file>
+
+<file path=ppt/slides/slide18.xml><?xml version="1.0" encoding="utf-8"?>
+<p:sld xmlns:a="http://schemas.openxmlformats.org/drawingml/2006/main" xmlns:r="http://schemas.openxmlformats.org/officeDocument/2006/relationships" xmlns:p="http://schemas.openxmlformats.org/presentationml/2006/main">
+  <p:cSld>
+    <p:spTree>
+      <p:nvGrpSpPr>
+        <p:cNvPr id="1" name=""/>
+        <p:cNvGrpSpPr/>
+        <p:nvPr/>
+      </p:nvGrpSpPr>
+      <p:grpSpPr>
+        <a:xfrm>
+          <a:off x="0" y="0"/>
+          <a:ext cx="0" cy="0"/>
+          <a:chOff x="0" y="0"/>
+          <a:chExt cx="0" cy="0"/>
+        </a:xfrm>
+      </p:grpSpPr>
+      <p:sp>
+        <p:nvSpPr>
+          <p:cNvPr id="2" name="標題 1">
+            <a:extLst>
+              <a:ext uri="{FF2B5EF4-FFF2-40B4-BE49-F238E27FC236}">
+                <a16:creationId xmlns:a16="http://schemas.microsoft.com/office/drawing/2014/main" id="{24981AE5-955D-ED34-11B9-1DB53DA978A9}"/>
+              </a:ext>
+            </a:extLst>
+          </p:cNvPr>
+          <p:cNvSpPr>
+            <a:spLocks noGrp="1"/>
+          </p:cNvSpPr>
+          <p:nvPr>
+            <p:ph type="title"/>
+          </p:nvPr>
+        </p:nvSpPr>
+        <p:spPr/>
+        <p:txBody>
+          <a:bodyPr/>
+          <a:lstStyle/>
+          <a:p>
+            <a:endParaRPr lang="zh-TW" altLang="en-US"/>
+          </a:p>
+        </p:txBody>
+      </p:sp>
+      <p:pic>
+        <p:nvPicPr>
+          <p:cNvPr id="5" name="內容版面配置區 4">
+            <a:extLst>
+              <a:ext uri="{FF2B5EF4-FFF2-40B4-BE49-F238E27FC236}">
+                <a16:creationId xmlns:a16="http://schemas.microsoft.com/office/drawing/2014/main" id="{820FF570-2C6C-B1D5-E2E4-C72BBB52B406}"/>
+              </a:ext>
+            </a:extLst>
+          </p:cNvPr>
+          <p:cNvPicPr>
+            <a:picLocks noGrp="1" noChangeAspect="1"/>
+          </p:cNvPicPr>
+          <p:nvPr>
+            <p:ph idx="1"/>
+          </p:nvPr>
+        </p:nvPicPr>
+        <p:blipFill>
+          <a:blip r:embed="rId2">
+            <a:extLst>
+              <a:ext uri="{28A0092B-C50C-407E-A947-70E740481C1C}">
+                <a14:useLocalDpi xmlns:a14="http://schemas.microsoft.com/office/drawing/2010/main" val="0"/>
+              </a:ext>
+            </a:extLst>
+          </a:blip>
+          <a:stretch>
+            <a:fillRect/>
+          </a:stretch>
+        </p:blipFill>
+        <p:spPr>
+          <a:xfrm>
+            <a:off x="3442" y="127932"/>
+            <a:ext cx="12188558" cy="6602136"/>
+          </a:xfrm>
+        </p:spPr>
+      </p:pic>
+    </p:spTree>
+    <p:extLst>
+      <p:ext uri="{BB962C8B-B14F-4D97-AF65-F5344CB8AC3E}">
+        <p14:creationId xmlns:p14="http://schemas.microsoft.com/office/powerpoint/2010/main" val="741664802"/>
+      </p:ext>
+    </p:extLst>
+  </p:cSld>
+  <p:clrMapOvr>
+    <a:masterClrMapping/>
+  </p:clrMapOvr>
+</p:sld>
+</file>
+
+<file path=ppt/slides/slide19.xml><?xml version="1.0" encoding="utf-8"?>
+<p:sld xmlns:a="http://schemas.openxmlformats.org/drawingml/2006/main" xmlns:r="http://schemas.openxmlformats.org/officeDocument/2006/relationships" xmlns:p="http://schemas.openxmlformats.org/presentationml/2006/main">
+  <p:cSld>
+    <p:spTree>
+      <p:nvGrpSpPr>
+        <p:cNvPr id="1" name=""/>
+        <p:cNvGrpSpPr/>
+        <p:nvPr/>
+      </p:nvGrpSpPr>
+      <p:grpSpPr>
+        <a:xfrm>
+          <a:off x="0" y="0"/>
+          <a:ext cx="0" cy="0"/>
+          <a:chOff x="0" y="0"/>
+          <a:chExt cx="0" cy="0"/>
+        </a:xfrm>
+      </p:grpSpPr>
+      <p:sp>
+        <p:nvSpPr>
+          <p:cNvPr id="2" name="標題 1">
+            <a:extLst>
+              <a:ext uri="{FF2B5EF4-FFF2-40B4-BE49-F238E27FC236}">
+                <a16:creationId xmlns:a16="http://schemas.microsoft.com/office/drawing/2014/main" id="{788C9347-37FB-765B-3AED-E9808DAE88E0}"/>
+              </a:ext>
+            </a:extLst>
+          </p:cNvPr>
+          <p:cNvSpPr>
+            <a:spLocks noGrp="1"/>
+          </p:cNvSpPr>
+          <p:nvPr>
+            <p:ph type="title"/>
+          </p:nvPr>
+        </p:nvSpPr>
+        <p:spPr/>
+        <p:txBody>
+          <a:bodyPr/>
+          <a:lstStyle/>
+          <a:p>
+            <a:endParaRPr lang="zh-TW" altLang="en-US"/>
+          </a:p>
+        </p:txBody>
+      </p:sp>
+      <p:pic>
+        <p:nvPicPr>
+          <p:cNvPr id="5" name="內容版面配置區 4">
+            <a:extLst>
+              <a:ext uri="{FF2B5EF4-FFF2-40B4-BE49-F238E27FC236}">
+                <a16:creationId xmlns:a16="http://schemas.microsoft.com/office/drawing/2014/main" id="{D2DE6B3F-5C75-C0D5-B7FD-98463E47CBAD}"/>
+              </a:ext>
+            </a:extLst>
+          </p:cNvPr>
+          <p:cNvPicPr>
+            <a:picLocks noGrp="1" noChangeAspect="1"/>
+          </p:cNvPicPr>
+          <p:nvPr>
+            <p:ph idx="1"/>
+          </p:nvPr>
+        </p:nvPicPr>
+        <p:blipFill>
+          <a:blip r:embed="rId2">
+            <a:extLst>
+              <a:ext uri="{28A0092B-C50C-407E-A947-70E740481C1C}">
+                <a14:useLocalDpi xmlns:a14="http://schemas.microsoft.com/office/drawing/2010/main" val="0"/>
+              </a:ext>
+            </a:extLst>
+          </a:blip>
+          <a:stretch>
+            <a:fillRect/>
+          </a:stretch>
+        </p:blipFill>
+        <p:spPr>
+          <a:xfrm>
+            <a:off x="0" y="122688"/>
+            <a:ext cx="12207920" cy="6612623"/>
+          </a:xfrm>
+        </p:spPr>
+      </p:pic>
+    </p:spTree>
+    <p:extLst>
+      <p:ext uri="{BB962C8B-B14F-4D97-AF65-F5344CB8AC3E}">
+        <p14:creationId xmlns:p14="http://schemas.microsoft.com/office/powerpoint/2010/main" val="3497300229"/>
       </p:ext>
     </p:extLst>
   </p:cSld>
@@ -7603,7 +9178,7 @@
             </a:pPr>
             <a:r>
               <a:rPr lang="zh-TW" altLang="en-US" dirty="0"/>
-              <a:t> 設計動機與目的</a:t>
+              <a:t> 本周新增內容</a:t>
             </a:r>
             <a:endParaRPr lang="en-US" altLang="zh-TW" dirty="0"/>
           </a:p>
@@ -7614,7 +9189,7 @@
             </a:pPr>
             <a:r>
               <a:rPr lang="zh-TW" altLang="en-US" dirty="0"/>
-              <a:t> 系統功能</a:t>
+              <a:t> 設計動機與目的</a:t>
             </a:r>
             <a:endParaRPr lang="en-US" altLang="zh-TW" dirty="0"/>
           </a:p>
@@ -7625,7 +9200,7 @@
             </a:pPr>
             <a:r>
               <a:rPr lang="zh-TW" altLang="en-US" dirty="0"/>
-              <a:t> 經費規劃</a:t>
+              <a:t> 系統功能</a:t>
             </a:r>
             <a:endParaRPr lang="en-US" altLang="zh-TW" dirty="0"/>
           </a:p>
@@ -7636,7 +9211,18 @@
             </a:pPr>
             <a:r>
               <a:rPr lang="zh-TW" altLang="en-US" dirty="0"/>
-              <a:t> 下周進度</a:t>
+              <a:t> 架設環境遇到的問題</a:t>
+            </a:r>
+            <a:endParaRPr lang="en-US" altLang="zh-TW" dirty="0"/>
+          </a:p>
+          <a:p>
+            <a:pPr>
+              <a:buFont typeface="Wingdings" panose="05000000000000000000" pitchFamily="2" charset="2"/>
+              <a:buChar char="l"/>
+            </a:pPr>
+            <a:r>
+              <a:rPr lang="zh-TW" altLang="en-US" dirty="0"/>
+              <a:t>下周進度</a:t>
             </a:r>
           </a:p>
         </p:txBody>
@@ -7645,6 +9231,606 @@
     <p:extLst>
       <p:ext uri="{BB962C8B-B14F-4D97-AF65-F5344CB8AC3E}">
         <p14:creationId xmlns:p14="http://schemas.microsoft.com/office/powerpoint/2010/main" val="449935162"/>
+      </p:ext>
+    </p:extLst>
+  </p:cSld>
+  <p:clrMapOvr>
+    <a:masterClrMapping/>
+  </p:clrMapOvr>
+</p:sld>
+</file>
+
+<file path=ppt/slides/slide20.xml><?xml version="1.0" encoding="utf-8"?>
+<p:sld xmlns:a="http://schemas.openxmlformats.org/drawingml/2006/main" xmlns:r="http://schemas.openxmlformats.org/officeDocument/2006/relationships" xmlns:p="http://schemas.openxmlformats.org/presentationml/2006/main">
+  <p:cSld>
+    <p:spTree>
+      <p:nvGrpSpPr>
+        <p:cNvPr id="1" name=""/>
+        <p:cNvGrpSpPr/>
+        <p:nvPr/>
+      </p:nvGrpSpPr>
+      <p:grpSpPr>
+        <a:xfrm>
+          <a:off x="0" y="0"/>
+          <a:ext cx="0" cy="0"/>
+          <a:chOff x="0" y="0"/>
+          <a:chExt cx="0" cy="0"/>
+        </a:xfrm>
+      </p:grpSpPr>
+      <p:pic>
+        <p:nvPicPr>
+          <p:cNvPr id="5" name="內容版面配置區 4">
+            <a:extLst>
+              <a:ext uri="{FF2B5EF4-FFF2-40B4-BE49-F238E27FC236}">
+                <a16:creationId xmlns:a16="http://schemas.microsoft.com/office/drawing/2014/main" id="{343E316F-2D76-31F5-450C-0D45F154518F}"/>
+              </a:ext>
+            </a:extLst>
+          </p:cNvPr>
+          <p:cNvPicPr>
+            <a:picLocks noGrp="1" noChangeAspect="1"/>
+          </p:cNvPicPr>
+          <p:nvPr>
+            <p:ph idx="1"/>
+          </p:nvPr>
+        </p:nvPicPr>
+        <p:blipFill>
+          <a:blip r:embed="rId2">
+            <a:extLst>
+              <a:ext uri="{28A0092B-C50C-407E-A947-70E740481C1C}">
+                <a14:useLocalDpi xmlns:a14="http://schemas.microsoft.com/office/drawing/2010/main" val="0"/>
+              </a:ext>
+            </a:extLst>
+          </a:blip>
+          <a:stretch>
+            <a:fillRect/>
+          </a:stretch>
+        </p:blipFill>
+        <p:spPr>
+          <a:xfrm>
+            <a:off x="759553" y="2147402"/>
+            <a:ext cx="7668695" cy="771633"/>
+          </a:xfrm>
+        </p:spPr>
+      </p:pic>
+      <p:sp>
+        <p:nvSpPr>
+          <p:cNvPr id="9" name="文字方塊 8">
+            <a:extLst>
+              <a:ext uri="{FF2B5EF4-FFF2-40B4-BE49-F238E27FC236}">
+                <a16:creationId xmlns:a16="http://schemas.microsoft.com/office/drawing/2014/main" id="{69527A00-A2C2-194D-6FAF-428F1A524F35}"/>
+              </a:ext>
+            </a:extLst>
+          </p:cNvPr>
+          <p:cNvSpPr txBox="1"/>
+          <p:nvPr/>
+        </p:nvSpPr>
+        <p:spPr>
+          <a:xfrm>
+            <a:off x="676132" y="1333742"/>
+            <a:ext cx="6102990" cy="584775"/>
+          </a:xfrm>
+          <a:prstGeom prst="rect">
+            <a:avLst/>
+          </a:prstGeom>
+          <a:noFill/>
+        </p:spPr>
+        <p:txBody>
+          <a:bodyPr wrap="square">
+            <a:spAutoFit/>
+          </a:bodyPr>
+          <a:lstStyle/>
+          <a:p>
+            <a:r>
+              <a:rPr lang="zh-TW" altLang="zh-TW" sz="3200" kern="100" dirty="0">
+                <a:effectLst/>
+                <a:latin typeface="微軟正黑體" panose="020B0604030504040204" pitchFamily="34" charset="-120"/>
+                <a:ea typeface="微軟正黑體" panose="020B0604030504040204" pitchFamily="34" charset="-120"/>
+                <a:cs typeface="Times New Roman" panose="02020603050405020304" pitchFamily="18" charset="0"/>
+              </a:rPr>
+              <a:t>我想說算了就繼續做下去</a:t>
+            </a:r>
+          </a:p>
+        </p:txBody>
+      </p:sp>
+      <p:sp>
+        <p:nvSpPr>
+          <p:cNvPr id="11" name="文字方塊 10">
+            <a:extLst>
+              <a:ext uri="{FF2B5EF4-FFF2-40B4-BE49-F238E27FC236}">
+                <a16:creationId xmlns:a16="http://schemas.microsoft.com/office/drawing/2014/main" id="{A2EC1BC3-3E38-59C9-F9E9-56A93618B400}"/>
+              </a:ext>
+            </a:extLst>
+          </p:cNvPr>
+          <p:cNvSpPr txBox="1"/>
+          <p:nvPr/>
+        </p:nvSpPr>
+        <p:spPr>
+          <a:xfrm>
+            <a:off x="759553" y="3049047"/>
+            <a:ext cx="10672893" cy="2062103"/>
+          </a:xfrm>
+          <a:prstGeom prst="rect">
+            <a:avLst/>
+          </a:prstGeom>
+          <a:noFill/>
+        </p:spPr>
+        <p:txBody>
+          <a:bodyPr wrap="square">
+            <a:spAutoFit/>
+          </a:bodyPr>
+          <a:lstStyle/>
+          <a:p>
+            <a:r>
+              <a:rPr lang="zh-TW" altLang="zh-TW" sz="3200" kern="100" dirty="0">
+                <a:effectLst/>
+                <a:latin typeface="微軟正黑體" panose="020B0604030504040204" pitchFamily="34" charset="-120"/>
+                <a:ea typeface="微軟正黑體" panose="020B0604030504040204" pitchFamily="34" charset="-120"/>
+                <a:cs typeface="Times New Roman" panose="02020603050405020304" pitchFamily="18" charset="0"/>
+              </a:rPr>
+              <a:t>結果就是無法繼續做</a:t>
+            </a:r>
+          </a:p>
+          <a:p>
+            <a:r>
+              <a:rPr lang="zh-TW" altLang="zh-TW" sz="3200" kern="100" dirty="0">
+                <a:effectLst/>
+                <a:latin typeface="微軟正黑體" panose="020B0604030504040204" pitchFamily="34" charset="-120"/>
+                <a:ea typeface="微軟正黑體" panose="020B0604030504040204" pitchFamily="34" charset="-120"/>
+                <a:cs typeface="Times New Roman" panose="02020603050405020304" pitchFamily="18" charset="0"/>
+              </a:rPr>
+              <a:t>我不確定是因為影片作者使用的是</a:t>
+            </a:r>
+            <a:r>
+              <a:rPr lang="en-US" altLang="zh-TW" sz="3200" kern="100" dirty="0">
+                <a:effectLst/>
+                <a:latin typeface="微軟正黑體" panose="020B0604030504040204" pitchFamily="34" charset="-120"/>
+                <a:ea typeface="微軟正黑體" panose="020B0604030504040204" pitchFamily="34" charset="-120"/>
+                <a:cs typeface="Times New Roman" panose="02020603050405020304" pitchFamily="18" charset="0"/>
+              </a:rPr>
+              <a:t>mac</a:t>
+            </a:r>
+            <a:r>
+              <a:rPr lang="zh-TW" altLang="zh-TW" sz="3200" kern="100" dirty="0">
+                <a:effectLst/>
+                <a:latin typeface="微軟正黑體" panose="020B0604030504040204" pitchFamily="34" charset="-120"/>
+                <a:ea typeface="微軟正黑體" panose="020B0604030504040204" pitchFamily="34" charset="-120"/>
+                <a:cs typeface="Times New Roman" panose="02020603050405020304" pitchFamily="18" charset="0"/>
+              </a:rPr>
+              <a:t>而我是</a:t>
+            </a:r>
+            <a:r>
+              <a:rPr lang="en-US" altLang="zh-TW" sz="3200" kern="100" dirty="0">
+                <a:effectLst/>
+                <a:latin typeface="微軟正黑體" panose="020B0604030504040204" pitchFamily="34" charset="-120"/>
+                <a:ea typeface="微軟正黑體" panose="020B0604030504040204" pitchFamily="34" charset="-120"/>
+                <a:cs typeface="Times New Roman" panose="02020603050405020304" pitchFamily="18" charset="0"/>
+              </a:rPr>
+              <a:t>windows</a:t>
+            </a:r>
+            <a:r>
+              <a:rPr lang="zh-TW" altLang="zh-TW" sz="3200" kern="100" dirty="0">
+                <a:effectLst/>
+                <a:latin typeface="微軟正黑體" panose="020B0604030504040204" pitchFamily="34" charset="-120"/>
+                <a:ea typeface="微軟正黑體" panose="020B0604030504040204" pitchFamily="34" charset="-120"/>
+                <a:cs typeface="Times New Roman" panose="02020603050405020304" pitchFamily="18" charset="0"/>
+              </a:rPr>
+              <a:t>而產生的差異</a:t>
+            </a:r>
+            <a:r>
+              <a:rPr lang="zh-TW" altLang="en-US" sz="3200" kern="100" dirty="0">
+                <a:effectLst/>
+                <a:latin typeface="微軟正黑體" panose="020B0604030504040204" pitchFamily="34" charset="-120"/>
+                <a:ea typeface="微軟正黑體" panose="020B0604030504040204" pitchFamily="34" charset="-120"/>
+                <a:cs typeface="Times New Roman" panose="02020603050405020304" pitchFamily="18" charset="0"/>
+              </a:rPr>
+              <a:t>，</a:t>
+            </a:r>
+            <a:r>
+              <a:rPr lang="zh-TW" altLang="zh-TW" sz="3200" kern="100" dirty="0">
+                <a:effectLst/>
+                <a:latin typeface="微軟正黑體" panose="020B0604030504040204" pitchFamily="34" charset="-120"/>
+                <a:ea typeface="微軟正黑體" panose="020B0604030504040204" pitchFamily="34" charset="-120"/>
+                <a:cs typeface="Times New Roman" panose="02020603050405020304" pitchFamily="18" charset="0"/>
+              </a:rPr>
+              <a:t>還是我哪裡有狀況</a:t>
+            </a:r>
+            <a:r>
+              <a:rPr lang="zh-TW" altLang="en-US" sz="3200" kern="100" dirty="0">
+                <a:effectLst/>
+                <a:latin typeface="微軟正黑體" panose="020B0604030504040204" pitchFamily="34" charset="-120"/>
+                <a:ea typeface="微軟正黑體" panose="020B0604030504040204" pitchFamily="34" charset="-120"/>
+                <a:cs typeface="Times New Roman" panose="02020603050405020304" pitchFamily="18" charset="0"/>
+              </a:rPr>
+              <a:t>，</a:t>
+            </a:r>
+            <a:r>
+              <a:rPr lang="zh-TW" altLang="zh-TW" sz="3200" kern="100" dirty="0">
+                <a:effectLst/>
+                <a:latin typeface="微軟正黑體" panose="020B0604030504040204" pitchFamily="34" charset="-120"/>
+                <a:ea typeface="微軟正黑體" panose="020B0604030504040204" pitchFamily="34" charset="-120"/>
+                <a:cs typeface="Times New Roman" panose="02020603050405020304" pitchFamily="18" charset="0"/>
+              </a:rPr>
+              <a:t>所以我這條影片也無法幫上我的忙</a:t>
+            </a:r>
+            <a:r>
+              <a:rPr lang="zh-TW" altLang="en-US" sz="3200" kern="100" dirty="0">
+                <a:effectLst/>
+                <a:latin typeface="微軟正黑體" panose="020B0604030504040204" pitchFamily="34" charset="-120"/>
+                <a:ea typeface="微軟正黑體" panose="020B0604030504040204" pitchFamily="34" charset="-120"/>
+                <a:cs typeface="Times New Roman" panose="02020603050405020304" pitchFamily="18" charset="0"/>
+              </a:rPr>
+              <a:t>。</a:t>
+            </a:r>
+            <a:endParaRPr lang="zh-TW" altLang="zh-TW" sz="3200" kern="100" dirty="0">
+              <a:effectLst/>
+              <a:latin typeface="微軟正黑體" panose="020B0604030504040204" pitchFamily="34" charset="-120"/>
+              <a:ea typeface="微軟正黑體" panose="020B0604030504040204" pitchFamily="34" charset="-120"/>
+              <a:cs typeface="Times New Roman" panose="02020603050405020304" pitchFamily="18" charset="0"/>
+            </a:endParaRPr>
+          </a:p>
+        </p:txBody>
+      </p:sp>
+    </p:spTree>
+    <p:extLst>
+      <p:ext uri="{BB962C8B-B14F-4D97-AF65-F5344CB8AC3E}">
+        <p14:creationId xmlns:p14="http://schemas.microsoft.com/office/powerpoint/2010/main" val="684810329"/>
+      </p:ext>
+    </p:extLst>
+  </p:cSld>
+  <p:clrMapOvr>
+    <a:masterClrMapping/>
+  </p:clrMapOvr>
+</p:sld>
+</file>
+
+<file path=ppt/slides/slide21.xml><?xml version="1.0" encoding="utf-8"?>
+<p:sld xmlns:a="http://schemas.openxmlformats.org/drawingml/2006/main" xmlns:r="http://schemas.openxmlformats.org/officeDocument/2006/relationships" xmlns:p="http://schemas.openxmlformats.org/presentationml/2006/main">
+  <p:cSld>
+    <p:spTree>
+      <p:nvGrpSpPr>
+        <p:cNvPr id="1" name=""/>
+        <p:cNvGrpSpPr/>
+        <p:nvPr/>
+      </p:nvGrpSpPr>
+      <p:grpSpPr>
+        <a:xfrm>
+          <a:off x="0" y="0"/>
+          <a:ext cx="0" cy="0"/>
+          <a:chOff x="0" y="0"/>
+          <a:chExt cx="0" cy="0"/>
+        </a:xfrm>
+      </p:grpSpPr>
+      <p:pic>
+        <p:nvPicPr>
+          <p:cNvPr id="5" name="內容版面配置區 4">
+            <a:extLst>
+              <a:ext uri="{FF2B5EF4-FFF2-40B4-BE49-F238E27FC236}">
+                <a16:creationId xmlns:a16="http://schemas.microsoft.com/office/drawing/2014/main" id="{117EB87B-9049-1BE3-05EE-8BF222D95FEB}"/>
+              </a:ext>
+            </a:extLst>
+          </p:cNvPr>
+          <p:cNvPicPr>
+            <a:picLocks noGrp="1" noChangeAspect="1"/>
+          </p:cNvPicPr>
+          <p:nvPr>
+            <p:ph idx="1"/>
+          </p:nvPr>
+        </p:nvPicPr>
+        <p:blipFill>
+          <a:blip r:embed="rId2">
+            <a:extLst>
+              <a:ext uri="{28A0092B-C50C-407E-A947-70E740481C1C}">
+                <a14:useLocalDpi xmlns:a14="http://schemas.microsoft.com/office/drawing/2010/main" val="0"/>
+              </a:ext>
+            </a:extLst>
+          </a:blip>
+          <a:stretch>
+            <a:fillRect/>
+          </a:stretch>
+        </p:blipFill>
+        <p:spPr>
+          <a:xfrm>
+            <a:off x="3559626" y="1102329"/>
+            <a:ext cx="5072747" cy="5542722"/>
+          </a:xfrm>
+        </p:spPr>
+      </p:pic>
+      <p:sp>
+        <p:nvSpPr>
+          <p:cNvPr id="6" name="文字方塊 5">
+            <a:extLst>
+              <a:ext uri="{FF2B5EF4-FFF2-40B4-BE49-F238E27FC236}">
+                <a16:creationId xmlns:a16="http://schemas.microsoft.com/office/drawing/2014/main" id="{B9FECF40-E692-352B-E33D-C840354C51DD}"/>
+              </a:ext>
+            </a:extLst>
+          </p:cNvPr>
+          <p:cNvSpPr txBox="1"/>
+          <p:nvPr/>
+        </p:nvSpPr>
+        <p:spPr>
+          <a:xfrm>
+            <a:off x="855678" y="456988"/>
+            <a:ext cx="8841995" cy="584775"/>
+          </a:xfrm>
+          <a:prstGeom prst="rect">
+            <a:avLst/>
+          </a:prstGeom>
+          <a:noFill/>
+        </p:spPr>
+        <p:txBody>
+          <a:bodyPr wrap="square" rtlCol="0">
+            <a:spAutoFit/>
+          </a:bodyPr>
+          <a:lstStyle/>
+          <a:p>
+            <a:r>
+              <a:rPr lang="zh-TW" altLang="en-US" sz="3200" dirty="0"/>
+              <a:t>也有問</a:t>
+            </a:r>
+            <a:r>
+              <a:rPr lang="en-US" altLang="zh-TW" sz="3200" dirty="0" err="1"/>
+              <a:t>ChatGPT</a:t>
+            </a:r>
+            <a:r>
+              <a:rPr lang="zh-TW" altLang="en-US" sz="3200" dirty="0"/>
+              <a:t>怎麼操作，但到第三步就失敗了</a:t>
+            </a:r>
+          </a:p>
+        </p:txBody>
+      </p:sp>
+    </p:spTree>
+    <p:extLst>
+      <p:ext uri="{BB962C8B-B14F-4D97-AF65-F5344CB8AC3E}">
+        <p14:creationId xmlns:p14="http://schemas.microsoft.com/office/powerpoint/2010/main" val="3660709599"/>
+      </p:ext>
+    </p:extLst>
+  </p:cSld>
+  <p:clrMapOvr>
+    <a:masterClrMapping/>
+  </p:clrMapOvr>
+</p:sld>
+</file>
+
+<file path=ppt/slides/slide22.xml><?xml version="1.0" encoding="utf-8"?>
+<p:sld xmlns:a="http://schemas.openxmlformats.org/drawingml/2006/main" xmlns:r="http://schemas.openxmlformats.org/officeDocument/2006/relationships" xmlns:p="http://schemas.openxmlformats.org/presentationml/2006/main">
+  <p:cSld>
+    <p:spTree>
+      <p:nvGrpSpPr>
+        <p:cNvPr id="1" name=""/>
+        <p:cNvGrpSpPr/>
+        <p:nvPr/>
+      </p:nvGrpSpPr>
+      <p:grpSpPr>
+        <a:xfrm>
+          <a:off x="0" y="0"/>
+          <a:ext cx="0" cy="0"/>
+          <a:chOff x="0" y="0"/>
+          <a:chExt cx="0" cy="0"/>
+        </a:xfrm>
+      </p:grpSpPr>
+      <p:sp>
+        <p:nvSpPr>
+          <p:cNvPr id="2" name="標題 1">
+            <a:extLst>
+              <a:ext uri="{FF2B5EF4-FFF2-40B4-BE49-F238E27FC236}">
+                <a16:creationId xmlns:a16="http://schemas.microsoft.com/office/drawing/2014/main" id="{FBA3D38A-2F82-8C55-00F2-C26D5F11A024}"/>
+              </a:ext>
+            </a:extLst>
+          </p:cNvPr>
+          <p:cNvSpPr>
+            <a:spLocks noGrp="1"/>
+          </p:cNvSpPr>
+          <p:nvPr>
+            <p:ph type="title"/>
+          </p:nvPr>
+        </p:nvSpPr>
+        <p:spPr/>
+        <p:txBody>
+          <a:bodyPr/>
+          <a:lstStyle/>
+          <a:p>
+            <a:r>
+              <a:rPr lang="zh-TW" altLang="en-US" b="1" dirty="0"/>
+              <a:t>下周進度</a:t>
+            </a:r>
+          </a:p>
+        </p:txBody>
+      </p:sp>
+      <p:sp>
+        <p:nvSpPr>
+          <p:cNvPr id="3" name="內容版面配置區 2">
+            <a:extLst>
+              <a:ext uri="{FF2B5EF4-FFF2-40B4-BE49-F238E27FC236}">
+                <a16:creationId xmlns:a16="http://schemas.microsoft.com/office/drawing/2014/main" id="{02C3325F-348F-6EC7-4748-304C2F75489A}"/>
+              </a:ext>
+            </a:extLst>
+          </p:cNvPr>
+          <p:cNvSpPr>
+            <a:spLocks noGrp="1"/>
+          </p:cNvSpPr>
+          <p:nvPr>
+            <p:ph idx="1"/>
+          </p:nvPr>
+        </p:nvSpPr>
+        <p:spPr/>
+        <p:txBody>
+          <a:bodyPr/>
+          <a:lstStyle/>
+          <a:p>
+            <a:pPr>
+              <a:buFont typeface="Wingdings" panose="05000000000000000000" pitchFamily="2" charset="2"/>
+              <a:buChar char="l"/>
+            </a:pPr>
+            <a:r>
+              <a:rPr lang="zh-TW" altLang="en-US" dirty="0"/>
+              <a:t> 如何在</a:t>
+            </a:r>
+            <a:r>
+              <a:rPr lang="en-US" altLang="zh-TW" dirty="0"/>
+              <a:t>Anaconda</a:t>
+            </a:r>
+            <a:r>
+              <a:rPr lang="zh-TW" altLang="en-US" dirty="0"/>
+              <a:t>虛擬環境下使用</a:t>
+            </a:r>
+            <a:r>
+              <a:rPr lang="en-US" altLang="zh-TW" dirty="0" err="1"/>
+              <a:t>OpenPose</a:t>
+            </a:r>
+            <a:endParaRPr lang="en-US" altLang="zh-TW" dirty="0"/>
+          </a:p>
+          <a:p>
+            <a:pPr>
+              <a:buFont typeface="Wingdings" panose="05000000000000000000" pitchFamily="2" charset="2"/>
+              <a:buChar char="l"/>
+            </a:pPr>
+            <a:r>
+              <a:rPr lang="zh-TW" altLang="en-US" dirty="0"/>
+              <a:t> 搜尋程式碼、運動相關文獻</a:t>
+            </a:r>
+            <a:endParaRPr lang="en-US" altLang="zh-TW" dirty="0"/>
+          </a:p>
+          <a:p>
+            <a:endParaRPr lang="zh-TW" altLang="en-US" dirty="0"/>
+          </a:p>
+        </p:txBody>
+      </p:sp>
+    </p:spTree>
+    <p:extLst>
+      <p:ext uri="{BB962C8B-B14F-4D97-AF65-F5344CB8AC3E}">
+        <p14:creationId xmlns:p14="http://schemas.microsoft.com/office/powerpoint/2010/main" val="3938600110"/>
+      </p:ext>
+    </p:extLst>
+  </p:cSld>
+  <p:clrMapOvr>
+    <a:masterClrMapping/>
+  </p:clrMapOvr>
+</p:sld>
+</file>
+
+<file path=ppt/slides/slide23.xml><?xml version="1.0" encoding="utf-8"?>
+<p:sld xmlns:a="http://schemas.openxmlformats.org/drawingml/2006/main" xmlns:r="http://schemas.openxmlformats.org/officeDocument/2006/relationships" xmlns:p="http://schemas.openxmlformats.org/presentationml/2006/main">
+  <p:cSld>
+    <p:spTree>
+      <p:nvGrpSpPr>
+        <p:cNvPr id="1" name=""/>
+        <p:cNvGrpSpPr/>
+        <p:nvPr/>
+      </p:nvGrpSpPr>
+      <p:grpSpPr>
+        <a:xfrm>
+          <a:off x="0" y="0"/>
+          <a:ext cx="0" cy="0"/>
+          <a:chOff x="0" y="0"/>
+          <a:chExt cx="0" cy="0"/>
+        </a:xfrm>
+      </p:grpSpPr>
+      <p:sp>
+        <p:nvSpPr>
+          <p:cNvPr id="2" name="標題 1">
+            <a:extLst>
+              <a:ext uri="{FF2B5EF4-FFF2-40B4-BE49-F238E27FC236}">
+                <a16:creationId xmlns:a16="http://schemas.microsoft.com/office/drawing/2014/main" id="{4EA62A67-1DF8-120C-0841-F9EA55AF46B8}"/>
+              </a:ext>
+            </a:extLst>
+          </p:cNvPr>
+          <p:cNvSpPr>
+            <a:spLocks noGrp="1"/>
+          </p:cNvSpPr>
+          <p:nvPr>
+            <p:ph type="title"/>
+          </p:nvPr>
+        </p:nvSpPr>
+        <p:spPr/>
+        <p:txBody>
+          <a:bodyPr/>
+          <a:lstStyle/>
+          <a:p>
+            <a:r>
+              <a:rPr lang="zh-TW" altLang="en-US" dirty="0"/>
+              <a:t>參考資料</a:t>
+            </a:r>
+          </a:p>
+        </p:txBody>
+      </p:sp>
+      <p:sp>
+        <p:nvSpPr>
+          <p:cNvPr id="3" name="內容版面配置區 2">
+            <a:extLst>
+              <a:ext uri="{FF2B5EF4-FFF2-40B4-BE49-F238E27FC236}">
+                <a16:creationId xmlns:a16="http://schemas.microsoft.com/office/drawing/2014/main" id="{C1CF0E5B-5FA7-4723-AEAB-FCF2C11836E4}"/>
+              </a:ext>
+            </a:extLst>
+          </p:cNvPr>
+          <p:cNvSpPr>
+            <a:spLocks noGrp="1"/>
+          </p:cNvSpPr>
+          <p:nvPr>
+            <p:ph idx="1"/>
+          </p:nvPr>
+        </p:nvSpPr>
+        <p:spPr/>
+        <p:txBody>
+          <a:bodyPr/>
+          <a:lstStyle/>
+          <a:p>
+            <a:pPr>
+              <a:buFont typeface="Wingdings" panose="05000000000000000000" pitchFamily="2" charset="2"/>
+              <a:buChar char="l"/>
+            </a:pPr>
+            <a:r>
+              <a:rPr lang="en-US" altLang="zh-TW" dirty="0">
+                <a:hlinkClick r:id="rId2"/>
+              </a:rPr>
+              <a:t>https://squatuniversity.com/2016/04/20/the-real-science-of-the-squat/</a:t>
+            </a:r>
+            <a:endParaRPr lang="en-US" altLang="zh-TW" dirty="0"/>
+          </a:p>
+          <a:p>
+            <a:pPr>
+              <a:buFont typeface="Wingdings" panose="05000000000000000000" pitchFamily="2" charset="2"/>
+              <a:buChar char="l"/>
+            </a:pPr>
+            <a:r>
+              <a:rPr lang="en-US" altLang="zh-TW" dirty="0">
+                <a:hlinkClick r:id="rId3"/>
+              </a:rPr>
+              <a:t>https://www.youtube.com/watch?v=bEv6CCg2BC8&amp;t=516s</a:t>
+            </a:r>
+            <a:endParaRPr lang="en-US" altLang="zh-TW" dirty="0"/>
+          </a:p>
+          <a:p>
+            <a:pPr>
+              <a:buFont typeface="Wingdings" panose="05000000000000000000" pitchFamily="2" charset="2"/>
+              <a:buChar char="l"/>
+            </a:pPr>
+            <a:r>
+              <a:rPr lang="en-US" altLang="zh-TW" dirty="0">
+                <a:hlinkClick r:id="rId4"/>
+              </a:rPr>
+              <a:t>Form AI</a:t>
+            </a:r>
+            <a:endParaRPr lang="en-US" altLang="zh-TW" dirty="0"/>
+          </a:p>
+          <a:p>
+            <a:pPr>
+              <a:buFont typeface="Wingdings" panose="05000000000000000000" pitchFamily="2" charset="2"/>
+              <a:buChar char="l"/>
+            </a:pPr>
+            <a:r>
+              <a:rPr lang="en-US" altLang="zh-TW" dirty="0">
+                <a:hlinkClick r:id="rId5"/>
+              </a:rPr>
+              <a:t> AI Fitness Coach at Home using Image Recognition</a:t>
+            </a:r>
+            <a:endParaRPr lang="zh-TW" altLang="en-US" dirty="0"/>
+          </a:p>
+        </p:txBody>
+      </p:sp>
+    </p:spTree>
+    <p:extLst>
+      <p:ext uri="{BB962C8B-B14F-4D97-AF65-F5344CB8AC3E}">
+        <p14:creationId xmlns:p14="http://schemas.microsoft.com/office/powerpoint/2010/main" val="1001215589"/>
       </p:ext>
     </p:extLst>
   </p:cSld>
@@ -7676,7 +9862,7 @@
           <p:cNvPr id="2" name="標題 1">
             <a:extLst>
               <a:ext uri="{FF2B5EF4-FFF2-40B4-BE49-F238E27FC236}">
-                <a16:creationId xmlns:a16="http://schemas.microsoft.com/office/drawing/2014/main" id="{8395FFCB-55F0-9B79-789E-7B7D9A867A04}"/>
+                <a16:creationId xmlns:a16="http://schemas.microsoft.com/office/drawing/2014/main" id="{0D9D8B3B-22CA-51E1-2C64-1ABE027EBC04}"/>
               </a:ext>
             </a:extLst>
           </p:cNvPr>
@@ -7693,8 +9879,8 @@
           <a:lstStyle/>
           <a:p>
             <a:r>
-              <a:rPr lang="zh-TW" altLang="en-US" b="1" dirty="0"/>
-              <a:t>設計動機與目的</a:t>
+              <a:rPr lang="zh-TW" altLang="en-US" dirty="0"/>
+              <a:t>本周新增內容</a:t>
             </a:r>
           </a:p>
         </p:txBody>
@@ -7704,7 +9890,7 @@
           <p:cNvPr id="3" name="內容版面配置區 2">
             <a:extLst>
               <a:ext uri="{FF2B5EF4-FFF2-40B4-BE49-F238E27FC236}">
-                <a16:creationId xmlns:a16="http://schemas.microsoft.com/office/drawing/2014/main" id="{BBCEBCE2-F87F-CCC2-453B-29D54DEEE95C}"/>
+                <a16:creationId xmlns:a16="http://schemas.microsoft.com/office/drawing/2014/main" id="{91B434AB-0B10-ADF4-91EB-1A70E119C755}"/>
               </a:ext>
             </a:extLst>
           </p:cNvPr>
@@ -7726,67 +9912,74 @@
             </a:pPr>
             <a:r>
               <a:rPr lang="zh-TW" altLang="en-US" dirty="0"/>
-              <a:t> 現代人除了工作、念書之外，越來越多人利用閒暇時間來運動，無論是參與各種球類運動、有氧、重訓、瑜珈、拳擊等等，</a:t>
-            </a:r>
-            <a:br>
-              <a:rPr lang="en-US" altLang="zh-TW" dirty="0"/>
-            </a:br>
-            <a:r>
-              <a:rPr lang="zh-TW" altLang="en-US" dirty="0"/>
-              <a:t>而不同的運動也會有不同的身體素質要求，例如球類運動通常需要良好的跳躍力及爆發力。</a:t>
-            </a:r>
-            <a:br>
-              <a:rPr lang="en-US" altLang="zh-TW" dirty="0"/>
-            </a:br>
-            <a:r>
-              <a:rPr lang="zh-TW" altLang="en-US" dirty="0"/>
-              <a:t>身在排球與籃球十分盛行的中教大，讓我們決定結合去年由學長所開發的</a:t>
-            </a:r>
-            <a:r>
-              <a:rPr lang="zh-TW" altLang="en-US" b="0" i="0" dirty="0">
-                <a:solidFill>
-                  <a:srgbClr val="000000"/>
-                </a:solidFill>
-                <a:effectLst/>
-                <a:latin typeface="Microsoft JhengHei" panose="020B0604030504040204" pitchFamily="34" charset="-120"/>
-                <a:ea typeface="Microsoft JhengHei" panose="020B0604030504040204" pitchFamily="34" charset="-120"/>
-              </a:rPr>
-              <a:t>「</a:t>
-            </a:r>
-            <a:r>
-              <a:rPr lang="zh-TW" altLang="en-US" b="0" i="0" dirty="0">
-                <a:solidFill>
-                  <a:srgbClr val="000000"/>
-                </a:solidFill>
-                <a:effectLst/>
+              <a:t> 刪除跳躍姿勢矯正 </a:t>
+            </a:r>
+            <a:r>
+              <a:rPr lang="zh-TW" altLang="en-US" dirty="0">
                 <a:latin typeface="微軟正黑體" panose="020B0604030504040204" pitchFamily="34" charset="-120"/>
                 <a:ea typeface="微軟正黑體" panose="020B0604030504040204" pitchFamily="34" charset="-120"/>
               </a:rPr>
-              <a:t>智慧罰球輔助系統</a:t>
-            </a:r>
-            <a:r>
-              <a:rPr lang="zh-TW" altLang="en-US" b="0" i="0" dirty="0">
-                <a:solidFill>
-                  <a:srgbClr val="000000"/>
-                </a:solidFill>
-                <a:effectLst/>
-                <a:latin typeface="Microsoft JhengHei" panose="020B0604030504040204" pitchFamily="34" charset="-120"/>
-                <a:ea typeface="Microsoft JhengHei" panose="020B0604030504040204" pitchFamily="34" charset="-120"/>
+              <a:t>→ 重訓姿勢矯正</a:t>
+            </a:r>
+            <a:endParaRPr lang="en-US" altLang="zh-TW" dirty="0">
+              <a:latin typeface="微軟正黑體" panose="020B0604030504040204" pitchFamily="34" charset="-120"/>
+              <a:ea typeface="微軟正黑體" panose="020B0604030504040204" pitchFamily="34" charset="-120"/>
+            </a:endParaRPr>
+          </a:p>
+          <a:p>
+            <a:pPr>
+              <a:buFont typeface="Wingdings" panose="05000000000000000000" pitchFamily="2" charset="2"/>
+              <a:buChar char="l"/>
+            </a:pPr>
+            <a:r>
+              <a:rPr lang="zh-TW" altLang="en-US" dirty="0">
+                <a:latin typeface="微軟正黑體" panose="020B0604030504040204" pitchFamily="34" charset="-120"/>
+                <a:ea typeface="微軟正黑體" panose="020B0604030504040204" pitchFamily="34" charset="-120"/>
               </a:rPr>
-              <a:t>」，進一步</a:t>
-            </a:r>
-            <a:r>
-              <a:rPr lang="zh-TW" altLang="en-US" dirty="0"/>
-              <a:t>開發一款能夠提供使用者跳躍姿勢改善以及相關訓練建議的系統。</a:t>
-            </a:r>
-            <a:endParaRPr lang="en-US" altLang="zh-TW" dirty="0"/>
+              <a:t> 更改設計動機與目的</a:t>
+            </a:r>
+            <a:endParaRPr lang="en-US" altLang="zh-TW" dirty="0">
+              <a:latin typeface="微軟正黑體" panose="020B0604030504040204" pitchFamily="34" charset="-120"/>
+              <a:ea typeface="微軟正黑體" panose="020B0604030504040204" pitchFamily="34" charset="-120"/>
+            </a:endParaRPr>
+          </a:p>
+          <a:p>
+            <a:pPr>
+              <a:buFont typeface="Wingdings" panose="05000000000000000000" pitchFamily="2" charset="2"/>
+              <a:buChar char="l"/>
+            </a:pPr>
+            <a:r>
+              <a:rPr lang="zh-TW" altLang="en-US" dirty="0">
+                <a:latin typeface="微軟正黑體" panose="020B0604030504040204" pitchFamily="34" charset="-120"/>
+                <a:ea typeface="微軟正黑體" panose="020B0604030504040204" pitchFamily="34" charset="-120"/>
+              </a:rPr>
+              <a:t> 新增訓練動作的姿勢判定標準</a:t>
+            </a:r>
+            <a:endParaRPr lang="en-US" altLang="zh-TW" dirty="0">
+              <a:latin typeface="微軟正黑體" panose="020B0604030504040204" pitchFamily="34" charset="-120"/>
+              <a:ea typeface="微軟正黑體" panose="020B0604030504040204" pitchFamily="34" charset="-120"/>
+            </a:endParaRPr>
+          </a:p>
+          <a:p>
+            <a:pPr>
+              <a:buFont typeface="Wingdings" panose="05000000000000000000" pitchFamily="2" charset="2"/>
+              <a:buChar char="l"/>
+            </a:pPr>
+            <a:r>
+              <a:rPr lang="zh-TW" altLang="en-US" dirty="0">
+                <a:latin typeface="微軟正黑體" panose="020B0604030504040204" pitchFamily="34" charset="-120"/>
+                <a:ea typeface="微軟正黑體" panose="020B0604030504040204" pitchFamily="34" charset="-120"/>
+              </a:rPr>
+              <a:t> 架設環境遇到的新問題</a:t>
+            </a:r>
+            <a:endParaRPr lang="zh-TW" altLang="en-US" dirty="0"/>
           </a:p>
         </p:txBody>
       </p:sp>
     </p:spTree>
     <p:extLst>
       <p:ext uri="{BB962C8B-B14F-4D97-AF65-F5344CB8AC3E}">
-        <p14:creationId xmlns:p14="http://schemas.microsoft.com/office/powerpoint/2010/main" val="2453210517"/>
+        <p14:creationId xmlns:p14="http://schemas.microsoft.com/office/powerpoint/2010/main" val="1620394275"/>
       </p:ext>
     </p:extLst>
   </p:cSld>
@@ -7818,7 +10011,7 @@
           <p:cNvPr id="2" name="標題 1">
             <a:extLst>
               <a:ext uri="{FF2B5EF4-FFF2-40B4-BE49-F238E27FC236}">
-                <a16:creationId xmlns:a16="http://schemas.microsoft.com/office/drawing/2014/main" id="{DE58E522-B387-23F8-FD8D-639737C6817B}"/>
+                <a16:creationId xmlns:a16="http://schemas.microsoft.com/office/drawing/2014/main" id="{8395FFCB-55F0-9B79-789E-7B7D9A867A04}"/>
               </a:ext>
             </a:extLst>
           </p:cNvPr>
@@ -7838,7 +10031,6 @@
               <a:rPr lang="zh-TW" altLang="en-US" b="1" dirty="0"/>
               <a:t>設計動機與目的</a:t>
             </a:r>
-            <a:endParaRPr lang="zh-TW" altLang="en-US" dirty="0"/>
           </a:p>
         </p:txBody>
       </p:sp>
@@ -7847,7 +10039,7 @@
           <p:cNvPr id="3" name="內容版面配置區 2">
             <a:extLst>
               <a:ext uri="{FF2B5EF4-FFF2-40B4-BE49-F238E27FC236}">
-                <a16:creationId xmlns:a16="http://schemas.microsoft.com/office/drawing/2014/main" id="{5E249342-E2F5-9705-D619-A063D39516AD}"/>
+                <a16:creationId xmlns:a16="http://schemas.microsoft.com/office/drawing/2014/main" id="{BBCEBCE2-F87F-CCC2-453B-29D54DEEE95C}"/>
               </a:ext>
             </a:extLst>
           </p:cNvPr>
@@ -7869,34 +10061,14 @@
             </a:pPr>
             <a:r>
               <a:rPr lang="zh-TW" altLang="en-US" dirty="0"/>
-              <a:t> 利用學長的資料完成</a:t>
-            </a:r>
-            <a:r>
-              <a:rPr lang="en-US" altLang="zh-TW" dirty="0" err="1"/>
-              <a:t>OpenPose</a:t>
-            </a:r>
+              <a:t> 現代人除了工作、念書之外，越來越多人利用閒暇時間來運動，其中選擇進入健身房重訓的風氣更是越來越盛行。然而新手剛踏入健身房，在沒有教練在一旁指導的情況下，非常容易因為姿勢不正確導致受傷。</a:t>
+            </a:r>
+            <a:br>
+              <a:rPr lang="en-US" altLang="zh-TW" dirty="0"/>
+            </a:br>
             <a:r>
               <a:rPr lang="zh-TW" altLang="en-US" dirty="0"/>
-              <a:t>與虛擬環境的架設。</a:t>
-            </a:r>
-            <a:endParaRPr lang="en-US" altLang="zh-TW" dirty="0"/>
-          </a:p>
-          <a:p>
-            <a:pPr>
-              <a:buFont typeface="Wingdings" panose="05000000000000000000" pitchFamily="2" charset="2"/>
-              <a:buChar char="l"/>
-            </a:pPr>
-            <a:r>
-              <a:rPr lang="zh-TW" altLang="en-US" dirty="0"/>
-              <a:t> 對</a:t>
-            </a:r>
-            <a:r>
-              <a:rPr lang="en-US" altLang="zh-TW" dirty="0"/>
-              <a:t>｢</a:t>
-            </a:r>
-            <a:r>
-              <a:rPr lang="zh-TW" altLang="en-US" dirty="0"/>
-              <a:t>智慧罰球輔助系統</a:t>
+              <a:t>於是我們決定結合去年由學長所開發的</a:t>
             </a:r>
             <a:r>
               <a:rPr lang="zh-TW" altLang="en-US" b="0" i="0" dirty="0">
@@ -7907,50 +10079,50 @@
                 <a:latin typeface="Microsoft JhengHei" panose="020B0604030504040204" pitchFamily="34" charset="-120"/>
                 <a:ea typeface="Microsoft JhengHei" panose="020B0604030504040204" pitchFamily="34" charset="-120"/>
               </a:rPr>
-              <a:t>」進行進一步模仿，擴展到能偵測到其他動作的功能。</a:t>
-            </a:r>
-            <a:endParaRPr lang="en-US" altLang="zh-TW" b="0" i="0" dirty="0">
-              <a:solidFill>
-                <a:srgbClr val="000000"/>
-              </a:solidFill>
-              <a:effectLst/>
-              <a:latin typeface="Microsoft JhengHei" panose="020B0604030504040204" pitchFamily="34" charset="-120"/>
-              <a:ea typeface="Microsoft JhengHei" panose="020B0604030504040204" pitchFamily="34" charset="-120"/>
-            </a:endParaRPr>
-          </a:p>
-          <a:p>
-            <a:pPr>
-              <a:buFont typeface="Wingdings" panose="05000000000000000000" pitchFamily="2" charset="2"/>
-              <a:buChar char="l"/>
-            </a:pPr>
-            <a:r>
-              <a:rPr lang="en-US" altLang="zh-TW" dirty="0">
+              <a:t>「</a:t>
+            </a:r>
+            <a:r>
+              <a:rPr lang="zh-TW" altLang="en-US" b="0" i="0" dirty="0">
                 <a:solidFill>
                   <a:srgbClr val="000000"/>
                 </a:solidFill>
+                <a:effectLst/>
+                <a:latin typeface="微軟正黑體" panose="020B0604030504040204" pitchFamily="34" charset="-120"/>
+                <a:ea typeface="微軟正黑體" panose="020B0604030504040204" pitchFamily="34" charset="-120"/>
+              </a:rPr>
+              <a:t>智慧罰球輔助系統</a:t>
+            </a:r>
+            <a:r>
+              <a:rPr lang="zh-TW" altLang="en-US" b="0" i="0" dirty="0">
+                <a:solidFill>
+                  <a:srgbClr val="000000"/>
+                </a:solidFill>
+                <a:effectLst/>
                 <a:latin typeface="Microsoft JhengHei" panose="020B0604030504040204" pitchFamily="34" charset="-120"/>
                 <a:ea typeface="Microsoft JhengHei" panose="020B0604030504040204" pitchFamily="34" charset="-120"/>
               </a:rPr>
-              <a:t> </a:t>
-            </a:r>
-            <a:r>
-              <a:rPr lang="zh-TW" altLang="en-US" dirty="0">
-                <a:solidFill>
-                  <a:srgbClr val="000000"/>
-                </a:solidFill>
-                <a:latin typeface="Microsoft JhengHei" panose="020B0604030504040204" pitchFamily="34" charset="-120"/>
-                <a:ea typeface="Microsoft JhengHei" panose="020B0604030504040204" pitchFamily="34" charset="-120"/>
-              </a:rPr>
-              <a:t>開發成手機應用程式，以利於隨時隨地使用。</a:t>
-            </a:r>
-            <a:endParaRPr lang="zh-TW" altLang="en-US" dirty="0"/>
+              <a:t>」，進一步</a:t>
+            </a:r>
+            <a:r>
+              <a:rPr lang="zh-TW" altLang="en-US" dirty="0"/>
+              <a:t>開發一款能夠提供使用者重訓姿勢評估及矯正的系統，而我們選擇特別著重在有著人體</a:t>
+            </a:r>
+            <a:r>
+              <a:rPr lang="en-US" altLang="zh-TW" dirty="0"/>
+              <a:t>70%</a:t>
+            </a:r>
+            <a:r>
+              <a:rPr lang="zh-TW" altLang="en-US" dirty="0"/>
+              <a:t>肌肉的下肢。</a:t>
+            </a:r>
+            <a:endParaRPr lang="en-US" altLang="zh-TW" dirty="0"/>
           </a:p>
         </p:txBody>
       </p:sp>
     </p:spTree>
     <p:extLst>
       <p:ext uri="{BB962C8B-B14F-4D97-AF65-F5344CB8AC3E}">
-        <p14:creationId xmlns:p14="http://schemas.microsoft.com/office/powerpoint/2010/main" val="2838343364"/>
+        <p14:creationId xmlns:p14="http://schemas.microsoft.com/office/powerpoint/2010/main" val="2453210517"/>
       </p:ext>
     </p:extLst>
   </p:cSld>
@@ -7982,7 +10154,7 @@
           <p:cNvPr id="2" name="標題 1">
             <a:extLst>
               <a:ext uri="{FF2B5EF4-FFF2-40B4-BE49-F238E27FC236}">
-                <a16:creationId xmlns:a16="http://schemas.microsoft.com/office/drawing/2014/main" id="{48023805-C3C9-A7E9-2892-A4690E2CD285}"/>
+                <a16:creationId xmlns:a16="http://schemas.microsoft.com/office/drawing/2014/main" id="{DE58E522-B387-23F8-FD8D-639737C6817B}"/>
               </a:ext>
             </a:extLst>
           </p:cNvPr>
@@ -8000,8 +10172,9 @@
           <a:p>
             <a:r>
               <a:rPr lang="zh-TW" altLang="en-US" b="1" dirty="0"/>
-              <a:t>系統功能</a:t>
-            </a:r>
+              <a:t>設計動機與目的</a:t>
+            </a:r>
+            <a:endParaRPr lang="zh-TW" altLang="en-US" dirty="0"/>
           </a:p>
         </p:txBody>
       </p:sp>
@@ -8010,7 +10183,7 @@
           <p:cNvPr id="3" name="內容版面配置區 2">
             <a:extLst>
               <a:ext uri="{FF2B5EF4-FFF2-40B4-BE49-F238E27FC236}">
-                <a16:creationId xmlns:a16="http://schemas.microsoft.com/office/drawing/2014/main" id="{834DCA8B-9C8B-CB51-B424-9350D6D53EC7}"/>
+                <a16:creationId xmlns:a16="http://schemas.microsoft.com/office/drawing/2014/main" id="{5E249342-E2F5-9705-D619-A063D39516AD}"/>
               </a:ext>
             </a:extLst>
           </p:cNvPr>
@@ -8032,7 +10205,15 @@
             </a:pPr>
             <a:r>
               <a:rPr lang="zh-TW" altLang="en-US" dirty="0"/>
-              <a:t> 運動姿態矯正</a:t>
+              <a:t> 利用學長的資料完成</a:t>
+            </a:r>
+            <a:r>
+              <a:rPr lang="en-US" altLang="zh-TW" dirty="0" err="1"/>
+              <a:t>OpenPose</a:t>
+            </a:r>
+            <a:r>
+              <a:rPr lang="zh-TW" altLang="en-US" dirty="0"/>
+              <a:t>與虛擬環境的架設。</a:t>
             </a:r>
             <a:endParaRPr lang="en-US" altLang="zh-TW" dirty="0"/>
           </a:p>
@@ -8043,9 +10224,35 @@
             </a:pPr>
             <a:r>
               <a:rPr lang="zh-TW" altLang="en-US" dirty="0"/>
-              <a:t> 功能性訓練動作建議</a:t>
-            </a:r>
-            <a:endParaRPr lang="en-US" altLang="zh-TW" dirty="0"/>
+              <a:t> 對</a:t>
+            </a:r>
+            <a:r>
+              <a:rPr lang="en-US" altLang="zh-TW" dirty="0"/>
+              <a:t>｢</a:t>
+            </a:r>
+            <a:r>
+              <a:rPr lang="zh-TW" altLang="en-US" dirty="0"/>
+              <a:t>智慧罰球輔助系統</a:t>
+            </a:r>
+            <a:r>
+              <a:rPr lang="zh-TW" altLang="en-US" b="0" i="0" dirty="0">
+                <a:solidFill>
+                  <a:srgbClr val="000000"/>
+                </a:solidFill>
+                <a:effectLst/>
+                <a:latin typeface="Microsoft JhengHei" panose="020B0604030504040204" pitchFamily="34" charset="-120"/>
+                <a:ea typeface="Microsoft JhengHei" panose="020B0604030504040204" pitchFamily="34" charset="-120"/>
+              </a:rPr>
+              <a:t>」進行進一步模仿，擴展到能偵測到其他動作的功能。</a:t>
+            </a:r>
+            <a:endParaRPr lang="en-US" altLang="zh-TW" b="0" i="0" dirty="0">
+              <a:solidFill>
+                <a:srgbClr val="000000"/>
+              </a:solidFill>
+              <a:effectLst/>
+              <a:latin typeface="Microsoft JhengHei" panose="020B0604030504040204" pitchFamily="34" charset="-120"/>
+              <a:ea typeface="Microsoft JhengHei" panose="020B0604030504040204" pitchFamily="34" charset="-120"/>
+            </a:endParaRPr>
           </a:p>
           <a:p>
             <a:pPr>
@@ -8053,16 +10260,25 @@
               <a:buChar char="l"/>
             </a:pPr>
             <a:r>
-              <a:rPr lang="zh-TW" altLang="en-US" dirty="0"/>
-              <a:t> 功能性訓練動作姿態矯正</a:t>
-            </a:r>
-            <a:endParaRPr lang="en-US" altLang="zh-TW" dirty="0"/>
-          </a:p>
-          <a:p>
-            <a:pPr>
-              <a:buFont typeface="Wingdings" panose="05000000000000000000" pitchFamily="2" charset="2"/>
-              <a:buChar char="l"/>
-            </a:pPr>
+              <a:rPr lang="en-US" altLang="zh-TW" dirty="0">
+                <a:solidFill>
+                  <a:srgbClr val="000000"/>
+                </a:solidFill>
+                <a:latin typeface="Microsoft JhengHei" panose="020B0604030504040204" pitchFamily="34" charset="-120"/>
+                <a:ea typeface="Microsoft JhengHei" panose="020B0604030504040204" pitchFamily="34" charset="-120"/>
+              </a:rPr>
+              <a:t> </a:t>
+            </a:r>
+            <a:r>
+              <a:rPr lang="zh-TW" altLang="en-US" dirty="0">
+                <a:solidFill>
+                  <a:srgbClr val="000000"/>
+                </a:solidFill>
+                <a:latin typeface="Microsoft JhengHei" panose="020B0604030504040204" pitchFamily="34" charset="-120"/>
+                <a:ea typeface="Microsoft JhengHei" panose="020B0604030504040204" pitchFamily="34" charset="-120"/>
+              </a:rPr>
+              <a:t>開發成手機應用程式，以利於隨時隨地使用。</a:t>
+            </a:r>
             <a:endParaRPr lang="zh-TW" altLang="en-US" dirty="0"/>
           </a:p>
         </p:txBody>
@@ -8070,7 +10286,7 @@
     </p:spTree>
     <p:extLst>
       <p:ext uri="{BB962C8B-B14F-4D97-AF65-F5344CB8AC3E}">
-        <p14:creationId xmlns:p14="http://schemas.microsoft.com/office/powerpoint/2010/main" val="2241913644"/>
+        <p14:creationId xmlns:p14="http://schemas.microsoft.com/office/powerpoint/2010/main" val="2838343364"/>
       </p:ext>
     </p:extLst>
   </p:cSld>
@@ -8102,7 +10318,7 @@
           <p:cNvPr id="2" name="標題 1">
             <a:extLst>
               <a:ext uri="{FF2B5EF4-FFF2-40B4-BE49-F238E27FC236}">
-                <a16:creationId xmlns:a16="http://schemas.microsoft.com/office/drawing/2014/main" id="{B1E352AC-6FD0-0206-6A6D-47D8158E64E1}"/>
+                <a16:creationId xmlns:a16="http://schemas.microsoft.com/office/drawing/2014/main" id="{48023805-C3C9-A7E9-2892-A4690E2CD285}"/>
               </a:ext>
             </a:extLst>
           </p:cNvPr>
@@ -8115,14 +10331,12 @@
         </p:nvSpPr>
         <p:spPr/>
         <p:txBody>
-          <a:bodyPr>
-            <a:normAutofit/>
-          </a:bodyPr>
+          <a:bodyPr/>
           <a:lstStyle/>
           <a:p>
             <a:r>
               <a:rPr lang="zh-TW" altLang="en-US" b="1" dirty="0"/>
-              <a:t>運動姿態矯正</a:t>
+              <a:t>系統功能</a:t>
             </a:r>
           </a:p>
         </p:txBody>
@@ -8132,7 +10346,7 @@
           <p:cNvPr id="3" name="內容版面配置區 2">
             <a:extLst>
               <a:ext uri="{FF2B5EF4-FFF2-40B4-BE49-F238E27FC236}">
-                <a16:creationId xmlns:a16="http://schemas.microsoft.com/office/drawing/2014/main" id="{7D81C214-22F6-42B0-8A11-B1C9F2387986}"/>
+                <a16:creationId xmlns:a16="http://schemas.microsoft.com/office/drawing/2014/main" id="{834DCA8B-9C8B-CB51-B424-9350D6D53EC7}"/>
               </a:ext>
             </a:extLst>
           </p:cNvPr>
@@ -8154,91 +10368,34 @@
             </a:pPr>
             <a:r>
               <a:rPr lang="zh-TW" altLang="en-US" dirty="0"/>
-              <a:t> 針對使用者所做出的跳躍動作進行節點分析，進而建議使用者改善姿勢</a:t>
-            </a:r>
-            <a:r>
-              <a:rPr lang="en-US" altLang="zh-TW" dirty="0"/>
-              <a:t>(</a:t>
-            </a:r>
+              <a:t> 功能性訓練動作建議</a:t>
+            </a:r>
+            <a:endParaRPr lang="en-US" altLang="zh-TW" dirty="0"/>
+          </a:p>
+          <a:p>
+            <a:pPr>
+              <a:buFont typeface="Wingdings" panose="05000000000000000000" pitchFamily="2" charset="2"/>
+              <a:buChar char="l"/>
+            </a:pPr>
             <a:r>
               <a:rPr lang="zh-TW" altLang="en-US" dirty="0"/>
-              <a:t>腳的落點、屈膝角度、手擺動的幅度</a:t>
-            </a:r>
-            <a:r>
-              <a:rPr lang="en-US" altLang="zh-TW" dirty="0"/>
-              <a:t>)</a:t>
-            </a:r>
-            <a:r>
-              <a:rPr lang="zh-TW" altLang="en-US" dirty="0"/>
-              <a:t>，從而讓各肌群的功能發揮到最大。</a:t>
-            </a:r>
+              <a:t> 功能性訓練動作姿態矯正</a:t>
+            </a:r>
+            <a:endParaRPr lang="en-US" altLang="zh-TW" dirty="0"/>
+          </a:p>
+          <a:p>
+            <a:pPr>
+              <a:buFont typeface="Wingdings" panose="05000000000000000000" pitchFamily="2" charset="2"/>
+              <a:buChar char="l"/>
+            </a:pPr>
+            <a:endParaRPr lang="zh-TW" altLang="en-US" dirty="0"/>
           </a:p>
         </p:txBody>
       </p:sp>
-      <p:pic>
-        <p:nvPicPr>
-          <p:cNvPr id="7" name="圖片 6">
-            <a:extLst>
-              <a:ext uri="{FF2B5EF4-FFF2-40B4-BE49-F238E27FC236}">
-                <a16:creationId xmlns:a16="http://schemas.microsoft.com/office/drawing/2014/main" id="{9BD8AE46-A399-7640-F0F5-D3A51A008732}"/>
-              </a:ext>
-            </a:extLst>
-          </p:cNvPr>
-          <p:cNvPicPr>
-            <a:picLocks noChangeAspect="1"/>
-          </p:cNvPicPr>
-          <p:nvPr/>
-        </p:nvPicPr>
-        <p:blipFill>
-          <a:blip r:embed="rId2"/>
-          <a:stretch>
-            <a:fillRect/>
-          </a:stretch>
-        </p:blipFill>
-        <p:spPr>
-          <a:xfrm>
-            <a:off x="5023713" y="3207885"/>
-            <a:ext cx="2562583" cy="3315163"/>
-          </a:xfrm>
-          <a:prstGeom prst="rect">
-            <a:avLst/>
-          </a:prstGeom>
-        </p:spPr>
-      </p:pic>
-      <p:pic>
-        <p:nvPicPr>
-          <p:cNvPr id="9" name="圖片 8">
-            <a:extLst>
-              <a:ext uri="{FF2B5EF4-FFF2-40B4-BE49-F238E27FC236}">
-                <a16:creationId xmlns:a16="http://schemas.microsoft.com/office/drawing/2014/main" id="{31F0B7C0-F3CF-92B4-4F05-9E903C42176B}"/>
-              </a:ext>
-            </a:extLst>
-          </p:cNvPr>
-          <p:cNvPicPr>
-            <a:picLocks noChangeAspect="1"/>
-          </p:cNvPicPr>
-          <p:nvPr/>
-        </p:nvPicPr>
-        <p:blipFill>
-          <a:blip r:embed="rId3"/>
-          <a:stretch>
-            <a:fillRect/>
-          </a:stretch>
-        </p:blipFill>
-        <p:spPr>
-          <a:xfrm>
-            <a:off x="8278213" y="3207885"/>
-            <a:ext cx="2131122" cy="3263556"/>
-          </a:xfrm>
-          <a:prstGeom prst="rect">
-            <a:avLst/>
-          </a:prstGeom>
-        </p:spPr>
-      </p:pic>
     </p:spTree>
     <p:extLst>
       <p:ext uri="{BB962C8B-B14F-4D97-AF65-F5344CB8AC3E}">
-        <p14:creationId xmlns:p14="http://schemas.microsoft.com/office/powerpoint/2010/main" val="2004198780"/>
+        <p14:creationId xmlns:p14="http://schemas.microsoft.com/office/powerpoint/2010/main" val="2241913644"/>
       </p:ext>
     </p:extLst>
   </p:cSld>
@@ -8320,7 +10477,23 @@
             </a:pPr>
             <a:r>
               <a:rPr lang="zh-TW" altLang="en-US" dirty="0"/>
-              <a:t> 在經過上一步的姿態矯正後，若使用者還想進一步加強運動表現，則系統會再提供加強相關肌群的功能性訓練動作，且可依照使用者的條件，提供徒手訓練、基本器材訓練以及完整器材訓練。</a:t>
+              <a:t> 使用者可以依照需求點選自己的訓練條件</a:t>
+            </a:r>
+            <a:r>
+              <a:rPr lang="en-US" altLang="zh-TW" dirty="0"/>
+              <a:t>(</a:t>
+            </a:r>
+            <a:r>
+              <a:rPr lang="zh-TW" altLang="en-US" dirty="0"/>
+              <a:t>分為徒手訓練、基本器材訓練、完整器材訓練</a:t>
+            </a:r>
+            <a:r>
+              <a:rPr lang="en-US" altLang="zh-TW" dirty="0"/>
+              <a:t>)</a:t>
+            </a:r>
+            <a:r>
+              <a:rPr lang="zh-TW" altLang="en-US" dirty="0"/>
+              <a:t>，系統就會依照選擇的條件推薦使用者可嘗試的訓練動作。</a:t>
             </a:r>
           </a:p>
         </p:txBody>
@@ -8486,7 +10659,7 @@
           <a:p>
             <a:r>
               <a:rPr lang="zh-TW" altLang="en-US" b="1" dirty="0"/>
-              <a:t>跳躍使用到的肌群</a:t>
+              <a:t>下肢的肌群</a:t>
             </a:r>
           </a:p>
         </p:txBody>
@@ -8510,11 +10683,13 @@
         <p:spPr>
           <a:xfrm>
             <a:off x="838200" y="1529533"/>
-            <a:ext cx="10515600" cy="4351338"/>
+            <a:ext cx="10515600" cy="4812544"/>
           </a:xfrm>
         </p:spPr>
         <p:txBody>
-          <a:bodyPr/>
+          <a:bodyPr>
+            <a:normAutofit fontScale="92500" lnSpcReduction="10000"/>
+          </a:bodyPr>
           <a:lstStyle/>
           <a:p>
             <a:pPr>
@@ -8522,10 +10697,26 @@
               <a:buChar char="•"/>
             </a:pPr>
             <a:r>
-              <a:rPr lang="zh-TW" altLang="en-US" dirty="0"/>
-              <a:t> 股四頭</a:t>
-            </a:r>
-            <a:endParaRPr lang="en-US" altLang="zh-TW" dirty="0"/>
+              <a:rPr lang="zh-TW" altLang="en-US" dirty="0">
+                <a:solidFill>
+                  <a:srgbClr val="FF0000"/>
+                </a:solidFill>
+              </a:rPr>
+              <a:t> </a:t>
+            </a:r>
+            <a:r>
+              <a:rPr lang="zh-TW" altLang="en-US" dirty="0">
+                <a:solidFill>
+                  <a:schemeClr val="tx1"/>
+                </a:solidFill>
+              </a:rPr>
+              <a:t>股四頭肌</a:t>
+            </a:r>
+            <a:endParaRPr lang="en-US" altLang="zh-TW" dirty="0">
+              <a:solidFill>
+                <a:schemeClr val="tx1"/>
+              </a:solidFill>
+            </a:endParaRPr>
           </a:p>
           <a:p>
             <a:pPr>
@@ -8533,10 +10724,18 @@
               <a:buChar char="•"/>
             </a:pPr>
             <a:r>
-              <a:rPr lang="zh-TW" altLang="en-US" dirty="0"/>
+              <a:rPr lang="zh-TW" altLang="en-US" dirty="0">
+                <a:solidFill>
+                  <a:schemeClr val="tx1"/>
+                </a:solidFill>
+              </a:rPr>
               <a:t> 臀大肌</a:t>
             </a:r>
-            <a:endParaRPr lang="en-US" altLang="zh-TW" dirty="0"/>
+            <a:endParaRPr lang="en-US" altLang="zh-TW" dirty="0">
+              <a:solidFill>
+                <a:schemeClr val="tx1"/>
+              </a:solidFill>
+            </a:endParaRPr>
           </a:p>
           <a:p>
             <a:pPr>
@@ -8558,6 +10757,12 @@
               <a:rPr lang="zh-TW" altLang="en-US" dirty="0"/>
               <a:t> 小腿肌</a:t>
             </a:r>
+            <a:endParaRPr lang="en-US" altLang="zh-TW" dirty="0"/>
+          </a:p>
+          <a:p>
+            <a:pPr marL="0" indent="0">
+              <a:buNone/>
+            </a:pPr>
             <a:endParaRPr lang="en-US" altLang="zh-TW" dirty="0"/>
           </a:p>
           <a:p>
@@ -8568,13 +10773,19 @@
             <a:endParaRPr lang="en-US" altLang="zh-TW" dirty="0"/>
           </a:p>
           <a:p>
+            <a:pPr marL="0" indent="0">
+              <a:buNone/>
+            </a:pPr>
+            <a:endParaRPr lang="en-US" altLang="zh-TW" dirty="0"/>
+          </a:p>
+          <a:p>
             <a:pPr>
               <a:buFont typeface="Wingdings" panose="05000000000000000000" pitchFamily="2" charset="2"/>
               <a:buChar char="l"/>
             </a:pPr>
             <a:r>
               <a:rPr lang="zh-TW" altLang="en-US" dirty="0"/>
-              <a:t> 避免動作太多做不完，先針對股四頭和臀大肌提供訓練動作和姿勢矯正。</a:t>
+              <a:t> 避免動作太多做不完，先針對能把下肢所有肌肉都能練到的深蹲進行姿態矯正，若有餘力再新增其他肌群的訓練動作。</a:t>
             </a:r>
           </a:p>
         </p:txBody>
@@ -8607,7 +10818,7 @@
         </p:blipFill>
         <p:spPr>
           <a:xfrm>
-            <a:off x="5818550" y="709396"/>
+            <a:off x="5642201" y="365125"/>
             <a:ext cx="5711599" cy="3457384"/>
           </a:xfrm>
           <a:prstGeom prst="rect">
@@ -8668,7 +10879,9 @@
           </a:xfrm>
         </p:spPr>
         <p:txBody>
-          <a:bodyPr/>
+          <a:bodyPr>
+            <a:normAutofit lnSpcReduction="10000"/>
+          </a:bodyPr>
           <a:lstStyle/>
           <a:p>
             <a:pPr>
@@ -8676,10 +10889,18 @@
               <a:buChar char="l"/>
             </a:pPr>
             <a:r>
-              <a:rPr lang="zh-TW" altLang="en-US" dirty="0"/>
+              <a:rPr lang="zh-TW" altLang="en-US" dirty="0">
+                <a:solidFill>
+                  <a:schemeClr val="tx1"/>
+                </a:solidFill>
+              </a:rPr>
               <a:t> 股四頭肌：</a:t>
             </a:r>
-            <a:endParaRPr lang="en-US" altLang="zh-TW" dirty="0"/>
+            <a:endParaRPr lang="en-US" altLang="zh-TW" dirty="0">
+              <a:solidFill>
+                <a:schemeClr val="tx1"/>
+              </a:solidFill>
+            </a:endParaRPr>
           </a:p>
           <a:p>
             <a:pPr>
@@ -8687,10 +10908,18 @@
               <a:buChar char="•"/>
             </a:pPr>
             <a:r>
-              <a:rPr lang="zh-TW" altLang="en-US" dirty="0"/>
+              <a:rPr lang="zh-TW" altLang="en-US" dirty="0">
+                <a:solidFill>
+                  <a:schemeClr val="tx1"/>
+                </a:solidFill>
+              </a:rPr>
               <a:t>自重深蹲</a:t>
             </a:r>
-            <a:endParaRPr lang="en-US" altLang="zh-TW" dirty="0"/>
+            <a:endParaRPr lang="en-US" altLang="zh-TW" dirty="0">
+              <a:solidFill>
+                <a:schemeClr val="tx1"/>
+              </a:solidFill>
+            </a:endParaRPr>
           </a:p>
           <a:p>
             <a:pPr>
@@ -8698,10 +10927,18 @@
               <a:buChar char="•"/>
             </a:pPr>
             <a:r>
-              <a:rPr lang="zh-TW" altLang="en-US" dirty="0"/>
+              <a:rPr lang="zh-TW" altLang="en-US" dirty="0">
+                <a:solidFill>
+                  <a:schemeClr val="tx1"/>
+                </a:solidFill>
+              </a:rPr>
               <a:t>啞鈴深蹲</a:t>
             </a:r>
-            <a:endParaRPr lang="en-US" altLang="zh-TW" dirty="0"/>
+            <a:endParaRPr lang="en-US" altLang="zh-TW" dirty="0">
+              <a:solidFill>
+                <a:schemeClr val="tx1"/>
+              </a:solidFill>
+            </a:endParaRPr>
           </a:p>
           <a:p>
             <a:pPr>
@@ -8709,15 +10946,30 @@
               <a:buChar char="•"/>
             </a:pPr>
             <a:r>
-              <a:rPr lang="zh-TW" altLang="en-US" dirty="0"/>
+              <a:rPr lang="zh-TW" altLang="en-US" dirty="0">
+                <a:solidFill>
+                  <a:schemeClr val="tx1"/>
+                </a:solidFill>
+              </a:rPr>
               <a:t>槓鈴深蹲</a:t>
             </a:r>
-            <a:endParaRPr lang="en-US" altLang="zh-TW" dirty="0"/>
+            <a:endParaRPr lang="en-US" altLang="zh-TW" dirty="0">
+              <a:solidFill>
+                <a:schemeClr val="tx1"/>
+              </a:solidFill>
+            </a:endParaRPr>
           </a:p>
           <a:p>
             <a:pPr marL="0" indent="0">
               <a:buNone/>
             </a:pPr>
+            <a:br>
+              <a:rPr lang="en-US" altLang="zh-TW" dirty="0"/>
+            </a:br>
+            <a:r>
+              <a:rPr lang="zh-TW" altLang="en-US" dirty="0"/>
+              <a:t>若有餘力會新增：</a:t>
+            </a:r>
             <a:endParaRPr lang="en-US" altLang="zh-TW" dirty="0"/>
           </a:p>
           <a:p>

--- a/提升運動表現輔助系統.pptx
+++ b/提升運動表現輔助系統.pptx
@@ -9663,19 +9663,7 @@
             </a:pPr>
             <a:r>
               <a:rPr lang="zh-TW" altLang="en-US" dirty="0"/>
-              <a:t> 如何在</a:t>
-            </a:r>
-            <a:r>
-              <a:rPr lang="en-US" altLang="zh-TW" dirty="0"/>
-              <a:t>Anaconda</a:t>
-            </a:r>
-            <a:r>
-              <a:rPr lang="zh-TW" altLang="en-US" dirty="0"/>
-              <a:t>虛擬環境下使用</a:t>
-            </a:r>
-            <a:r>
-              <a:rPr lang="en-US" altLang="zh-TW" dirty="0" err="1"/>
-              <a:t>OpenPose</a:t>
+              <a:t> 架設好環境</a:t>
             </a:r>
             <a:endParaRPr lang="en-US" altLang="zh-TW" dirty="0"/>
           </a:p>
@@ -9686,12 +9674,9 @@
             </a:pPr>
             <a:r>
               <a:rPr lang="zh-TW" altLang="en-US" dirty="0"/>
-              <a:t> 搜尋程式碼、運動相關文獻</a:t>
+              <a:t> 搜尋程式碼、姿勢判定的方法</a:t>
             </a:r>
             <a:endParaRPr lang="en-US" altLang="zh-TW" dirty="0"/>
-          </a:p>
-          <a:p>
-            <a:endParaRPr lang="zh-TW" altLang="en-US" dirty="0"/>
           </a:p>
         </p:txBody>
       </p:sp>

--- a/提升運動表現輔助系統.pptx
+++ b/提升運動表現輔助系統.pptx
@@ -352,7 +352,7 @@
           <a:p>
             <a:fld id="{0DAF61AA-5A98-4049-A93E-477E5505141A}" type="datetimeFigureOut">
               <a:rPr lang="en-US" smtClean="0"/>
-              <a:t>3/29/2023</a:t>
+              <a:t>3/30/2023</a:t>
             </a:fld>
             <a:endParaRPr lang="en-US" dirty="0"/>
           </a:p>
@@ -552,7 +552,7 @@
           <a:p>
             <a:fld id="{0DAF61AA-5A98-4049-A93E-477E5505141A}" type="datetimeFigureOut">
               <a:rPr lang="en-US" smtClean="0"/>
-              <a:t>3/29/2023</a:t>
+              <a:t>3/30/2023</a:t>
             </a:fld>
             <a:endParaRPr lang="en-US"/>
           </a:p>
@@ -762,7 +762,7 @@
           <a:p>
             <a:fld id="{0DAF61AA-5A98-4049-A93E-477E5505141A}" type="datetimeFigureOut">
               <a:rPr lang="en-US" smtClean="0"/>
-              <a:t>3/29/2023</a:t>
+              <a:t>3/30/2023</a:t>
             </a:fld>
             <a:endParaRPr lang="en-US"/>
           </a:p>
@@ -962,7 +962,7 @@
           <a:p>
             <a:fld id="{0DAF61AA-5A98-4049-A93E-477E5505141A}" type="datetimeFigureOut">
               <a:rPr lang="en-US" smtClean="0"/>
-              <a:t>3/29/2023</a:t>
+              <a:t>3/30/2023</a:t>
             </a:fld>
             <a:endParaRPr lang="en-US"/>
           </a:p>
@@ -1238,7 +1238,7 @@
           <a:p>
             <a:fld id="{0DAF61AA-5A98-4049-A93E-477E5505141A}" type="datetimeFigureOut">
               <a:rPr lang="en-US" smtClean="0"/>
-              <a:t>3/29/2023</a:t>
+              <a:t>3/30/2023</a:t>
             </a:fld>
             <a:endParaRPr lang="en-US"/>
           </a:p>
@@ -1506,7 +1506,7 @@
           <a:p>
             <a:fld id="{0DAF61AA-5A98-4049-A93E-477E5505141A}" type="datetimeFigureOut">
               <a:rPr lang="en-US" smtClean="0"/>
-              <a:t>3/29/2023</a:t>
+              <a:t>3/30/2023</a:t>
             </a:fld>
             <a:endParaRPr lang="en-US"/>
           </a:p>
@@ -1921,7 +1921,7 @@
           <a:p>
             <a:fld id="{0DAF61AA-5A98-4049-A93E-477E5505141A}" type="datetimeFigureOut">
               <a:rPr lang="en-US" smtClean="0"/>
-              <a:t>3/29/2023</a:t>
+              <a:t>3/30/2023</a:t>
             </a:fld>
             <a:endParaRPr lang="en-US"/>
           </a:p>
@@ -2063,7 +2063,7 @@
           <a:p>
             <a:fld id="{0DAF61AA-5A98-4049-A93E-477E5505141A}" type="datetimeFigureOut">
               <a:rPr lang="en-US" smtClean="0"/>
-              <a:t>3/29/2023</a:t>
+              <a:t>3/30/2023</a:t>
             </a:fld>
             <a:endParaRPr lang="en-US"/>
           </a:p>
@@ -2176,7 +2176,7 @@
           <a:p>
             <a:fld id="{0DAF61AA-5A98-4049-A93E-477E5505141A}" type="datetimeFigureOut">
               <a:rPr lang="en-US" smtClean="0"/>
-              <a:t>3/29/2023</a:t>
+              <a:t>3/30/2023</a:t>
             </a:fld>
             <a:endParaRPr lang="en-US"/>
           </a:p>
@@ -2489,7 +2489,7 @@
           <a:p>
             <a:fld id="{0DAF61AA-5A98-4049-A93E-477E5505141A}" type="datetimeFigureOut">
               <a:rPr lang="en-US" smtClean="0"/>
-              <a:t>3/29/2023</a:t>
+              <a:t>3/30/2023</a:t>
             </a:fld>
             <a:endParaRPr lang="en-US"/>
           </a:p>
@@ -2782,7 +2782,7 @@
           <a:p>
             <a:fld id="{0DAF61AA-5A98-4049-A93E-477E5505141A}" type="datetimeFigureOut">
               <a:rPr lang="en-US" smtClean="0"/>
-              <a:t>3/29/2023</a:t>
+              <a:t>3/30/2023</a:t>
             </a:fld>
             <a:endParaRPr lang="en-US"/>
           </a:p>
@@ -6492,7 +6492,7 @@
             <a:fld id="{0DAF61AA-5A98-4049-A93E-477E5505141A}" type="datetimeFigureOut">
               <a:rPr lang="en-US" smtClean="0"/>
               <a:pPr/>
-              <a:t>3/29/2023</a:t>
+              <a:t>3/30/2023</a:t>
             </a:fld>
             <a:endParaRPr lang="en-US" dirty="0"/>
           </a:p>
@@ -9808,6 +9808,25 @@
               </a:rPr>
               <a:t> AI Fitness Coach at Home using Image Recognition</a:t>
             </a:r>
+            <a:endParaRPr lang="en-US" altLang="zh-TW" dirty="0"/>
+          </a:p>
+          <a:p>
+            <a:pPr>
+              <a:buFont typeface="Wingdings" panose="05000000000000000000" pitchFamily="2" charset="2"/>
+              <a:buChar char="l"/>
+            </a:pPr>
+            <a:r>
+              <a:rPr lang="en-US" altLang="zh-TW" dirty="0"/>
+              <a:t> </a:t>
+            </a:r>
+            <a:r>
+              <a:rPr lang="en-US" altLang="zh-TW" b="1" i="0" u="none" strike="noStrike" dirty="0">
+                <a:effectLst/>
+                <a:latin typeface="-apple-system"/>
+                <a:hlinkClick r:id="rId6"/>
+              </a:rPr>
+              <a:t>Exercise-Correction</a:t>
+            </a:r>
             <a:endParaRPr lang="zh-TW" altLang="en-US" dirty="0"/>
           </a:p>
         </p:txBody>
